--- a/notes/csc402-ln021.pptx
+++ b/notes/csc402-ln021.pptx
@@ -7793,6 +7793,46 @@
           </a:p>
         </p:txBody>
       </p:sp>
+      <p:sp>
+        <p:nvSpPr>
+          <p:cNvPr id="4" name="TextBox 3">
+            <a:extLst>
+              <a:ext uri="{FF2B5EF4-FFF2-40B4-BE49-F238E27FC236}">
+                <a16:creationId xmlns:a16="http://schemas.microsoft.com/office/drawing/2014/main" id="{F6DB3FF6-CCF9-6140-8D76-95584B18B84C}"/>
+              </a:ext>
+            </a:extLst>
+          </p:cNvPr>
+          <p:cNvSpPr txBox="1"/>
+          <p:nvPr/>
+        </p:nvSpPr>
+        <p:spPr>
+          <a:xfrm>
+            <a:off x="6064624" y="658906"/>
+            <a:ext cx="1056700" cy="369332"/>
+          </a:xfrm>
+          <a:prstGeom prst="rect">
+            <a:avLst/>
+          </a:prstGeom>
+          <a:noFill/>
+          <a:ln>
+            <a:solidFill>
+              <a:schemeClr val="tx1"/>
+            </a:solidFill>
+          </a:ln>
+        </p:spPr>
+        <p:txBody>
+          <a:bodyPr wrap="none" rtlCol="0">
+            <a:spAutoFit/>
+          </a:bodyPr>
+          <a:lstStyle/>
+          <a:p>
+            <a:r>
+              <a:rPr lang="en-US" sz="1800" dirty="0"/>
+              <a:t>Chap 13</a:t>
+            </a:r>
+          </a:p>
+        </p:txBody>
+      </p:sp>
     </p:spTree>
     <p:extLst>
       <p:ext uri="{BB962C8B-B14F-4D97-AF65-F5344CB8AC3E}">

--- a/notes/csc402-ln021.pptx
+++ b/notes/csc402-ln021.pptx
@@ -234,17 +234,17 @@
           </a:ln>
           <a:extLst>
             <a:ext uri="{FAA26D3D-D897-4be2-8F04-BA451C77F1D7}">
-              <ma14:placeholderFlag xmlns="" xmlns:ma14="http://schemas.microsoft.com/office/mac/drawingml/2011/main" val="1"/>
+              <ma14:placeholderFlag xmlns:ma14="http://schemas.microsoft.com/office/mac/drawingml/2011/main" xmlns="" val="1"/>
             </a:ext>
             <a:ext uri="{909E8E84-426E-40dd-AFC4-6F175D3DCCD1}">
-              <a14:hiddenFill xmlns:a14="http://schemas.microsoft.com/office/drawing/2010/main" xmlns="">
+              <a14:hiddenFill xmlns="" xmlns:a14="http://schemas.microsoft.com/office/drawing/2010/main">
                 <a:solidFill>
                   <a:schemeClr val="accent1"/>
                 </a:solidFill>
               </a14:hiddenFill>
             </a:ext>
             <a:ext uri="{91240B29-F687-4f45-9708-019B960494DF}">
-              <a14:hiddenLine xmlns:a14="http://schemas.microsoft.com/office/drawing/2010/main" xmlns="" w="9525">
+              <a14:hiddenLine xmlns="" xmlns:a14="http://schemas.microsoft.com/office/drawing/2010/main" w="9525">
                 <a:solidFill>
                   <a:schemeClr val="tx1"/>
                 </a:solidFill>
@@ -295,17 +295,17 @@
           </a:ln>
           <a:extLst>
             <a:ext uri="{FAA26D3D-D897-4be2-8F04-BA451C77F1D7}">
-              <ma14:placeholderFlag xmlns="" xmlns:ma14="http://schemas.microsoft.com/office/mac/drawingml/2011/main" val="1"/>
+              <ma14:placeholderFlag xmlns:ma14="http://schemas.microsoft.com/office/mac/drawingml/2011/main" xmlns="" val="1"/>
             </a:ext>
             <a:ext uri="{909E8E84-426E-40dd-AFC4-6F175D3DCCD1}">
-              <a14:hiddenFill xmlns:a14="http://schemas.microsoft.com/office/drawing/2010/main" xmlns="">
+              <a14:hiddenFill xmlns="" xmlns:a14="http://schemas.microsoft.com/office/drawing/2010/main">
                 <a:solidFill>
                   <a:schemeClr val="accent1"/>
                 </a:solidFill>
               </a14:hiddenFill>
             </a:ext>
             <a:ext uri="{91240B29-F687-4f45-9708-019B960494DF}">
-              <a14:hiddenLine xmlns:a14="http://schemas.microsoft.com/office/drawing/2010/main" xmlns="" w="9525">
+              <a14:hiddenLine xmlns="" xmlns:a14="http://schemas.microsoft.com/office/drawing/2010/main" w="9525">
                 <a:solidFill>
                   <a:schemeClr val="tx1"/>
                 </a:solidFill>
@@ -362,7 +362,7 @@
           <a:effectLst/>
           <a:extLst>
             <a:ext uri="{AF507438-7753-43e0-B8FC-AC1667EBCBE1}">
-              <a14:hiddenEffects xmlns:a14="http://schemas.microsoft.com/office/drawing/2010/main" xmlns="">
+              <a14:hiddenEffects xmlns="" xmlns:a14="http://schemas.microsoft.com/office/drawing/2010/main">
                 <a:effectLst>
                   <a:outerShdw blurRad="63500" dist="38099" dir="2700000" algn="ctr" rotWithShape="0">
                     <a:srgbClr val="000000">
@@ -373,7 +373,7 @@
               </a14:hiddenEffects>
             </a:ext>
             <a:ext uri="{53640926-AAD7-44d8-BBD7-CCE9431645EC}">
-              <a14:shadowObscured xmlns:a14="http://schemas.microsoft.com/office/drawing/2010/main" xmlns="" val="1"/>
+              <a14:shadowObscured xmlns="" xmlns:a14="http://schemas.microsoft.com/office/drawing/2010/main" val="1"/>
             </a:ext>
           </a:extLst>
         </p:spPr>
@@ -402,17 +402,17 @@
           </a:ln>
           <a:extLst>
             <a:ext uri="{FAA26D3D-D897-4be2-8F04-BA451C77F1D7}">
-              <ma14:placeholderFlag xmlns="" xmlns:ma14="http://schemas.microsoft.com/office/mac/drawingml/2011/main" val="1"/>
+              <ma14:placeholderFlag xmlns:ma14="http://schemas.microsoft.com/office/mac/drawingml/2011/main" xmlns="" val="1"/>
             </a:ext>
             <a:ext uri="{909E8E84-426E-40dd-AFC4-6F175D3DCCD1}">
-              <a14:hiddenFill xmlns:a14="http://schemas.microsoft.com/office/drawing/2010/main" xmlns="">
+              <a14:hiddenFill xmlns="" xmlns:a14="http://schemas.microsoft.com/office/drawing/2010/main">
                 <a:solidFill>
                   <a:schemeClr val="accent1"/>
                 </a:solidFill>
               </a14:hiddenFill>
             </a:ext>
             <a:ext uri="{91240B29-F687-4f45-9708-019B960494DF}">
-              <a14:hiddenLine xmlns:a14="http://schemas.microsoft.com/office/drawing/2010/main" xmlns="" w="9525">
+              <a14:hiddenLine xmlns="" xmlns:a14="http://schemas.microsoft.com/office/drawing/2010/main" w="9525">
                 <a:solidFill>
                   <a:schemeClr val="tx1"/>
                 </a:solidFill>
@@ -491,17 +491,17 @@
           </a:ln>
           <a:extLst>
             <a:ext uri="{FAA26D3D-D897-4be2-8F04-BA451C77F1D7}">
-              <ma14:placeholderFlag xmlns="" xmlns:ma14="http://schemas.microsoft.com/office/mac/drawingml/2011/main" val="1"/>
+              <ma14:placeholderFlag xmlns:ma14="http://schemas.microsoft.com/office/mac/drawingml/2011/main" xmlns="" val="1"/>
             </a:ext>
             <a:ext uri="{909E8E84-426E-40dd-AFC4-6F175D3DCCD1}">
-              <a14:hiddenFill xmlns:a14="http://schemas.microsoft.com/office/drawing/2010/main" xmlns="">
+              <a14:hiddenFill xmlns="" xmlns:a14="http://schemas.microsoft.com/office/drawing/2010/main">
                 <a:solidFill>
                   <a:schemeClr val="accent1"/>
                 </a:solidFill>
               </a14:hiddenFill>
             </a:ext>
             <a:ext uri="{91240B29-F687-4f45-9708-019B960494DF}">
-              <a14:hiddenLine xmlns:a14="http://schemas.microsoft.com/office/drawing/2010/main" xmlns="" w="9525">
+              <a14:hiddenLine xmlns="" xmlns:a14="http://schemas.microsoft.com/office/drawing/2010/main" w="9525">
                 <a:solidFill>
                   <a:schemeClr val="tx1"/>
                 </a:solidFill>
@@ -552,17 +552,17 @@
           </a:ln>
           <a:extLst>
             <a:ext uri="{FAA26D3D-D897-4be2-8F04-BA451C77F1D7}">
-              <ma14:placeholderFlag xmlns="" xmlns:ma14="http://schemas.microsoft.com/office/mac/drawingml/2011/main" val="1"/>
+              <ma14:placeholderFlag xmlns:ma14="http://schemas.microsoft.com/office/mac/drawingml/2011/main" xmlns="" val="1"/>
             </a:ext>
             <a:ext uri="{909E8E84-426E-40dd-AFC4-6F175D3DCCD1}">
-              <a14:hiddenFill xmlns:a14="http://schemas.microsoft.com/office/drawing/2010/main" xmlns="">
+              <a14:hiddenFill xmlns="" xmlns:a14="http://schemas.microsoft.com/office/drawing/2010/main">
                 <a:solidFill>
                   <a:schemeClr val="accent1"/>
                 </a:solidFill>
               </a14:hiddenFill>
             </a:ext>
             <a:ext uri="{91240B29-F687-4f45-9708-019B960494DF}">
-              <a14:hiddenLine xmlns:a14="http://schemas.microsoft.com/office/drawing/2010/main" xmlns="" w="9525">
+              <a14:hiddenLine xmlns="" xmlns:a14="http://schemas.microsoft.com/office/drawing/2010/main" w="9525">
                 <a:solidFill>
                   <a:schemeClr val="tx1"/>
                 </a:solidFill>
@@ -863,12 +863,12 @@
           <a:effectLst/>
           <a:extLst>
             <a:ext uri="{909E8E84-426E-40dd-AFC4-6F175D3DCCD1}">
-              <a14:hiddenFill xmlns:a14="http://schemas.microsoft.com/office/drawing/2010/main" xmlns="">
+              <a14:hiddenFill xmlns="" xmlns:a14="http://schemas.microsoft.com/office/drawing/2010/main">
                 <a:noFill/>
               </a14:hiddenFill>
             </a:ext>
             <a:ext uri="{AF507438-7753-43e0-B8FC-AC1667EBCBE1}">
-              <a14:hiddenEffects xmlns:a14="http://schemas.microsoft.com/office/drawing/2010/main" xmlns="">
+              <a14:hiddenEffects xmlns="" xmlns:a14="http://schemas.microsoft.com/office/drawing/2010/main">
                 <a:effectLst>
                   <a:outerShdw blurRad="63500" dist="38099" dir="2700000" algn="ctr" rotWithShape="0">
                     <a:schemeClr val="bg2">
@@ -1069,7 +1069,7 @@
             <a:effectLst/>
             <a:extLst>
               <a:ext uri="{91240B29-F687-4f45-9708-019B960494DF}">
-                <a14:hiddenLine xmlns:a14="http://schemas.microsoft.com/office/drawing/2010/main" xmlns="" w="9525">
+                <a14:hiddenLine xmlns="" xmlns:a14="http://schemas.microsoft.com/office/drawing/2010/main" w="9525">
                   <a:solidFill>
                     <a:schemeClr val="tx1"/>
                   </a:solidFill>
@@ -1079,7 +1079,7 @@
                 </a14:hiddenLine>
               </a:ext>
               <a:ext uri="{AF507438-7753-43e0-B8FC-AC1667EBCBE1}">
-                <a14:hiddenEffects xmlns:a14="http://schemas.microsoft.com/office/drawing/2010/main" xmlns="">
+                <a14:hiddenEffects xmlns="" xmlns:a14="http://schemas.microsoft.com/office/drawing/2010/main">
                   <a:effectLst>
                     <a:outerShdw blurRad="63500" dist="38099" dir="2700000" algn="ctr" rotWithShape="0">
                       <a:schemeClr val="bg2">
@@ -1124,7 +1124,7 @@
             <a:effectLst/>
             <a:extLst>
               <a:ext uri="{91240B29-F687-4f45-9708-019B960494DF}">
-                <a14:hiddenLine xmlns:a14="http://schemas.microsoft.com/office/drawing/2010/main" xmlns="" w="9525">
+                <a14:hiddenLine xmlns="" xmlns:a14="http://schemas.microsoft.com/office/drawing/2010/main" w="9525">
                   <a:solidFill>
                     <a:schemeClr val="tx1"/>
                   </a:solidFill>
@@ -1134,7 +1134,7 @@
                 </a14:hiddenLine>
               </a:ext>
               <a:ext uri="{AF507438-7753-43e0-B8FC-AC1667EBCBE1}">
-                <a14:hiddenEffects xmlns:a14="http://schemas.microsoft.com/office/drawing/2010/main" xmlns="">
+                <a14:hiddenEffects xmlns="" xmlns:a14="http://schemas.microsoft.com/office/drawing/2010/main">
                   <a:effectLst>
                     <a:outerShdw blurRad="63500" dist="38099" dir="2700000" algn="ctr" rotWithShape="0">
                       <a:schemeClr val="bg2">
@@ -1179,7 +1179,7 @@
             <a:effectLst/>
             <a:extLst>
               <a:ext uri="{91240B29-F687-4f45-9708-019B960494DF}">
-                <a14:hiddenLine xmlns:a14="http://schemas.microsoft.com/office/drawing/2010/main" xmlns="" w="9525">
+                <a14:hiddenLine xmlns="" xmlns:a14="http://schemas.microsoft.com/office/drawing/2010/main" w="9525">
                   <a:solidFill>
                     <a:schemeClr val="tx1"/>
                   </a:solidFill>
@@ -1189,7 +1189,7 @@
                 </a14:hiddenLine>
               </a:ext>
               <a:ext uri="{AF507438-7753-43e0-B8FC-AC1667EBCBE1}">
-                <a14:hiddenEffects xmlns:a14="http://schemas.microsoft.com/office/drawing/2010/main" xmlns="">
+                <a14:hiddenEffects xmlns="" xmlns:a14="http://schemas.microsoft.com/office/drawing/2010/main">
                   <a:effectLst>
                     <a:outerShdw blurRad="63500" dist="38099" dir="2700000" algn="ctr" rotWithShape="0">
                       <a:schemeClr val="bg2">
@@ -1234,7 +1234,7 @@
             <a:effectLst/>
             <a:extLst>
               <a:ext uri="{91240B29-F687-4f45-9708-019B960494DF}">
-                <a14:hiddenLine xmlns:a14="http://schemas.microsoft.com/office/drawing/2010/main" xmlns="" w="9525">
+                <a14:hiddenLine xmlns="" xmlns:a14="http://schemas.microsoft.com/office/drawing/2010/main" w="9525">
                   <a:solidFill>
                     <a:schemeClr val="tx1"/>
                   </a:solidFill>
@@ -1244,7 +1244,7 @@
                 </a14:hiddenLine>
               </a:ext>
               <a:ext uri="{AF507438-7753-43e0-B8FC-AC1667EBCBE1}">
-                <a14:hiddenEffects xmlns:a14="http://schemas.microsoft.com/office/drawing/2010/main" xmlns="">
+                <a14:hiddenEffects xmlns="" xmlns:a14="http://schemas.microsoft.com/office/drawing/2010/main">
                   <a:effectLst>
                     <a:outerShdw blurRad="63500" dist="38099" dir="2700000" algn="ctr" rotWithShape="0">
                       <a:schemeClr val="bg2">
@@ -1289,7 +1289,7 @@
             <a:effectLst/>
             <a:extLst>
               <a:ext uri="{91240B29-F687-4f45-9708-019B960494DF}">
-                <a14:hiddenLine xmlns:a14="http://schemas.microsoft.com/office/drawing/2010/main" xmlns="" w="9525">
+                <a14:hiddenLine xmlns="" xmlns:a14="http://schemas.microsoft.com/office/drawing/2010/main" w="9525">
                   <a:solidFill>
                     <a:schemeClr val="tx1"/>
                   </a:solidFill>
@@ -1299,7 +1299,7 @@
                 </a14:hiddenLine>
               </a:ext>
               <a:ext uri="{AF507438-7753-43e0-B8FC-AC1667EBCBE1}">
-                <a14:hiddenEffects xmlns:a14="http://schemas.microsoft.com/office/drawing/2010/main" xmlns="">
+                <a14:hiddenEffects xmlns="" xmlns:a14="http://schemas.microsoft.com/office/drawing/2010/main">
                   <a:effectLst>
                     <a:outerShdw blurRad="63500" dist="38099" dir="2700000" algn="ctr" rotWithShape="0">
                       <a:schemeClr val="bg2">
@@ -1344,7 +1344,7 @@
             <a:effectLst/>
             <a:extLst>
               <a:ext uri="{91240B29-F687-4f45-9708-019B960494DF}">
-                <a14:hiddenLine xmlns:a14="http://schemas.microsoft.com/office/drawing/2010/main" xmlns="" w="9525">
+                <a14:hiddenLine xmlns="" xmlns:a14="http://schemas.microsoft.com/office/drawing/2010/main" w="9525">
                   <a:solidFill>
                     <a:schemeClr val="tx1"/>
                   </a:solidFill>
@@ -1354,7 +1354,7 @@
                 </a14:hiddenLine>
               </a:ext>
               <a:ext uri="{AF507438-7753-43e0-B8FC-AC1667EBCBE1}">
-                <a14:hiddenEffects xmlns:a14="http://schemas.microsoft.com/office/drawing/2010/main" xmlns="">
+                <a14:hiddenEffects xmlns="" xmlns:a14="http://schemas.microsoft.com/office/drawing/2010/main">
                   <a:effectLst>
                     <a:outerShdw blurRad="63500" dist="38099" dir="2700000" algn="ctr" rotWithShape="0">
                       <a:schemeClr val="bg2">
@@ -1399,7 +1399,7 @@
             <a:effectLst/>
             <a:extLst>
               <a:ext uri="{91240B29-F687-4f45-9708-019B960494DF}">
-                <a14:hiddenLine xmlns:a14="http://schemas.microsoft.com/office/drawing/2010/main" xmlns="" w="9525">
+                <a14:hiddenLine xmlns="" xmlns:a14="http://schemas.microsoft.com/office/drawing/2010/main" w="9525">
                   <a:solidFill>
                     <a:schemeClr val="tx1"/>
                   </a:solidFill>
@@ -1409,7 +1409,7 @@
                 </a14:hiddenLine>
               </a:ext>
               <a:ext uri="{AF507438-7753-43e0-B8FC-AC1667EBCBE1}">
-                <a14:hiddenEffects xmlns:a14="http://schemas.microsoft.com/office/drawing/2010/main" xmlns="">
+                <a14:hiddenEffects xmlns="" xmlns:a14="http://schemas.microsoft.com/office/drawing/2010/main">
                   <a:effectLst>
                     <a:outerShdw blurRad="63500" dist="38099" dir="2700000" algn="ctr" rotWithShape="0">
                       <a:schemeClr val="bg2">
@@ -1454,7 +1454,7 @@
             <a:effectLst/>
             <a:extLst>
               <a:ext uri="{91240B29-F687-4f45-9708-019B960494DF}">
-                <a14:hiddenLine xmlns:a14="http://schemas.microsoft.com/office/drawing/2010/main" xmlns="" w="9525">
+                <a14:hiddenLine xmlns="" xmlns:a14="http://schemas.microsoft.com/office/drawing/2010/main" w="9525">
                   <a:solidFill>
                     <a:schemeClr val="tx1"/>
                   </a:solidFill>
@@ -1464,7 +1464,7 @@
                 </a14:hiddenLine>
               </a:ext>
               <a:ext uri="{AF507438-7753-43e0-B8FC-AC1667EBCBE1}">
-                <a14:hiddenEffects xmlns:a14="http://schemas.microsoft.com/office/drawing/2010/main" xmlns="">
+                <a14:hiddenEffects xmlns="" xmlns:a14="http://schemas.microsoft.com/office/drawing/2010/main">
                   <a:effectLst>
                     <a:outerShdw blurRad="63500" dist="38099" dir="2700000" algn="ctr" rotWithShape="0">
                       <a:schemeClr val="bg2">
@@ -1509,7 +1509,7 @@
             <a:effectLst/>
             <a:extLst>
               <a:ext uri="{91240B29-F687-4f45-9708-019B960494DF}">
-                <a14:hiddenLine xmlns:a14="http://schemas.microsoft.com/office/drawing/2010/main" xmlns="" w="9525">
+                <a14:hiddenLine xmlns="" xmlns:a14="http://schemas.microsoft.com/office/drawing/2010/main" w="9525">
                   <a:solidFill>
                     <a:schemeClr val="tx1"/>
                   </a:solidFill>
@@ -1519,7 +1519,7 @@
                 </a14:hiddenLine>
               </a:ext>
               <a:ext uri="{AF507438-7753-43e0-B8FC-AC1667EBCBE1}">
-                <a14:hiddenEffects xmlns:a14="http://schemas.microsoft.com/office/drawing/2010/main" xmlns="">
+                <a14:hiddenEffects xmlns="" xmlns:a14="http://schemas.microsoft.com/office/drawing/2010/main">
                   <a:effectLst>
                     <a:outerShdw blurRad="63500" dist="38099" dir="2700000" algn="ctr" rotWithShape="0">
                       <a:schemeClr val="bg2">
@@ -1564,7 +1564,7 @@
             <a:effectLst/>
             <a:extLst>
               <a:ext uri="{91240B29-F687-4f45-9708-019B960494DF}">
-                <a14:hiddenLine xmlns:a14="http://schemas.microsoft.com/office/drawing/2010/main" xmlns="" w="9525">
+                <a14:hiddenLine xmlns="" xmlns:a14="http://schemas.microsoft.com/office/drawing/2010/main" w="9525">
                   <a:solidFill>
                     <a:schemeClr val="tx1"/>
                   </a:solidFill>
@@ -1574,7 +1574,7 @@
                 </a14:hiddenLine>
               </a:ext>
               <a:ext uri="{AF507438-7753-43e0-B8FC-AC1667EBCBE1}">
-                <a14:hiddenEffects xmlns:a14="http://schemas.microsoft.com/office/drawing/2010/main" xmlns="">
+                <a14:hiddenEffects xmlns="" xmlns:a14="http://schemas.microsoft.com/office/drawing/2010/main">
                   <a:effectLst>
                     <a:outerShdw blurRad="63500" dist="38099" dir="2700000" algn="ctr" rotWithShape="0">
                       <a:schemeClr val="bg2">
@@ -1619,7 +1619,7 @@
             <a:effectLst/>
             <a:extLst>
               <a:ext uri="{91240B29-F687-4f45-9708-019B960494DF}">
-                <a14:hiddenLine xmlns:a14="http://schemas.microsoft.com/office/drawing/2010/main" xmlns="" w="9525">
+                <a14:hiddenLine xmlns="" xmlns:a14="http://schemas.microsoft.com/office/drawing/2010/main" w="9525">
                   <a:solidFill>
                     <a:schemeClr val="tx1"/>
                   </a:solidFill>
@@ -1629,7 +1629,7 @@
                 </a14:hiddenLine>
               </a:ext>
               <a:ext uri="{AF507438-7753-43e0-B8FC-AC1667EBCBE1}">
-                <a14:hiddenEffects xmlns:a14="http://schemas.microsoft.com/office/drawing/2010/main" xmlns="">
+                <a14:hiddenEffects xmlns="" xmlns:a14="http://schemas.microsoft.com/office/drawing/2010/main">
                   <a:effectLst>
                     <a:outerShdw blurRad="63500" dist="38099" dir="2700000" algn="ctr" rotWithShape="0">
                       <a:schemeClr val="bg2">
@@ -1674,7 +1674,7 @@
             <a:effectLst/>
             <a:extLst>
               <a:ext uri="{91240B29-F687-4f45-9708-019B960494DF}">
-                <a14:hiddenLine xmlns:a14="http://schemas.microsoft.com/office/drawing/2010/main" xmlns="" w="9525">
+                <a14:hiddenLine xmlns="" xmlns:a14="http://schemas.microsoft.com/office/drawing/2010/main" w="9525">
                   <a:solidFill>
                     <a:schemeClr val="tx1"/>
                   </a:solidFill>
@@ -1684,7 +1684,7 @@
                 </a14:hiddenLine>
               </a:ext>
               <a:ext uri="{AF507438-7753-43e0-B8FC-AC1667EBCBE1}">
-                <a14:hiddenEffects xmlns:a14="http://schemas.microsoft.com/office/drawing/2010/main" xmlns="">
+                <a14:hiddenEffects xmlns="" xmlns:a14="http://schemas.microsoft.com/office/drawing/2010/main">
                   <a:effectLst>
                     <a:outerShdw blurRad="63500" dist="38099" dir="2700000" algn="ctr" rotWithShape="0">
                       <a:schemeClr val="bg2">
@@ -1729,7 +1729,7 @@
             <a:effectLst/>
             <a:extLst>
               <a:ext uri="{91240B29-F687-4f45-9708-019B960494DF}">
-                <a14:hiddenLine xmlns:a14="http://schemas.microsoft.com/office/drawing/2010/main" xmlns="" w="9525">
+                <a14:hiddenLine xmlns="" xmlns:a14="http://schemas.microsoft.com/office/drawing/2010/main" w="9525">
                   <a:solidFill>
                     <a:schemeClr val="tx1"/>
                   </a:solidFill>
@@ -1739,7 +1739,7 @@
                 </a14:hiddenLine>
               </a:ext>
               <a:ext uri="{AF507438-7753-43e0-B8FC-AC1667EBCBE1}">
-                <a14:hiddenEffects xmlns:a14="http://schemas.microsoft.com/office/drawing/2010/main" xmlns="">
+                <a14:hiddenEffects xmlns="" xmlns:a14="http://schemas.microsoft.com/office/drawing/2010/main">
                   <a:effectLst>
                     <a:outerShdw blurRad="63500" dist="38099" dir="2700000" algn="ctr" rotWithShape="0">
                       <a:schemeClr val="bg2">
@@ -1784,7 +1784,7 @@
             <a:effectLst/>
             <a:extLst>
               <a:ext uri="{91240B29-F687-4f45-9708-019B960494DF}">
-                <a14:hiddenLine xmlns:a14="http://schemas.microsoft.com/office/drawing/2010/main" xmlns="" w="9525">
+                <a14:hiddenLine xmlns="" xmlns:a14="http://schemas.microsoft.com/office/drawing/2010/main" w="9525">
                   <a:solidFill>
                     <a:schemeClr val="tx1"/>
                   </a:solidFill>
@@ -1794,7 +1794,7 @@
                 </a14:hiddenLine>
               </a:ext>
               <a:ext uri="{AF507438-7753-43e0-B8FC-AC1667EBCBE1}">
-                <a14:hiddenEffects xmlns:a14="http://schemas.microsoft.com/office/drawing/2010/main" xmlns="">
+                <a14:hiddenEffects xmlns="" xmlns:a14="http://schemas.microsoft.com/office/drawing/2010/main">
                   <a:effectLst>
                     <a:outerShdw blurRad="63500" dist="38099" dir="2700000" algn="ctr" rotWithShape="0">
                       <a:schemeClr val="bg2">
@@ -1839,7 +1839,7 @@
             <a:effectLst/>
             <a:extLst>
               <a:ext uri="{91240B29-F687-4f45-9708-019B960494DF}">
-                <a14:hiddenLine xmlns:a14="http://schemas.microsoft.com/office/drawing/2010/main" xmlns="" w="9525">
+                <a14:hiddenLine xmlns="" xmlns:a14="http://schemas.microsoft.com/office/drawing/2010/main" w="9525">
                   <a:solidFill>
                     <a:schemeClr val="tx1"/>
                   </a:solidFill>
@@ -1849,7 +1849,7 @@
                 </a14:hiddenLine>
               </a:ext>
               <a:ext uri="{AF507438-7753-43e0-B8FC-AC1667EBCBE1}">
-                <a14:hiddenEffects xmlns:a14="http://schemas.microsoft.com/office/drawing/2010/main" xmlns="">
+                <a14:hiddenEffects xmlns="" xmlns:a14="http://schemas.microsoft.com/office/drawing/2010/main">
                   <a:effectLst>
                     <a:outerShdw blurRad="63500" dist="38099" dir="2700000" algn="ctr" rotWithShape="0">
                       <a:schemeClr val="bg2">
@@ -1894,7 +1894,7 @@
             <a:effectLst/>
             <a:extLst>
               <a:ext uri="{91240B29-F687-4f45-9708-019B960494DF}">
-                <a14:hiddenLine xmlns:a14="http://schemas.microsoft.com/office/drawing/2010/main" xmlns="" w="9525">
+                <a14:hiddenLine xmlns="" xmlns:a14="http://schemas.microsoft.com/office/drawing/2010/main" w="9525">
                   <a:solidFill>
                     <a:schemeClr val="tx1"/>
                   </a:solidFill>
@@ -1904,7 +1904,7 @@
                 </a14:hiddenLine>
               </a:ext>
               <a:ext uri="{AF507438-7753-43e0-B8FC-AC1667EBCBE1}">
-                <a14:hiddenEffects xmlns:a14="http://schemas.microsoft.com/office/drawing/2010/main" xmlns="">
+                <a14:hiddenEffects xmlns="" xmlns:a14="http://schemas.microsoft.com/office/drawing/2010/main">
                   <a:effectLst>
                     <a:outerShdw blurRad="63500" dist="38099" dir="2700000" algn="ctr" rotWithShape="0">
                       <a:schemeClr val="bg2">
@@ -1949,7 +1949,7 @@
             <a:effectLst/>
             <a:extLst>
               <a:ext uri="{91240B29-F687-4f45-9708-019B960494DF}">
-                <a14:hiddenLine xmlns:a14="http://schemas.microsoft.com/office/drawing/2010/main" xmlns="" w="9525">
+                <a14:hiddenLine xmlns="" xmlns:a14="http://schemas.microsoft.com/office/drawing/2010/main" w="9525">
                   <a:solidFill>
                     <a:schemeClr val="tx1"/>
                   </a:solidFill>
@@ -1959,7 +1959,7 @@
                 </a14:hiddenLine>
               </a:ext>
               <a:ext uri="{AF507438-7753-43e0-B8FC-AC1667EBCBE1}">
-                <a14:hiddenEffects xmlns:a14="http://schemas.microsoft.com/office/drawing/2010/main" xmlns="">
+                <a14:hiddenEffects xmlns="" xmlns:a14="http://schemas.microsoft.com/office/drawing/2010/main">
                   <a:effectLst>
                     <a:outerShdw blurRad="63500" dist="38099" dir="2700000" algn="ctr" rotWithShape="0">
                       <a:schemeClr val="bg2">
@@ -2004,7 +2004,7 @@
             <a:effectLst/>
             <a:extLst>
               <a:ext uri="{91240B29-F687-4f45-9708-019B960494DF}">
-                <a14:hiddenLine xmlns:a14="http://schemas.microsoft.com/office/drawing/2010/main" xmlns="" w="9525">
+                <a14:hiddenLine xmlns="" xmlns:a14="http://schemas.microsoft.com/office/drawing/2010/main" w="9525">
                   <a:solidFill>
                     <a:schemeClr val="tx1"/>
                   </a:solidFill>
@@ -2014,7 +2014,7 @@
                 </a14:hiddenLine>
               </a:ext>
               <a:ext uri="{AF507438-7753-43e0-B8FC-AC1667EBCBE1}">
-                <a14:hiddenEffects xmlns:a14="http://schemas.microsoft.com/office/drawing/2010/main" xmlns="">
+                <a14:hiddenEffects xmlns="" xmlns:a14="http://schemas.microsoft.com/office/drawing/2010/main">
                   <a:effectLst>
                     <a:outerShdw blurRad="63500" dist="38099" dir="2700000" algn="ctr" rotWithShape="0">
                       <a:schemeClr val="bg2">
@@ -2059,7 +2059,7 @@
             <a:effectLst/>
             <a:extLst>
               <a:ext uri="{91240B29-F687-4f45-9708-019B960494DF}">
-                <a14:hiddenLine xmlns:a14="http://schemas.microsoft.com/office/drawing/2010/main" xmlns="" w="9525">
+                <a14:hiddenLine xmlns="" xmlns:a14="http://schemas.microsoft.com/office/drawing/2010/main" w="9525">
                   <a:solidFill>
                     <a:schemeClr val="tx1"/>
                   </a:solidFill>
@@ -2069,7 +2069,7 @@
                 </a14:hiddenLine>
               </a:ext>
               <a:ext uri="{AF507438-7753-43e0-B8FC-AC1667EBCBE1}">
-                <a14:hiddenEffects xmlns:a14="http://schemas.microsoft.com/office/drawing/2010/main" xmlns="">
+                <a14:hiddenEffects xmlns="" xmlns:a14="http://schemas.microsoft.com/office/drawing/2010/main">
                   <a:effectLst>
                     <a:outerShdw blurRad="63500" dist="38099" dir="2700000" algn="ctr" rotWithShape="0">
                       <a:schemeClr val="bg2">
@@ -2114,7 +2114,7 @@
             <a:effectLst/>
             <a:extLst>
               <a:ext uri="{91240B29-F687-4f45-9708-019B960494DF}">
-                <a14:hiddenLine xmlns:a14="http://schemas.microsoft.com/office/drawing/2010/main" xmlns="" w="9525">
+                <a14:hiddenLine xmlns="" xmlns:a14="http://schemas.microsoft.com/office/drawing/2010/main" w="9525">
                   <a:solidFill>
                     <a:schemeClr val="tx1"/>
                   </a:solidFill>
@@ -2124,7 +2124,7 @@
                 </a14:hiddenLine>
               </a:ext>
               <a:ext uri="{AF507438-7753-43e0-B8FC-AC1667EBCBE1}">
-                <a14:hiddenEffects xmlns:a14="http://schemas.microsoft.com/office/drawing/2010/main" xmlns="">
+                <a14:hiddenEffects xmlns="" xmlns:a14="http://schemas.microsoft.com/office/drawing/2010/main">
                   <a:effectLst>
                     <a:outerShdw blurRad="63500" dist="38099" dir="2700000" algn="ctr" rotWithShape="0">
                       <a:schemeClr val="bg2">
@@ -2169,7 +2169,7 @@
             <a:effectLst/>
             <a:extLst>
               <a:ext uri="{91240B29-F687-4f45-9708-019B960494DF}">
-                <a14:hiddenLine xmlns:a14="http://schemas.microsoft.com/office/drawing/2010/main" xmlns="" w="9525">
+                <a14:hiddenLine xmlns="" xmlns:a14="http://schemas.microsoft.com/office/drawing/2010/main" w="9525">
                   <a:solidFill>
                     <a:schemeClr val="tx1"/>
                   </a:solidFill>
@@ -2179,7 +2179,7 @@
                 </a14:hiddenLine>
               </a:ext>
               <a:ext uri="{AF507438-7753-43e0-B8FC-AC1667EBCBE1}">
-                <a14:hiddenEffects xmlns:a14="http://schemas.microsoft.com/office/drawing/2010/main" xmlns="">
+                <a14:hiddenEffects xmlns="" xmlns:a14="http://schemas.microsoft.com/office/drawing/2010/main">
                   <a:effectLst>
                     <a:outerShdw blurRad="63500" dist="38099" dir="2700000" algn="ctr" rotWithShape="0">
                       <a:schemeClr val="bg2">
@@ -2224,7 +2224,7 @@
             <a:effectLst/>
             <a:extLst>
               <a:ext uri="{91240B29-F687-4f45-9708-019B960494DF}">
-                <a14:hiddenLine xmlns:a14="http://schemas.microsoft.com/office/drawing/2010/main" xmlns="" w="9525">
+                <a14:hiddenLine xmlns="" xmlns:a14="http://schemas.microsoft.com/office/drawing/2010/main" w="9525">
                   <a:solidFill>
                     <a:schemeClr val="tx1"/>
                   </a:solidFill>
@@ -2234,7 +2234,7 @@
                 </a14:hiddenLine>
               </a:ext>
               <a:ext uri="{AF507438-7753-43e0-B8FC-AC1667EBCBE1}">
-                <a14:hiddenEffects xmlns:a14="http://schemas.microsoft.com/office/drawing/2010/main" xmlns="">
+                <a14:hiddenEffects xmlns="" xmlns:a14="http://schemas.microsoft.com/office/drawing/2010/main">
                   <a:effectLst>
                     <a:outerShdw blurRad="63500" dist="38099" dir="2700000" algn="ctr" rotWithShape="0">
                       <a:schemeClr val="bg2">
@@ -2279,7 +2279,7 @@
             <a:effectLst/>
             <a:extLst>
               <a:ext uri="{91240B29-F687-4f45-9708-019B960494DF}">
-                <a14:hiddenLine xmlns:a14="http://schemas.microsoft.com/office/drawing/2010/main" xmlns="" w="9525">
+                <a14:hiddenLine xmlns="" xmlns:a14="http://schemas.microsoft.com/office/drawing/2010/main" w="9525">
                   <a:solidFill>
                     <a:schemeClr val="tx1"/>
                   </a:solidFill>
@@ -2289,7 +2289,7 @@
                 </a14:hiddenLine>
               </a:ext>
               <a:ext uri="{AF507438-7753-43e0-B8FC-AC1667EBCBE1}">
-                <a14:hiddenEffects xmlns:a14="http://schemas.microsoft.com/office/drawing/2010/main" xmlns="">
+                <a14:hiddenEffects xmlns="" xmlns:a14="http://schemas.microsoft.com/office/drawing/2010/main">
                   <a:effectLst>
                     <a:outerShdw blurRad="63500" dist="38099" dir="2700000" algn="ctr" rotWithShape="0">
                       <a:schemeClr val="bg2">
@@ -2334,7 +2334,7 @@
             <a:effectLst/>
             <a:extLst>
               <a:ext uri="{91240B29-F687-4f45-9708-019B960494DF}">
-                <a14:hiddenLine xmlns:a14="http://schemas.microsoft.com/office/drawing/2010/main" xmlns="" w="9525">
+                <a14:hiddenLine xmlns="" xmlns:a14="http://schemas.microsoft.com/office/drawing/2010/main" w="9525">
                   <a:solidFill>
                     <a:schemeClr val="tx1"/>
                   </a:solidFill>
@@ -2344,7 +2344,7 @@
                 </a14:hiddenLine>
               </a:ext>
               <a:ext uri="{AF507438-7753-43e0-B8FC-AC1667EBCBE1}">
-                <a14:hiddenEffects xmlns:a14="http://schemas.microsoft.com/office/drawing/2010/main" xmlns="">
+                <a14:hiddenEffects xmlns="" xmlns:a14="http://schemas.microsoft.com/office/drawing/2010/main">
                   <a:effectLst>
                     <a:outerShdw blurRad="63500" dist="38099" dir="2700000" algn="ctr" rotWithShape="0">
                       <a:schemeClr val="bg2">
@@ -2389,7 +2389,7 @@
             <a:effectLst/>
             <a:extLst>
               <a:ext uri="{91240B29-F687-4f45-9708-019B960494DF}">
-                <a14:hiddenLine xmlns:a14="http://schemas.microsoft.com/office/drawing/2010/main" xmlns="" w="9525">
+                <a14:hiddenLine xmlns="" xmlns:a14="http://schemas.microsoft.com/office/drawing/2010/main" w="9525">
                   <a:solidFill>
                     <a:schemeClr val="tx1"/>
                   </a:solidFill>
@@ -2399,7 +2399,7 @@
                 </a14:hiddenLine>
               </a:ext>
               <a:ext uri="{AF507438-7753-43e0-B8FC-AC1667EBCBE1}">
-                <a14:hiddenEffects xmlns:a14="http://schemas.microsoft.com/office/drawing/2010/main" xmlns="">
+                <a14:hiddenEffects xmlns="" xmlns:a14="http://schemas.microsoft.com/office/drawing/2010/main">
                   <a:effectLst>
                     <a:outerShdw blurRad="63500" dist="38099" dir="2700000" algn="ctr" rotWithShape="0">
                       <a:schemeClr val="bg2">
@@ -2444,7 +2444,7 @@
             <a:effectLst/>
             <a:extLst>
               <a:ext uri="{91240B29-F687-4f45-9708-019B960494DF}">
-                <a14:hiddenLine xmlns:a14="http://schemas.microsoft.com/office/drawing/2010/main" xmlns="" w="9525">
+                <a14:hiddenLine xmlns="" xmlns:a14="http://schemas.microsoft.com/office/drawing/2010/main" w="9525">
                   <a:solidFill>
                     <a:schemeClr val="tx1"/>
                   </a:solidFill>
@@ -2454,7 +2454,7 @@
                 </a14:hiddenLine>
               </a:ext>
               <a:ext uri="{AF507438-7753-43e0-B8FC-AC1667EBCBE1}">
-                <a14:hiddenEffects xmlns:a14="http://schemas.microsoft.com/office/drawing/2010/main" xmlns="">
+                <a14:hiddenEffects xmlns="" xmlns:a14="http://schemas.microsoft.com/office/drawing/2010/main">
                   <a:effectLst>
                     <a:outerShdw blurRad="63500" dist="38099" dir="2700000" algn="ctr" rotWithShape="0">
                       <a:schemeClr val="bg2">
@@ -2499,7 +2499,7 @@
             <a:effectLst/>
             <a:extLst>
               <a:ext uri="{91240B29-F687-4f45-9708-019B960494DF}">
-                <a14:hiddenLine xmlns:a14="http://schemas.microsoft.com/office/drawing/2010/main" xmlns="" w="9525">
+                <a14:hiddenLine xmlns="" xmlns:a14="http://schemas.microsoft.com/office/drawing/2010/main" w="9525">
                   <a:solidFill>
                     <a:schemeClr val="tx1"/>
                   </a:solidFill>
@@ -2509,7 +2509,7 @@
                 </a14:hiddenLine>
               </a:ext>
               <a:ext uri="{AF507438-7753-43e0-B8FC-AC1667EBCBE1}">
-                <a14:hiddenEffects xmlns:a14="http://schemas.microsoft.com/office/drawing/2010/main" xmlns="">
+                <a14:hiddenEffects xmlns="" xmlns:a14="http://schemas.microsoft.com/office/drawing/2010/main">
                   <a:effectLst>
                     <a:outerShdw blurRad="63500" dist="38099" dir="2700000" algn="ctr" rotWithShape="0">
                       <a:schemeClr val="bg2">
@@ -2554,7 +2554,7 @@
             <a:effectLst/>
             <a:extLst>
               <a:ext uri="{91240B29-F687-4f45-9708-019B960494DF}">
-                <a14:hiddenLine xmlns:a14="http://schemas.microsoft.com/office/drawing/2010/main" xmlns="" w="9525">
+                <a14:hiddenLine xmlns="" xmlns:a14="http://schemas.microsoft.com/office/drawing/2010/main" w="9525">
                   <a:solidFill>
                     <a:schemeClr val="tx1"/>
                   </a:solidFill>
@@ -2564,7 +2564,7 @@
                 </a14:hiddenLine>
               </a:ext>
               <a:ext uri="{AF507438-7753-43e0-B8FC-AC1667EBCBE1}">
-                <a14:hiddenEffects xmlns:a14="http://schemas.microsoft.com/office/drawing/2010/main" xmlns="">
+                <a14:hiddenEffects xmlns="" xmlns:a14="http://schemas.microsoft.com/office/drawing/2010/main">
                   <a:effectLst>
                     <a:outerShdw blurRad="63500" dist="38099" dir="2700000" algn="ctr" rotWithShape="0">
                       <a:schemeClr val="bg2">
@@ -2609,7 +2609,7 @@
             <a:effectLst/>
             <a:extLst>
               <a:ext uri="{91240B29-F687-4f45-9708-019B960494DF}">
-                <a14:hiddenLine xmlns:a14="http://schemas.microsoft.com/office/drawing/2010/main" xmlns="" w="9525">
+                <a14:hiddenLine xmlns="" xmlns:a14="http://schemas.microsoft.com/office/drawing/2010/main" w="9525">
                   <a:solidFill>
                     <a:schemeClr val="tx1"/>
                   </a:solidFill>
@@ -2619,7 +2619,7 @@
                 </a14:hiddenLine>
               </a:ext>
               <a:ext uri="{AF507438-7753-43e0-B8FC-AC1667EBCBE1}">
-                <a14:hiddenEffects xmlns:a14="http://schemas.microsoft.com/office/drawing/2010/main" xmlns="">
+                <a14:hiddenEffects xmlns="" xmlns:a14="http://schemas.microsoft.com/office/drawing/2010/main">
                   <a:effectLst>
                     <a:outerShdw blurRad="63500" dist="38099" dir="2700000" algn="ctr" rotWithShape="0">
                       <a:schemeClr val="bg2">
@@ -2664,7 +2664,7 @@
             <a:effectLst/>
             <a:extLst>
               <a:ext uri="{91240B29-F687-4f45-9708-019B960494DF}">
-                <a14:hiddenLine xmlns:a14="http://schemas.microsoft.com/office/drawing/2010/main" xmlns="" w="9525">
+                <a14:hiddenLine xmlns="" xmlns:a14="http://schemas.microsoft.com/office/drawing/2010/main" w="9525">
                   <a:solidFill>
                     <a:schemeClr val="tx1"/>
                   </a:solidFill>
@@ -2674,7 +2674,7 @@
                 </a14:hiddenLine>
               </a:ext>
               <a:ext uri="{AF507438-7753-43e0-B8FC-AC1667EBCBE1}">
-                <a14:hiddenEffects xmlns:a14="http://schemas.microsoft.com/office/drawing/2010/main" xmlns="">
+                <a14:hiddenEffects xmlns="" xmlns:a14="http://schemas.microsoft.com/office/drawing/2010/main">
                   <a:effectLst>
                     <a:outerShdw blurRad="63500" dist="38099" dir="2700000" algn="ctr" rotWithShape="0">
                       <a:schemeClr val="bg2">
@@ -2719,7 +2719,7 @@
             <a:effectLst/>
             <a:extLst>
               <a:ext uri="{91240B29-F687-4f45-9708-019B960494DF}">
-                <a14:hiddenLine xmlns:a14="http://schemas.microsoft.com/office/drawing/2010/main" xmlns="" w="9525">
+                <a14:hiddenLine xmlns="" xmlns:a14="http://schemas.microsoft.com/office/drawing/2010/main" w="9525">
                   <a:solidFill>
                     <a:schemeClr val="tx1"/>
                   </a:solidFill>
@@ -2729,7 +2729,7 @@
                 </a14:hiddenLine>
               </a:ext>
               <a:ext uri="{AF507438-7753-43e0-B8FC-AC1667EBCBE1}">
-                <a14:hiddenEffects xmlns:a14="http://schemas.microsoft.com/office/drawing/2010/main" xmlns="">
+                <a14:hiddenEffects xmlns="" xmlns:a14="http://schemas.microsoft.com/office/drawing/2010/main">
                   <a:effectLst>
                     <a:outerShdw blurRad="63500" dist="38099" dir="2700000" algn="ctr" rotWithShape="0">
                       <a:schemeClr val="bg2">
@@ -2778,12 +2778,12 @@
           <a:effectLst/>
           <a:extLst>
             <a:ext uri="{909E8E84-426E-40dd-AFC4-6F175D3DCCD1}">
-              <a14:hiddenFill xmlns:a14="http://schemas.microsoft.com/office/drawing/2010/main" xmlns="">
+              <a14:hiddenFill xmlns="" xmlns:a14="http://schemas.microsoft.com/office/drawing/2010/main">
                 <a:noFill/>
               </a14:hiddenFill>
             </a:ext>
             <a:ext uri="{AF507438-7753-43e0-B8FC-AC1667EBCBE1}">
-              <a14:hiddenEffects xmlns:a14="http://schemas.microsoft.com/office/drawing/2010/main" xmlns="">
+              <a14:hiddenEffects xmlns="" xmlns:a14="http://schemas.microsoft.com/office/drawing/2010/main">
                 <a:effectLst>
                   <a:outerShdw blurRad="63500" dist="38099" dir="2700000" algn="ctr" rotWithShape="0">
                     <a:schemeClr val="bg2">
@@ -5107,12 +5107,12 @@
           <a:effectLst/>
           <a:extLst>
             <a:ext uri="{909E8E84-426E-40dd-AFC4-6F175D3DCCD1}">
-              <a14:hiddenFill xmlns:a14="http://schemas.microsoft.com/office/drawing/2010/main" xmlns="">
+              <a14:hiddenFill xmlns="" xmlns:a14="http://schemas.microsoft.com/office/drawing/2010/main">
                 <a:noFill/>
               </a14:hiddenFill>
             </a:ext>
             <a:ext uri="{AF507438-7753-43e0-B8FC-AC1667EBCBE1}">
-              <a14:hiddenEffects xmlns:a14="http://schemas.microsoft.com/office/drawing/2010/main" xmlns="">
+              <a14:hiddenEffects xmlns="" xmlns:a14="http://schemas.microsoft.com/office/drawing/2010/main">
                 <a:effectLst>
                   <a:outerShdw blurRad="63500" dist="38099" dir="2700000" algn="ctr" rotWithShape="0">
                     <a:schemeClr val="bg2">
@@ -5157,17 +5157,17 @@
           <a:effectLst/>
           <a:extLst>
             <a:ext uri="{FAA26D3D-D897-4be2-8F04-BA451C77F1D7}">
-              <ma14:placeholderFlag xmlns="" xmlns:ma14="http://schemas.microsoft.com/office/mac/drawingml/2011/main" val="1"/>
+              <ma14:placeholderFlag xmlns:ma14="http://schemas.microsoft.com/office/mac/drawingml/2011/main" xmlns="" val="1"/>
             </a:ext>
             <a:ext uri="{909E8E84-426E-40dd-AFC4-6F175D3DCCD1}">
-              <a14:hiddenFill xmlns:a14="http://schemas.microsoft.com/office/drawing/2010/main" xmlns="">
+              <a14:hiddenFill xmlns="" xmlns:a14="http://schemas.microsoft.com/office/drawing/2010/main">
                 <a:solidFill>
                   <a:schemeClr val="accent1"/>
                 </a:solidFill>
               </a14:hiddenFill>
             </a:ext>
             <a:ext uri="{91240B29-F687-4f45-9708-019B960494DF}">
-              <a14:hiddenLine xmlns:a14="http://schemas.microsoft.com/office/drawing/2010/main" xmlns="" w="9525">
+              <a14:hiddenLine xmlns="" xmlns:a14="http://schemas.microsoft.com/office/drawing/2010/main" w="9525">
                 <a:solidFill>
                   <a:schemeClr val="tx1"/>
                 </a:solidFill>
@@ -5177,7 +5177,7 @@
               </a14:hiddenLine>
             </a:ext>
             <a:ext uri="{AF507438-7753-43e0-B8FC-AC1667EBCBE1}">
-              <a14:hiddenEffects xmlns:a14="http://schemas.microsoft.com/office/drawing/2010/main" xmlns="">
+              <a14:hiddenEffects xmlns="" xmlns:a14="http://schemas.microsoft.com/office/drawing/2010/main">
                 <a:effectLst>
                   <a:outerShdw blurRad="63500" dist="38099" dir="2700000" algn="ctr" rotWithShape="0">
                     <a:schemeClr val="bg2">
@@ -5230,17 +5230,17 @@
           <a:effectLst/>
           <a:extLst>
             <a:ext uri="{FAA26D3D-D897-4be2-8F04-BA451C77F1D7}">
-              <ma14:placeholderFlag xmlns="" xmlns:ma14="http://schemas.microsoft.com/office/mac/drawingml/2011/main" val="1"/>
+              <ma14:placeholderFlag xmlns:ma14="http://schemas.microsoft.com/office/mac/drawingml/2011/main" xmlns="" val="1"/>
             </a:ext>
             <a:ext uri="{909E8E84-426E-40dd-AFC4-6F175D3DCCD1}">
-              <a14:hiddenFill xmlns:a14="http://schemas.microsoft.com/office/drawing/2010/main" xmlns="">
+              <a14:hiddenFill xmlns="" xmlns:a14="http://schemas.microsoft.com/office/drawing/2010/main">
                 <a:solidFill>
                   <a:schemeClr val="accent1"/>
                 </a:solidFill>
               </a14:hiddenFill>
             </a:ext>
             <a:ext uri="{91240B29-F687-4f45-9708-019B960494DF}">
-              <a14:hiddenLine xmlns:a14="http://schemas.microsoft.com/office/drawing/2010/main" xmlns="" w="9525">
+              <a14:hiddenLine xmlns="" xmlns:a14="http://schemas.microsoft.com/office/drawing/2010/main" w="9525">
                 <a:solidFill>
                   <a:schemeClr val="tx1"/>
                 </a:solidFill>
@@ -5250,7 +5250,7 @@
               </a14:hiddenLine>
             </a:ext>
             <a:ext uri="{AF507438-7753-43e0-B8FC-AC1667EBCBE1}">
-              <a14:hiddenEffects xmlns:a14="http://schemas.microsoft.com/office/drawing/2010/main" xmlns="">
+              <a14:hiddenEffects xmlns="" xmlns:a14="http://schemas.microsoft.com/office/drawing/2010/main">
                 <a:effectLst>
                   <a:outerShdw blurRad="63500" dist="38099" dir="2700000" algn="ctr" rotWithShape="0">
                     <a:schemeClr val="bg2">
@@ -5331,17 +5331,17 @@
           <a:effectLst/>
           <a:extLst>
             <a:ext uri="{FAA26D3D-D897-4be2-8F04-BA451C77F1D7}">
-              <ma14:placeholderFlag xmlns="" xmlns:ma14="http://schemas.microsoft.com/office/mac/drawingml/2011/main" val="1"/>
+              <ma14:placeholderFlag xmlns:ma14="http://schemas.microsoft.com/office/mac/drawingml/2011/main" xmlns="" val="1"/>
             </a:ext>
             <a:ext uri="{909E8E84-426E-40dd-AFC4-6F175D3DCCD1}">
-              <a14:hiddenFill xmlns:a14="http://schemas.microsoft.com/office/drawing/2010/main" xmlns="">
+              <a14:hiddenFill xmlns="" xmlns:a14="http://schemas.microsoft.com/office/drawing/2010/main">
                 <a:solidFill>
                   <a:schemeClr val="accent1"/>
                 </a:solidFill>
               </a14:hiddenFill>
             </a:ext>
             <a:ext uri="{91240B29-F687-4f45-9708-019B960494DF}">
-              <a14:hiddenLine xmlns:a14="http://schemas.microsoft.com/office/drawing/2010/main" xmlns="" w="9525">
+              <a14:hiddenLine xmlns="" xmlns:a14="http://schemas.microsoft.com/office/drawing/2010/main" w="9525">
                 <a:solidFill>
                   <a:schemeClr val="tx1"/>
                 </a:solidFill>
@@ -5351,7 +5351,7 @@
               </a14:hiddenLine>
             </a:ext>
             <a:ext uri="{AF507438-7753-43e0-B8FC-AC1667EBCBE1}">
-              <a14:hiddenEffects xmlns:a14="http://schemas.microsoft.com/office/drawing/2010/main" xmlns="">
+              <a14:hiddenEffects xmlns="" xmlns:a14="http://schemas.microsoft.com/office/drawing/2010/main">
                 <a:effectLst>
                   <a:outerShdw blurRad="63500" dist="38099" dir="2700000" algn="ctr" rotWithShape="0">
                     <a:schemeClr val="bg2">
@@ -5404,17 +5404,17 @@
           <a:effectLst/>
           <a:extLst>
             <a:ext uri="{FAA26D3D-D897-4be2-8F04-BA451C77F1D7}">
-              <ma14:placeholderFlag xmlns="" xmlns:ma14="http://schemas.microsoft.com/office/mac/drawingml/2011/main" val="1"/>
+              <ma14:placeholderFlag xmlns:ma14="http://schemas.microsoft.com/office/mac/drawingml/2011/main" xmlns="" val="1"/>
             </a:ext>
             <a:ext uri="{909E8E84-426E-40dd-AFC4-6F175D3DCCD1}">
-              <a14:hiddenFill xmlns:a14="http://schemas.microsoft.com/office/drawing/2010/main" xmlns="">
+              <a14:hiddenFill xmlns="" xmlns:a14="http://schemas.microsoft.com/office/drawing/2010/main">
                 <a:solidFill>
                   <a:schemeClr val="accent1"/>
                 </a:solidFill>
               </a14:hiddenFill>
             </a:ext>
             <a:ext uri="{91240B29-F687-4f45-9708-019B960494DF}">
-              <a14:hiddenLine xmlns:a14="http://schemas.microsoft.com/office/drawing/2010/main" xmlns="" w="9525">
+              <a14:hiddenLine xmlns="" xmlns:a14="http://schemas.microsoft.com/office/drawing/2010/main" w="9525">
                 <a:solidFill>
                   <a:schemeClr val="tx1"/>
                 </a:solidFill>
@@ -5424,7 +5424,7 @@
               </a14:hiddenLine>
             </a:ext>
             <a:ext uri="{AF507438-7753-43e0-B8FC-AC1667EBCBE1}">
-              <a14:hiddenEffects xmlns:a14="http://schemas.microsoft.com/office/drawing/2010/main" xmlns="">
+              <a14:hiddenEffects xmlns="" xmlns:a14="http://schemas.microsoft.com/office/drawing/2010/main">
                 <a:effectLst>
                   <a:outerShdw blurRad="63500" dist="38099" dir="2700000" algn="ctr" rotWithShape="0">
                     <a:schemeClr val="bg2">
@@ -5477,17 +5477,17 @@
           <a:effectLst/>
           <a:extLst>
             <a:ext uri="{FAA26D3D-D897-4be2-8F04-BA451C77F1D7}">
-              <ma14:placeholderFlag xmlns="" xmlns:ma14="http://schemas.microsoft.com/office/mac/drawingml/2011/main" val="1"/>
+              <ma14:placeholderFlag xmlns:ma14="http://schemas.microsoft.com/office/mac/drawingml/2011/main" xmlns="" val="1"/>
             </a:ext>
             <a:ext uri="{909E8E84-426E-40dd-AFC4-6F175D3DCCD1}">
-              <a14:hiddenFill xmlns:a14="http://schemas.microsoft.com/office/drawing/2010/main" xmlns="">
+              <a14:hiddenFill xmlns="" xmlns:a14="http://schemas.microsoft.com/office/drawing/2010/main">
                 <a:solidFill>
                   <a:schemeClr val="accent1"/>
                 </a:solidFill>
               </a14:hiddenFill>
             </a:ext>
             <a:ext uri="{91240B29-F687-4f45-9708-019B960494DF}">
-              <a14:hiddenLine xmlns:a14="http://schemas.microsoft.com/office/drawing/2010/main" xmlns="" w="9525">
+              <a14:hiddenLine xmlns="" xmlns:a14="http://schemas.microsoft.com/office/drawing/2010/main" w="9525">
                 <a:solidFill>
                   <a:schemeClr val="tx1"/>
                 </a:solidFill>
@@ -5497,7 +5497,7 @@
               </a14:hiddenLine>
             </a:ext>
             <a:ext uri="{AF507438-7753-43e0-B8FC-AC1667EBCBE1}">
-              <a14:hiddenEffects xmlns:a14="http://schemas.microsoft.com/office/drawing/2010/main" xmlns="">
+              <a14:hiddenEffects xmlns="" xmlns:a14="http://schemas.microsoft.com/office/drawing/2010/main">
                 <a:effectLst>
                   <a:outerShdw blurRad="63500" dist="38099" dir="2700000" algn="ctr" rotWithShape="0">
                     <a:schemeClr val="bg2">
@@ -5571,7 +5571,7 @@
             <a:effectLst/>
             <a:extLst>
               <a:ext uri="{91240B29-F687-4f45-9708-019B960494DF}">
-                <a14:hiddenLine xmlns:a14="http://schemas.microsoft.com/office/drawing/2010/main" xmlns="" w="9525">
+                <a14:hiddenLine xmlns="" xmlns:a14="http://schemas.microsoft.com/office/drawing/2010/main" w="9525">
                   <a:solidFill>
                     <a:schemeClr val="tx1"/>
                   </a:solidFill>
@@ -5581,7 +5581,7 @@
                 </a14:hiddenLine>
               </a:ext>
               <a:ext uri="{AF507438-7753-43e0-B8FC-AC1667EBCBE1}">
-                <a14:hiddenEffects xmlns:a14="http://schemas.microsoft.com/office/drawing/2010/main" xmlns="">
+                <a14:hiddenEffects xmlns="" xmlns:a14="http://schemas.microsoft.com/office/drawing/2010/main">
                   <a:effectLst>
                     <a:outerShdw blurRad="63500" dist="38099" dir="2700000" algn="ctr" rotWithShape="0">
                       <a:schemeClr val="bg2">
@@ -5626,7 +5626,7 @@
             <a:effectLst/>
             <a:extLst>
               <a:ext uri="{91240B29-F687-4f45-9708-019B960494DF}">
-                <a14:hiddenLine xmlns:a14="http://schemas.microsoft.com/office/drawing/2010/main" xmlns="" w="9525">
+                <a14:hiddenLine xmlns="" xmlns:a14="http://schemas.microsoft.com/office/drawing/2010/main" w="9525">
                   <a:solidFill>
                     <a:schemeClr val="tx1"/>
                   </a:solidFill>
@@ -5636,7 +5636,7 @@
                 </a14:hiddenLine>
               </a:ext>
               <a:ext uri="{AF507438-7753-43e0-B8FC-AC1667EBCBE1}">
-                <a14:hiddenEffects xmlns:a14="http://schemas.microsoft.com/office/drawing/2010/main" xmlns="">
+                <a14:hiddenEffects xmlns="" xmlns:a14="http://schemas.microsoft.com/office/drawing/2010/main">
                   <a:effectLst>
                     <a:outerShdw blurRad="63500" dist="38099" dir="2700000" algn="ctr" rotWithShape="0">
                       <a:schemeClr val="bg2">
@@ -5681,7 +5681,7 @@
             <a:effectLst/>
             <a:extLst>
               <a:ext uri="{91240B29-F687-4f45-9708-019B960494DF}">
-                <a14:hiddenLine xmlns:a14="http://schemas.microsoft.com/office/drawing/2010/main" xmlns="" w="9525">
+                <a14:hiddenLine xmlns="" xmlns:a14="http://schemas.microsoft.com/office/drawing/2010/main" w="9525">
                   <a:solidFill>
                     <a:schemeClr val="tx1"/>
                   </a:solidFill>
@@ -5691,7 +5691,7 @@
                 </a14:hiddenLine>
               </a:ext>
               <a:ext uri="{AF507438-7753-43e0-B8FC-AC1667EBCBE1}">
-                <a14:hiddenEffects xmlns:a14="http://schemas.microsoft.com/office/drawing/2010/main" xmlns="">
+                <a14:hiddenEffects xmlns="" xmlns:a14="http://schemas.microsoft.com/office/drawing/2010/main">
                   <a:effectLst>
                     <a:outerShdw blurRad="63500" dist="38099" dir="2700000" algn="ctr" rotWithShape="0">
                       <a:schemeClr val="bg2">
@@ -5736,7 +5736,7 @@
             <a:effectLst/>
             <a:extLst>
               <a:ext uri="{91240B29-F687-4f45-9708-019B960494DF}">
-                <a14:hiddenLine xmlns:a14="http://schemas.microsoft.com/office/drawing/2010/main" xmlns="" w="9525">
+                <a14:hiddenLine xmlns="" xmlns:a14="http://schemas.microsoft.com/office/drawing/2010/main" w="9525">
                   <a:solidFill>
                     <a:schemeClr val="tx1"/>
                   </a:solidFill>
@@ -5746,7 +5746,7 @@
                 </a14:hiddenLine>
               </a:ext>
               <a:ext uri="{AF507438-7753-43e0-B8FC-AC1667EBCBE1}">
-                <a14:hiddenEffects xmlns:a14="http://schemas.microsoft.com/office/drawing/2010/main" xmlns="">
+                <a14:hiddenEffects xmlns="" xmlns:a14="http://schemas.microsoft.com/office/drawing/2010/main">
                   <a:effectLst>
                     <a:outerShdw blurRad="63500" dist="38099" dir="2700000" algn="ctr" rotWithShape="0">
                       <a:schemeClr val="bg2">
@@ -5791,7 +5791,7 @@
             <a:effectLst/>
             <a:extLst>
               <a:ext uri="{91240B29-F687-4f45-9708-019B960494DF}">
-                <a14:hiddenLine xmlns:a14="http://schemas.microsoft.com/office/drawing/2010/main" xmlns="" w="9525">
+                <a14:hiddenLine xmlns="" xmlns:a14="http://schemas.microsoft.com/office/drawing/2010/main" w="9525">
                   <a:solidFill>
                     <a:schemeClr val="tx1"/>
                   </a:solidFill>
@@ -5801,7 +5801,7 @@
                 </a14:hiddenLine>
               </a:ext>
               <a:ext uri="{AF507438-7753-43e0-B8FC-AC1667EBCBE1}">
-                <a14:hiddenEffects xmlns:a14="http://schemas.microsoft.com/office/drawing/2010/main" xmlns="">
+                <a14:hiddenEffects xmlns="" xmlns:a14="http://schemas.microsoft.com/office/drawing/2010/main">
                   <a:effectLst>
                     <a:outerShdw blurRad="63500" dist="38099" dir="2700000" algn="ctr" rotWithShape="0">
                       <a:schemeClr val="bg2">
@@ -5846,7 +5846,7 @@
             <a:effectLst/>
             <a:extLst>
               <a:ext uri="{91240B29-F687-4f45-9708-019B960494DF}">
-                <a14:hiddenLine xmlns:a14="http://schemas.microsoft.com/office/drawing/2010/main" xmlns="" w="9525">
+                <a14:hiddenLine xmlns="" xmlns:a14="http://schemas.microsoft.com/office/drawing/2010/main" w="9525">
                   <a:solidFill>
                     <a:schemeClr val="tx1"/>
                   </a:solidFill>
@@ -5856,7 +5856,7 @@
                 </a14:hiddenLine>
               </a:ext>
               <a:ext uri="{AF507438-7753-43e0-B8FC-AC1667EBCBE1}">
-                <a14:hiddenEffects xmlns:a14="http://schemas.microsoft.com/office/drawing/2010/main" xmlns="">
+                <a14:hiddenEffects xmlns="" xmlns:a14="http://schemas.microsoft.com/office/drawing/2010/main">
                   <a:effectLst>
                     <a:outerShdw blurRad="63500" dist="38099" dir="2700000" algn="ctr" rotWithShape="0">
                       <a:schemeClr val="bg2">
@@ -5901,7 +5901,7 @@
             <a:effectLst/>
             <a:extLst>
               <a:ext uri="{91240B29-F687-4f45-9708-019B960494DF}">
-                <a14:hiddenLine xmlns:a14="http://schemas.microsoft.com/office/drawing/2010/main" xmlns="" w="9525">
+                <a14:hiddenLine xmlns="" xmlns:a14="http://schemas.microsoft.com/office/drawing/2010/main" w="9525">
                   <a:solidFill>
                     <a:schemeClr val="tx1"/>
                   </a:solidFill>
@@ -5911,7 +5911,7 @@
                 </a14:hiddenLine>
               </a:ext>
               <a:ext uri="{AF507438-7753-43e0-B8FC-AC1667EBCBE1}">
-                <a14:hiddenEffects xmlns:a14="http://schemas.microsoft.com/office/drawing/2010/main" xmlns="">
+                <a14:hiddenEffects xmlns="" xmlns:a14="http://schemas.microsoft.com/office/drawing/2010/main">
                   <a:effectLst>
                     <a:outerShdw blurRad="63500" dist="38099" dir="2700000" algn="ctr" rotWithShape="0">
                       <a:schemeClr val="bg2">
@@ -5956,7 +5956,7 @@
             <a:effectLst/>
             <a:extLst>
               <a:ext uri="{91240B29-F687-4f45-9708-019B960494DF}">
-                <a14:hiddenLine xmlns:a14="http://schemas.microsoft.com/office/drawing/2010/main" xmlns="" w="9525">
+                <a14:hiddenLine xmlns="" xmlns:a14="http://schemas.microsoft.com/office/drawing/2010/main" w="9525">
                   <a:solidFill>
                     <a:schemeClr val="tx1"/>
                   </a:solidFill>
@@ -5966,7 +5966,7 @@
                 </a14:hiddenLine>
               </a:ext>
               <a:ext uri="{AF507438-7753-43e0-B8FC-AC1667EBCBE1}">
-                <a14:hiddenEffects xmlns:a14="http://schemas.microsoft.com/office/drawing/2010/main" xmlns="">
+                <a14:hiddenEffects xmlns="" xmlns:a14="http://schemas.microsoft.com/office/drawing/2010/main">
                   <a:effectLst>
                     <a:outerShdw blurRad="63500" dist="38099" dir="2700000" algn="ctr" rotWithShape="0">
                       <a:schemeClr val="bg2">
@@ -6011,7 +6011,7 @@
             <a:effectLst/>
             <a:extLst>
               <a:ext uri="{91240B29-F687-4f45-9708-019B960494DF}">
-                <a14:hiddenLine xmlns:a14="http://schemas.microsoft.com/office/drawing/2010/main" xmlns="" w="9525">
+                <a14:hiddenLine xmlns="" xmlns:a14="http://schemas.microsoft.com/office/drawing/2010/main" w="9525">
                   <a:solidFill>
                     <a:schemeClr val="tx1"/>
                   </a:solidFill>
@@ -6021,7 +6021,7 @@
                 </a14:hiddenLine>
               </a:ext>
               <a:ext uri="{AF507438-7753-43e0-B8FC-AC1667EBCBE1}">
-                <a14:hiddenEffects xmlns:a14="http://schemas.microsoft.com/office/drawing/2010/main" xmlns="">
+                <a14:hiddenEffects xmlns="" xmlns:a14="http://schemas.microsoft.com/office/drawing/2010/main">
                   <a:effectLst>
                     <a:outerShdw blurRad="63500" dist="38099" dir="2700000" algn="ctr" rotWithShape="0">
                       <a:schemeClr val="bg2">
@@ -6066,7 +6066,7 @@
             <a:effectLst/>
             <a:extLst>
               <a:ext uri="{91240B29-F687-4f45-9708-019B960494DF}">
-                <a14:hiddenLine xmlns:a14="http://schemas.microsoft.com/office/drawing/2010/main" xmlns="" w="9525">
+                <a14:hiddenLine xmlns="" xmlns:a14="http://schemas.microsoft.com/office/drawing/2010/main" w="9525">
                   <a:solidFill>
                     <a:schemeClr val="tx1"/>
                   </a:solidFill>
@@ -6076,7 +6076,7 @@
                 </a14:hiddenLine>
               </a:ext>
               <a:ext uri="{AF507438-7753-43e0-B8FC-AC1667EBCBE1}">
-                <a14:hiddenEffects xmlns:a14="http://schemas.microsoft.com/office/drawing/2010/main" xmlns="">
+                <a14:hiddenEffects xmlns="" xmlns:a14="http://schemas.microsoft.com/office/drawing/2010/main">
                   <a:effectLst>
                     <a:outerShdw blurRad="63500" dist="38099" dir="2700000" algn="ctr" rotWithShape="0">
                       <a:schemeClr val="bg2">
@@ -6121,7 +6121,7 @@
             <a:effectLst/>
             <a:extLst>
               <a:ext uri="{91240B29-F687-4f45-9708-019B960494DF}">
-                <a14:hiddenLine xmlns:a14="http://schemas.microsoft.com/office/drawing/2010/main" xmlns="" w="9525">
+                <a14:hiddenLine xmlns="" xmlns:a14="http://schemas.microsoft.com/office/drawing/2010/main" w="9525">
                   <a:solidFill>
                     <a:schemeClr val="tx1"/>
                   </a:solidFill>
@@ -6131,7 +6131,7 @@
                 </a14:hiddenLine>
               </a:ext>
               <a:ext uri="{AF507438-7753-43e0-B8FC-AC1667EBCBE1}">
-                <a14:hiddenEffects xmlns:a14="http://schemas.microsoft.com/office/drawing/2010/main" xmlns="">
+                <a14:hiddenEffects xmlns="" xmlns:a14="http://schemas.microsoft.com/office/drawing/2010/main">
                   <a:effectLst>
                     <a:outerShdw blurRad="63500" dist="38099" dir="2700000" algn="ctr" rotWithShape="0">
                       <a:schemeClr val="bg2">
@@ -6176,7 +6176,7 @@
             <a:effectLst/>
             <a:extLst>
               <a:ext uri="{91240B29-F687-4f45-9708-019B960494DF}">
-                <a14:hiddenLine xmlns:a14="http://schemas.microsoft.com/office/drawing/2010/main" xmlns="" w="9525">
+                <a14:hiddenLine xmlns="" xmlns:a14="http://schemas.microsoft.com/office/drawing/2010/main" w="9525">
                   <a:solidFill>
                     <a:schemeClr val="tx1"/>
                   </a:solidFill>
@@ -6186,7 +6186,7 @@
                 </a14:hiddenLine>
               </a:ext>
               <a:ext uri="{AF507438-7753-43e0-B8FC-AC1667EBCBE1}">
-                <a14:hiddenEffects xmlns:a14="http://schemas.microsoft.com/office/drawing/2010/main" xmlns="">
+                <a14:hiddenEffects xmlns="" xmlns:a14="http://schemas.microsoft.com/office/drawing/2010/main">
                   <a:effectLst>
                     <a:outerShdw blurRad="63500" dist="38099" dir="2700000" algn="ctr" rotWithShape="0">
                       <a:schemeClr val="bg2">
@@ -6231,7 +6231,7 @@
             <a:effectLst/>
             <a:extLst>
               <a:ext uri="{91240B29-F687-4f45-9708-019B960494DF}">
-                <a14:hiddenLine xmlns:a14="http://schemas.microsoft.com/office/drawing/2010/main" xmlns="" w="9525">
+                <a14:hiddenLine xmlns="" xmlns:a14="http://schemas.microsoft.com/office/drawing/2010/main" w="9525">
                   <a:solidFill>
                     <a:schemeClr val="tx1"/>
                   </a:solidFill>
@@ -6241,7 +6241,7 @@
                 </a14:hiddenLine>
               </a:ext>
               <a:ext uri="{AF507438-7753-43e0-B8FC-AC1667EBCBE1}">
-                <a14:hiddenEffects xmlns:a14="http://schemas.microsoft.com/office/drawing/2010/main" xmlns="">
+                <a14:hiddenEffects xmlns="" xmlns:a14="http://schemas.microsoft.com/office/drawing/2010/main">
                   <a:effectLst>
                     <a:outerShdw blurRad="63500" dist="38099" dir="2700000" algn="ctr" rotWithShape="0">
                       <a:schemeClr val="bg2">
@@ -6286,7 +6286,7 @@
             <a:effectLst/>
             <a:extLst>
               <a:ext uri="{91240B29-F687-4f45-9708-019B960494DF}">
-                <a14:hiddenLine xmlns:a14="http://schemas.microsoft.com/office/drawing/2010/main" xmlns="" w="9525">
+                <a14:hiddenLine xmlns="" xmlns:a14="http://schemas.microsoft.com/office/drawing/2010/main" w="9525">
                   <a:solidFill>
                     <a:schemeClr val="tx1"/>
                   </a:solidFill>
@@ -6296,7 +6296,7 @@
                 </a14:hiddenLine>
               </a:ext>
               <a:ext uri="{AF507438-7753-43e0-B8FC-AC1667EBCBE1}">
-                <a14:hiddenEffects xmlns:a14="http://schemas.microsoft.com/office/drawing/2010/main" xmlns="">
+                <a14:hiddenEffects xmlns="" xmlns:a14="http://schemas.microsoft.com/office/drawing/2010/main">
                   <a:effectLst>
                     <a:outerShdw blurRad="63500" dist="38099" dir="2700000" algn="ctr" rotWithShape="0">
                       <a:schemeClr val="bg2">
@@ -6341,7 +6341,7 @@
             <a:effectLst/>
             <a:extLst>
               <a:ext uri="{91240B29-F687-4f45-9708-019B960494DF}">
-                <a14:hiddenLine xmlns:a14="http://schemas.microsoft.com/office/drawing/2010/main" xmlns="" w="9525">
+                <a14:hiddenLine xmlns="" xmlns:a14="http://schemas.microsoft.com/office/drawing/2010/main" w="9525">
                   <a:solidFill>
                     <a:schemeClr val="tx1"/>
                   </a:solidFill>
@@ -6351,7 +6351,7 @@
                 </a14:hiddenLine>
               </a:ext>
               <a:ext uri="{AF507438-7753-43e0-B8FC-AC1667EBCBE1}">
-                <a14:hiddenEffects xmlns:a14="http://schemas.microsoft.com/office/drawing/2010/main" xmlns="">
+                <a14:hiddenEffects xmlns="" xmlns:a14="http://schemas.microsoft.com/office/drawing/2010/main">
                   <a:effectLst>
                     <a:outerShdw blurRad="63500" dist="38099" dir="2700000" algn="ctr" rotWithShape="0">
                       <a:schemeClr val="bg2">
@@ -6396,7 +6396,7 @@
             <a:effectLst/>
             <a:extLst>
               <a:ext uri="{91240B29-F687-4f45-9708-019B960494DF}">
-                <a14:hiddenLine xmlns:a14="http://schemas.microsoft.com/office/drawing/2010/main" xmlns="" w="9525">
+                <a14:hiddenLine xmlns="" xmlns:a14="http://schemas.microsoft.com/office/drawing/2010/main" w="9525">
                   <a:solidFill>
                     <a:schemeClr val="tx1"/>
                   </a:solidFill>
@@ -6406,7 +6406,7 @@
                 </a14:hiddenLine>
               </a:ext>
               <a:ext uri="{AF507438-7753-43e0-B8FC-AC1667EBCBE1}">
-                <a14:hiddenEffects xmlns:a14="http://schemas.microsoft.com/office/drawing/2010/main" xmlns="">
+                <a14:hiddenEffects xmlns="" xmlns:a14="http://schemas.microsoft.com/office/drawing/2010/main">
                   <a:effectLst>
                     <a:outerShdw blurRad="63500" dist="38099" dir="2700000" algn="ctr" rotWithShape="0">
                       <a:schemeClr val="bg2">
@@ -6451,7 +6451,7 @@
             <a:effectLst/>
             <a:extLst>
               <a:ext uri="{91240B29-F687-4f45-9708-019B960494DF}">
-                <a14:hiddenLine xmlns:a14="http://schemas.microsoft.com/office/drawing/2010/main" xmlns="" w="9525">
+                <a14:hiddenLine xmlns="" xmlns:a14="http://schemas.microsoft.com/office/drawing/2010/main" w="9525">
                   <a:solidFill>
                     <a:schemeClr val="tx1"/>
                   </a:solidFill>
@@ -6461,7 +6461,7 @@
                 </a14:hiddenLine>
               </a:ext>
               <a:ext uri="{AF507438-7753-43e0-B8FC-AC1667EBCBE1}">
-                <a14:hiddenEffects xmlns:a14="http://schemas.microsoft.com/office/drawing/2010/main" xmlns="">
+                <a14:hiddenEffects xmlns="" xmlns:a14="http://schemas.microsoft.com/office/drawing/2010/main">
                   <a:effectLst>
                     <a:outerShdw blurRad="63500" dist="38099" dir="2700000" algn="ctr" rotWithShape="0">
                       <a:schemeClr val="bg2">
@@ -6506,7 +6506,7 @@
             <a:effectLst/>
             <a:extLst>
               <a:ext uri="{91240B29-F687-4f45-9708-019B960494DF}">
-                <a14:hiddenLine xmlns:a14="http://schemas.microsoft.com/office/drawing/2010/main" xmlns="" w="9525">
+                <a14:hiddenLine xmlns="" xmlns:a14="http://schemas.microsoft.com/office/drawing/2010/main" w="9525">
                   <a:solidFill>
                     <a:schemeClr val="tx1"/>
                   </a:solidFill>
@@ -6516,7 +6516,7 @@
                 </a14:hiddenLine>
               </a:ext>
               <a:ext uri="{AF507438-7753-43e0-B8FC-AC1667EBCBE1}">
-                <a14:hiddenEffects xmlns:a14="http://schemas.microsoft.com/office/drawing/2010/main" xmlns="">
+                <a14:hiddenEffects xmlns="" xmlns:a14="http://schemas.microsoft.com/office/drawing/2010/main">
                   <a:effectLst>
                     <a:outerShdw blurRad="63500" dist="38099" dir="2700000" algn="ctr" rotWithShape="0">
                       <a:schemeClr val="bg2">
@@ -6561,7 +6561,7 @@
             <a:effectLst/>
             <a:extLst>
               <a:ext uri="{91240B29-F687-4f45-9708-019B960494DF}">
-                <a14:hiddenLine xmlns:a14="http://schemas.microsoft.com/office/drawing/2010/main" xmlns="" w="9525">
+                <a14:hiddenLine xmlns="" xmlns:a14="http://schemas.microsoft.com/office/drawing/2010/main" w="9525">
                   <a:solidFill>
                     <a:schemeClr val="tx1"/>
                   </a:solidFill>
@@ -6571,7 +6571,7 @@
                 </a14:hiddenLine>
               </a:ext>
               <a:ext uri="{AF507438-7753-43e0-B8FC-AC1667EBCBE1}">
-                <a14:hiddenEffects xmlns:a14="http://schemas.microsoft.com/office/drawing/2010/main" xmlns="">
+                <a14:hiddenEffects xmlns="" xmlns:a14="http://schemas.microsoft.com/office/drawing/2010/main">
                   <a:effectLst>
                     <a:outerShdw blurRad="63500" dist="38099" dir="2700000" algn="ctr" rotWithShape="0">
                       <a:schemeClr val="bg2">
@@ -6616,7 +6616,7 @@
             <a:effectLst/>
             <a:extLst>
               <a:ext uri="{91240B29-F687-4f45-9708-019B960494DF}">
-                <a14:hiddenLine xmlns:a14="http://schemas.microsoft.com/office/drawing/2010/main" xmlns="" w="9525">
+                <a14:hiddenLine xmlns="" xmlns:a14="http://schemas.microsoft.com/office/drawing/2010/main" w="9525">
                   <a:solidFill>
                     <a:schemeClr val="tx1"/>
                   </a:solidFill>
@@ -6626,7 +6626,7 @@
                 </a14:hiddenLine>
               </a:ext>
               <a:ext uri="{AF507438-7753-43e0-B8FC-AC1667EBCBE1}">
-                <a14:hiddenEffects xmlns:a14="http://schemas.microsoft.com/office/drawing/2010/main" xmlns="">
+                <a14:hiddenEffects xmlns="" xmlns:a14="http://schemas.microsoft.com/office/drawing/2010/main">
                   <a:effectLst>
                     <a:outerShdw blurRad="63500" dist="38099" dir="2700000" algn="ctr" rotWithShape="0">
                       <a:schemeClr val="bg2">
@@ -6671,7 +6671,7 @@
             <a:effectLst/>
             <a:extLst>
               <a:ext uri="{91240B29-F687-4f45-9708-019B960494DF}">
-                <a14:hiddenLine xmlns:a14="http://schemas.microsoft.com/office/drawing/2010/main" xmlns="" w="9525">
+                <a14:hiddenLine xmlns="" xmlns:a14="http://schemas.microsoft.com/office/drawing/2010/main" w="9525">
                   <a:solidFill>
                     <a:schemeClr val="tx1"/>
                   </a:solidFill>
@@ -6681,7 +6681,7 @@
                 </a14:hiddenLine>
               </a:ext>
               <a:ext uri="{AF507438-7753-43e0-B8FC-AC1667EBCBE1}">
-                <a14:hiddenEffects xmlns:a14="http://schemas.microsoft.com/office/drawing/2010/main" xmlns="">
+                <a14:hiddenEffects xmlns="" xmlns:a14="http://schemas.microsoft.com/office/drawing/2010/main">
                   <a:effectLst>
                     <a:outerShdw blurRad="63500" dist="38099" dir="2700000" algn="ctr" rotWithShape="0">
                       <a:schemeClr val="bg2">
@@ -6726,7 +6726,7 @@
             <a:effectLst/>
             <a:extLst>
               <a:ext uri="{91240B29-F687-4f45-9708-019B960494DF}">
-                <a14:hiddenLine xmlns:a14="http://schemas.microsoft.com/office/drawing/2010/main" xmlns="" w="9525">
+                <a14:hiddenLine xmlns="" xmlns:a14="http://schemas.microsoft.com/office/drawing/2010/main" w="9525">
                   <a:solidFill>
                     <a:schemeClr val="tx1"/>
                   </a:solidFill>
@@ -6736,7 +6736,7 @@
                 </a14:hiddenLine>
               </a:ext>
               <a:ext uri="{AF507438-7753-43e0-B8FC-AC1667EBCBE1}">
-                <a14:hiddenEffects xmlns:a14="http://schemas.microsoft.com/office/drawing/2010/main" xmlns="">
+                <a14:hiddenEffects xmlns="" xmlns:a14="http://schemas.microsoft.com/office/drawing/2010/main">
                   <a:effectLst>
                     <a:outerShdw blurRad="63500" dist="38099" dir="2700000" algn="ctr" rotWithShape="0">
                       <a:schemeClr val="bg2">
@@ -6781,7 +6781,7 @@
             <a:effectLst/>
             <a:extLst>
               <a:ext uri="{91240B29-F687-4f45-9708-019B960494DF}">
-                <a14:hiddenLine xmlns:a14="http://schemas.microsoft.com/office/drawing/2010/main" xmlns="" w="9525">
+                <a14:hiddenLine xmlns="" xmlns:a14="http://schemas.microsoft.com/office/drawing/2010/main" w="9525">
                   <a:solidFill>
                     <a:schemeClr val="tx1"/>
                   </a:solidFill>
@@ -6791,7 +6791,7 @@
                 </a14:hiddenLine>
               </a:ext>
               <a:ext uri="{AF507438-7753-43e0-B8FC-AC1667EBCBE1}">
-                <a14:hiddenEffects xmlns:a14="http://schemas.microsoft.com/office/drawing/2010/main" xmlns="">
+                <a14:hiddenEffects xmlns="" xmlns:a14="http://schemas.microsoft.com/office/drawing/2010/main">
                   <a:effectLst>
                     <a:outerShdw blurRad="63500" dist="38099" dir="2700000" algn="ctr" rotWithShape="0">
                       <a:schemeClr val="bg2">
@@ -6836,7 +6836,7 @@
             <a:effectLst/>
             <a:extLst>
               <a:ext uri="{91240B29-F687-4f45-9708-019B960494DF}">
-                <a14:hiddenLine xmlns:a14="http://schemas.microsoft.com/office/drawing/2010/main" xmlns="" w="9525">
+                <a14:hiddenLine xmlns="" xmlns:a14="http://schemas.microsoft.com/office/drawing/2010/main" w="9525">
                   <a:solidFill>
                     <a:schemeClr val="tx1"/>
                   </a:solidFill>
@@ -6846,7 +6846,7 @@
                 </a14:hiddenLine>
               </a:ext>
               <a:ext uri="{AF507438-7753-43e0-B8FC-AC1667EBCBE1}">
-                <a14:hiddenEffects xmlns:a14="http://schemas.microsoft.com/office/drawing/2010/main" xmlns="">
+                <a14:hiddenEffects xmlns="" xmlns:a14="http://schemas.microsoft.com/office/drawing/2010/main">
                   <a:effectLst>
                     <a:outerShdw blurRad="63500" dist="38099" dir="2700000" algn="ctr" rotWithShape="0">
                       <a:schemeClr val="bg2">
@@ -6891,7 +6891,7 @@
             <a:effectLst/>
             <a:extLst>
               <a:ext uri="{91240B29-F687-4f45-9708-019B960494DF}">
-                <a14:hiddenLine xmlns:a14="http://schemas.microsoft.com/office/drawing/2010/main" xmlns="" w="9525">
+                <a14:hiddenLine xmlns="" xmlns:a14="http://schemas.microsoft.com/office/drawing/2010/main" w="9525">
                   <a:solidFill>
                     <a:schemeClr val="tx1"/>
                   </a:solidFill>
@@ -6901,7 +6901,7 @@
                 </a14:hiddenLine>
               </a:ext>
               <a:ext uri="{AF507438-7753-43e0-B8FC-AC1667EBCBE1}">
-                <a14:hiddenEffects xmlns:a14="http://schemas.microsoft.com/office/drawing/2010/main" xmlns="">
+                <a14:hiddenEffects xmlns="" xmlns:a14="http://schemas.microsoft.com/office/drawing/2010/main">
                   <a:effectLst>
                     <a:outerShdw blurRad="63500" dist="38099" dir="2700000" algn="ctr" rotWithShape="0">
                       <a:schemeClr val="bg2">
@@ -6946,7 +6946,7 @@
             <a:effectLst/>
             <a:extLst>
               <a:ext uri="{91240B29-F687-4f45-9708-019B960494DF}">
-                <a14:hiddenLine xmlns:a14="http://schemas.microsoft.com/office/drawing/2010/main" xmlns="" w="9525">
+                <a14:hiddenLine xmlns="" xmlns:a14="http://schemas.microsoft.com/office/drawing/2010/main" w="9525">
                   <a:solidFill>
                     <a:schemeClr val="tx1"/>
                   </a:solidFill>
@@ -6956,7 +6956,7 @@
                 </a14:hiddenLine>
               </a:ext>
               <a:ext uri="{AF507438-7753-43e0-B8FC-AC1667EBCBE1}">
-                <a14:hiddenEffects xmlns:a14="http://schemas.microsoft.com/office/drawing/2010/main" xmlns="">
+                <a14:hiddenEffects xmlns="" xmlns:a14="http://schemas.microsoft.com/office/drawing/2010/main">
                   <a:effectLst>
                     <a:outerShdw blurRad="63500" dist="38099" dir="2700000" algn="ctr" rotWithShape="0">
                       <a:schemeClr val="bg2">
@@ -7001,7 +7001,7 @@
             <a:effectLst/>
             <a:extLst>
               <a:ext uri="{91240B29-F687-4f45-9708-019B960494DF}">
-                <a14:hiddenLine xmlns:a14="http://schemas.microsoft.com/office/drawing/2010/main" xmlns="" w="9525">
+                <a14:hiddenLine xmlns="" xmlns:a14="http://schemas.microsoft.com/office/drawing/2010/main" w="9525">
                   <a:solidFill>
                     <a:schemeClr val="tx1"/>
                   </a:solidFill>
@@ -7011,7 +7011,7 @@
                 </a14:hiddenLine>
               </a:ext>
               <a:ext uri="{AF507438-7753-43e0-B8FC-AC1667EBCBE1}">
-                <a14:hiddenEffects xmlns:a14="http://schemas.microsoft.com/office/drawing/2010/main" xmlns="">
+                <a14:hiddenEffects xmlns="" xmlns:a14="http://schemas.microsoft.com/office/drawing/2010/main">
                   <a:effectLst>
                     <a:outerShdw blurRad="63500" dist="38099" dir="2700000" algn="ctr" rotWithShape="0">
                       <a:schemeClr val="bg2">
@@ -7056,7 +7056,7 @@
             <a:effectLst/>
             <a:extLst>
               <a:ext uri="{91240B29-F687-4f45-9708-019B960494DF}">
-                <a14:hiddenLine xmlns:a14="http://schemas.microsoft.com/office/drawing/2010/main" xmlns="" w="9525">
+                <a14:hiddenLine xmlns="" xmlns:a14="http://schemas.microsoft.com/office/drawing/2010/main" w="9525">
                   <a:solidFill>
                     <a:schemeClr val="tx1"/>
                   </a:solidFill>
@@ -7066,7 +7066,7 @@
                 </a14:hiddenLine>
               </a:ext>
               <a:ext uri="{AF507438-7753-43e0-B8FC-AC1667EBCBE1}">
-                <a14:hiddenEffects xmlns:a14="http://schemas.microsoft.com/office/drawing/2010/main" xmlns="">
+                <a14:hiddenEffects xmlns="" xmlns:a14="http://schemas.microsoft.com/office/drawing/2010/main">
                   <a:effectLst>
                     <a:outerShdw blurRad="63500" dist="38099" dir="2700000" algn="ctr" rotWithShape="0">
                       <a:schemeClr val="bg2">
@@ -7111,7 +7111,7 @@
             <a:effectLst/>
             <a:extLst>
               <a:ext uri="{91240B29-F687-4f45-9708-019B960494DF}">
-                <a14:hiddenLine xmlns:a14="http://schemas.microsoft.com/office/drawing/2010/main" xmlns="" w="9525">
+                <a14:hiddenLine xmlns="" xmlns:a14="http://schemas.microsoft.com/office/drawing/2010/main" w="9525">
                   <a:solidFill>
                     <a:schemeClr val="tx1"/>
                   </a:solidFill>
@@ -7121,7 +7121,7 @@
                 </a14:hiddenLine>
               </a:ext>
               <a:ext uri="{AF507438-7753-43e0-B8FC-AC1667EBCBE1}">
-                <a14:hiddenEffects xmlns:a14="http://schemas.microsoft.com/office/drawing/2010/main" xmlns="">
+                <a14:hiddenEffects xmlns="" xmlns:a14="http://schemas.microsoft.com/office/drawing/2010/main">
                   <a:effectLst>
                     <a:outerShdw blurRad="63500" dist="38099" dir="2700000" algn="ctr" rotWithShape="0">
                       <a:schemeClr val="bg2">
@@ -7166,7 +7166,7 @@
             <a:effectLst/>
             <a:extLst>
               <a:ext uri="{91240B29-F687-4f45-9708-019B960494DF}">
-                <a14:hiddenLine xmlns:a14="http://schemas.microsoft.com/office/drawing/2010/main" xmlns="" w="9525">
+                <a14:hiddenLine xmlns="" xmlns:a14="http://schemas.microsoft.com/office/drawing/2010/main" w="9525">
                   <a:solidFill>
                     <a:schemeClr val="tx1"/>
                   </a:solidFill>
@@ -7176,7 +7176,7 @@
                 </a14:hiddenLine>
               </a:ext>
               <a:ext uri="{AF507438-7753-43e0-B8FC-AC1667EBCBE1}">
-                <a14:hiddenEffects xmlns:a14="http://schemas.microsoft.com/office/drawing/2010/main" xmlns="">
+                <a14:hiddenEffects xmlns="" xmlns:a14="http://schemas.microsoft.com/office/drawing/2010/main">
                   <a:effectLst>
                     <a:outerShdw blurRad="63500" dist="38099" dir="2700000" algn="ctr" rotWithShape="0">
                       <a:schemeClr val="bg2">
@@ -7221,7 +7221,7 @@
             <a:effectLst/>
             <a:extLst>
               <a:ext uri="{91240B29-F687-4f45-9708-019B960494DF}">
-                <a14:hiddenLine xmlns:a14="http://schemas.microsoft.com/office/drawing/2010/main" xmlns="" w="9525">
+                <a14:hiddenLine xmlns="" xmlns:a14="http://schemas.microsoft.com/office/drawing/2010/main" w="9525">
                   <a:solidFill>
                     <a:schemeClr val="tx1"/>
                   </a:solidFill>
@@ -7231,7 +7231,7 @@
                 </a14:hiddenLine>
               </a:ext>
               <a:ext uri="{AF507438-7753-43e0-B8FC-AC1667EBCBE1}">
-                <a14:hiddenEffects xmlns:a14="http://schemas.microsoft.com/office/drawing/2010/main" xmlns="">
+                <a14:hiddenEffects xmlns="" xmlns:a14="http://schemas.microsoft.com/office/drawing/2010/main">
                   <a:effectLst>
                     <a:outerShdw blurRad="63500" dist="38099" dir="2700000" algn="ctr" rotWithShape="0">
                       <a:schemeClr val="bg2">
@@ -8605,7 +8605,7 @@
           <a:effectLst/>
           <a:extLst>
             <a:ext uri="{AF507438-7753-43e0-B8FC-AC1667EBCBE1}">
-              <a14:hiddenEffects xmlns="" xmlns:a14="http://schemas.microsoft.com/office/drawing/2010/main">
+              <a14:hiddenEffects xmlns:a14="http://schemas.microsoft.com/office/drawing/2010/main" xmlns="">
                 <a:effectLst>
                   <a:outerShdw blurRad="63500" dist="38099" dir="2700000" algn="ctr" rotWithShape="0">
                     <a:schemeClr val="bg2">
@@ -8812,7 +8812,7 @@
           <a:effectLst/>
           <a:extLst>
             <a:ext uri="{AF507438-7753-43e0-B8FC-AC1667EBCBE1}">
-              <a14:hiddenEffects xmlns:a14="http://schemas.microsoft.com/office/drawing/2010/main" xmlns="">
+              <a14:hiddenEffects xmlns="" xmlns:a14="http://schemas.microsoft.com/office/drawing/2010/main">
                 <a:effectLst>
                   <a:outerShdw blurRad="63500" dist="38099" dir="2700000" algn="ctr" rotWithShape="0">
                     <a:schemeClr val="bg2">
@@ -9537,7 +9537,7 @@
           <a:effectLst/>
           <a:extLst>
             <a:ext uri="{AF507438-7753-43e0-B8FC-AC1667EBCBE1}">
-              <a14:hiddenEffects xmlns:a14="http://schemas.microsoft.com/office/drawing/2010/main" xmlns="">
+              <a14:hiddenEffects xmlns="" xmlns:a14="http://schemas.microsoft.com/office/drawing/2010/main">
                 <a:effectLst>
                   <a:outerShdw blurRad="63500" dist="38099" dir="2700000" algn="ctr" rotWithShape="0">
                     <a:schemeClr val="bg2">
@@ -9617,7 +9617,7 @@
           <a:effectLst/>
           <a:extLst>
             <a:ext uri="{AF507438-7753-43e0-B8FC-AC1667EBCBE1}">
-              <a14:hiddenEffects xmlns:a14="http://schemas.microsoft.com/office/drawing/2010/main" xmlns="">
+              <a14:hiddenEffects xmlns="" xmlns:a14="http://schemas.microsoft.com/office/drawing/2010/main">
                 <a:effectLst>
                   <a:outerShdw blurRad="63500" dist="38099" dir="2700000" algn="ctr" rotWithShape="0">
                     <a:schemeClr val="bg2">
@@ -9659,7 +9659,7 @@
           <a:effectLst/>
           <a:extLst>
             <a:ext uri="{AF507438-7753-43e0-B8FC-AC1667EBCBE1}">
-              <a14:hiddenEffects xmlns:a14="http://schemas.microsoft.com/office/drawing/2010/main" xmlns="">
+              <a14:hiddenEffects xmlns="" xmlns:a14="http://schemas.microsoft.com/office/drawing/2010/main">
                 <a:effectLst>
                   <a:outerShdw blurRad="63500" dist="38099" dir="2700000" algn="ctr" rotWithShape="0">
                     <a:schemeClr val="bg2">
@@ -10752,7 +10752,7 @@
           <a:effectLst/>
           <a:extLst>
             <a:ext uri="{AF507438-7753-43e0-B8FC-AC1667EBCBE1}">
-              <a14:hiddenEffects xmlns:a14="http://schemas.microsoft.com/office/drawing/2010/main" xmlns="">
+              <a14:hiddenEffects xmlns="" xmlns:a14="http://schemas.microsoft.com/office/drawing/2010/main">
                 <a:effectLst>
                   <a:outerShdw blurRad="63500" dist="38099" dir="2700000" algn="ctr" rotWithShape="0">
                     <a:schemeClr val="bg2">
@@ -10832,7 +10832,7 @@
           <a:effectLst/>
           <a:extLst>
             <a:ext uri="{AF507438-7753-43e0-B8FC-AC1667EBCBE1}">
-              <a14:hiddenEffects xmlns:a14="http://schemas.microsoft.com/office/drawing/2010/main" xmlns="">
+              <a14:hiddenEffects xmlns="" xmlns:a14="http://schemas.microsoft.com/office/drawing/2010/main">
                 <a:effectLst>
                   <a:outerShdw blurRad="63500" dist="38099" dir="2700000" algn="ctr" rotWithShape="0">
                     <a:schemeClr val="bg2">
@@ -10874,7 +10874,7 @@
           <a:effectLst/>
           <a:extLst>
             <a:ext uri="{AF507438-7753-43e0-B8FC-AC1667EBCBE1}">
-              <a14:hiddenEffects xmlns:a14="http://schemas.microsoft.com/office/drawing/2010/main" xmlns="">
+              <a14:hiddenEffects xmlns="" xmlns:a14="http://schemas.microsoft.com/office/drawing/2010/main">
                 <a:effectLst>
                   <a:outerShdw blurRad="63500" dist="38099" dir="2700000" algn="ctr" rotWithShape="0">
                     <a:schemeClr val="bg2">
@@ -11927,7 +11927,7 @@
           <a:effectLst/>
           <a:extLst>
             <a:ext uri="{AF507438-7753-43e0-B8FC-AC1667EBCBE1}">
-              <a14:hiddenEffects xmlns="" xmlns:a14="http://schemas.microsoft.com/office/drawing/2010/main">
+              <a14:hiddenEffects xmlns:a14="http://schemas.microsoft.com/office/drawing/2010/main" xmlns="">
                 <a:effectLst>
                   <a:outerShdw blurRad="63500" dist="38099" dir="2700000" algn="ctr" rotWithShape="0">
                     <a:schemeClr val="bg2">
@@ -11978,7 +11978,7 @@
           <a:effectLst/>
           <a:extLst>
             <a:ext uri="{AF507438-7753-43e0-B8FC-AC1667EBCBE1}">
-              <a14:hiddenEffects xmlns="" xmlns:a14="http://schemas.microsoft.com/office/drawing/2010/main">
+              <a14:hiddenEffects xmlns:a14="http://schemas.microsoft.com/office/drawing/2010/main" xmlns="">
                 <a:effectLst>
                   <a:outerShdw blurRad="63500" dist="38099" dir="2700000" algn="ctr" rotWithShape="0">
                     <a:schemeClr val="bg2">
@@ -12341,7 +12341,7 @@
           <a:effectLst/>
           <a:extLst>
             <a:ext uri="{AF507438-7753-43e0-B8FC-AC1667EBCBE1}">
-              <a14:hiddenEffects xmlns="" xmlns:a14="http://schemas.microsoft.com/office/drawing/2010/main">
+              <a14:hiddenEffects xmlns:a14="http://schemas.microsoft.com/office/drawing/2010/main" xmlns="">
                 <a:effectLst>
                   <a:outerShdw blurRad="63500" dist="38099" dir="2700000" algn="ctr" rotWithShape="0">
                     <a:schemeClr val="bg2">
@@ -13063,7 +13063,7 @@
           <a:effectLst/>
           <a:extLst>
             <a:ext uri="{AF507438-7753-43e0-B8FC-AC1667EBCBE1}">
-              <a14:hiddenEffects xmlns="" xmlns:a14="http://schemas.microsoft.com/office/drawing/2010/main">
+              <a14:hiddenEffects xmlns:a14="http://schemas.microsoft.com/office/drawing/2010/main" xmlns="">
                 <a:effectLst>
                   <a:outerShdw blurRad="63500" dist="38099" dir="2700000" algn="ctr" rotWithShape="0">
                     <a:schemeClr val="bg2">
@@ -13149,7 +13149,7 @@
           <a:effectLst/>
           <a:extLst>
             <a:ext uri="{AF507438-7753-43e0-B8FC-AC1667EBCBE1}">
-              <a14:hiddenEffects xmlns="" xmlns:a14="http://schemas.microsoft.com/office/drawing/2010/main">
+              <a14:hiddenEffects xmlns:a14="http://schemas.microsoft.com/office/drawing/2010/main" xmlns="">
                 <a:effectLst>
                   <a:outerShdw blurRad="63500" dist="38099" dir="2700000" algn="ctr" rotWithShape="0">
                     <a:schemeClr val="bg2">
@@ -13620,7 +13620,7 @@
           </a:ln>
           <a:extLst>
             <a:ext uri="{909E8E84-426E-40dd-AFC4-6F175D3DCCD1}">
-              <a14:hiddenFill xmlns:a14="http://schemas.microsoft.com/office/drawing/2010/main" xmlns="">
+              <a14:hiddenFill xmlns="" xmlns:a14="http://schemas.microsoft.com/office/drawing/2010/main">
                 <a:solidFill>
                   <a:schemeClr val="accent1"/>
                 </a:solidFill>
@@ -13650,7 +13650,7 @@
           <p:nvPr>
             <p:extLst>
               <p:ext uri="{D42A27DB-BD31-4B8C-83A1-F6EECF244321}">
-                <p14:modId xmlns:p14="http://schemas.microsoft.com/office/powerpoint/2010/main" val="3021383414"/>
+                <p14:modId xmlns:p14="http://schemas.microsoft.com/office/powerpoint/2010/main" val="252619691"/>
               </p:ext>
             </p:extLst>
           </p:nvPr>
@@ -15968,7 +15968,7 @@
                       </a:r>
                       <a:r>
                         <a:rPr lang="en-US" sz="1400" dirty="0" err="1"/>
-                        <a:t>prog</a:t>
+                        <a:t>stmt_list</a:t>
                       </a:r>
                       <a:endParaRPr lang="en-US" sz="1400" dirty="0"/>
                     </a:p>
@@ -16126,7 +16126,7 @@
                     <a:p>
                       <a:r>
                         <a:rPr lang="en-US" sz="1400" dirty="0" err="1"/>
-                        <a:t>prog</a:t>
+                        <a:t>stmt_list</a:t>
                       </a:r>
                       <a:endParaRPr lang="en-US" sz="1400" dirty="0"/>
                     </a:p>
@@ -16398,7 +16398,7 @@
           </a:ln>
           <a:extLst>
             <a:ext uri="{909E8E84-426E-40dd-AFC4-6F175D3DCCD1}">
-              <a14:hiddenFill xmlns:a14="http://schemas.microsoft.com/office/drawing/2010/main" xmlns="">
+              <a14:hiddenFill xmlns="" xmlns:a14="http://schemas.microsoft.com/office/drawing/2010/main">
                 <a:solidFill>
                   <a:schemeClr val="accent1"/>
                 </a:solidFill>
@@ -16428,7 +16428,7 @@
           <p:nvPr>
             <p:extLst>
               <p:ext uri="{D42A27DB-BD31-4B8C-83A1-F6EECF244321}">
-                <p14:modId xmlns:p14="http://schemas.microsoft.com/office/powerpoint/2010/main" val="1919009154"/>
+                <p14:modId xmlns:p14="http://schemas.microsoft.com/office/powerpoint/2010/main" val="3145130626"/>
               </p:ext>
             </p:extLst>
           </p:nvPr>
@@ -17336,7 +17336,7 @@
                       </a:r>
                       <a:r>
                         <a:rPr lang="en-US" sz="1400" dirty="0" err="1"/>
-                        <a:t>prog</a:t>
+                        <a:t>stmt_list</a:t>
                       </a:r>
                       <a:endParaRPr lang="en-US" sz="1400" dirty="0"/>
                     </a:p>
@@ -17394,7 +17394,7 @@
                     <a:p>
                       <a:r>
                         <a:rPr lang="en-US" sz="1400" dirty="0" err="1"/>
-                        <a:t>prog</a:t>
+                        <a:t>stmt_list</a:t>
                       </a:r>
                       <a:endParaRPr lang="en-US" sz="1400" dirty="0"/>
                     </a:p>
@@ -17457,7 +17457,7 @@
         <p:spPr>
           <a:xfrm>
             <a:off x="5252519" y="2819400"/>
-            <a:ext cx="544002" cy="307777"/>
+            <a:ext cx="841897" cy="307777"/>
           </a:xfrm>
           <a:prstGeom prst="rect">
             <a:avLst/>
@@ -17472,7 +17472,7 @@
           <a:p>
             <a:r>
               <a:rPr lang="en-US" sz="1400" dirty="0" err="1"/>
-              <a:t>prog</a:t>
+              <a:t>stmt_list</a:t>
             </a:r>
             <a:endParaRPr lang="en-US" sz="1400" dirty="0"/>
           </a:p>
@@ -17666,7 +17666,7 @@
         <p:spPr bwMode="auto">
           <a:xfrm flipH="1">
             <a:off x="4817064" y="3127177"/>
-            <a:ext cx="707456" cy="149423"/>
+            <a:ext cx="856404" cy="149423"/>
           </a:xfrm>
           <a:prstGeom prst="line">
             <a:avLst/>
@@ -17686,7 +17686,7 @@
           <a:effectLst/>
           <a:extLst>
             <a:ext uri="{AF507438-7753-43e0-B8FC-AC1667EBCBE1}">
-              <a14:hiddenEffects xmlns:a14="http://schemas.microsoft.com/office/drawing/2010/main" xmlns="">
+              <a14:hiddenEffects xmlns="" xmlns:a14="http://schemas.microsoft.com/office/drawing/2010/main">
                 <a:effectLst>
                   <a:outerShdw blurRad="63500" dist="38099" dir="2700000" algn="ctr" rotWithShape="0">
                     <a:schemeClr val="bg2">
@@ -17731,7 +17731,7 @@
           <a:effectLst/>
           <a:extLst>
             <a:ext uri="{AF507438-7753-43e0-B8FC-AC1667EBCBE1}">
-              <a14:hiddenEffects xmlns:a14="http://schemas.microsoft.com/office/drawing/2010/main" xmlns="">
+              <a14:hiddenEffects xmlns="" xmlns:a14="http://schemas.microsoft.com/office/drawing/2010/main">
                 <a:effectLst>
                   <a:outerShdw blurRad="63500" dist="38099" dir="2700000" algn="ctr" rotWithShape="0">
                     <a:schemeClr val="bg2">
@@ -17776,7 +17776,7 @@
           <a:effectLst/>
           <a:extLst>
             <a:ext uri="{AF507438-7753-43e0-B8FC-AC1667EBCBE1}">
-              <a14:hiddenEffects xmlns:a14="http://schemas.microsoft.com/office/drawing/2010/main" xmlns="">
+              <a14:hiddenEffects xmlns="" xmlns:a14="http://schemas.microsoft.com/office/drawing/2010/main">
                 <a:effectLst>
                   <a:outerShdw blurRad="63500" dist="38099" dir="2700000" algn="ctr" rotWithShape="0">
                     <a:schemeClr val="bg2">
@@ -17821,7 +17821,7 @@
           <a:effectLst/>
           <a:extLst>
             <a:ext uri="{AF507438-7753-43e0-B8FC-AC1667EBCBE1}">
-              <a14:hiddenEffects xmlns:a14="http://schemas.microsoft.com/office/drawing/2010/main" xmlns="">
+              <a14:hiddenEffects xmlns="" xmlns:a14="http://schemas.microsoft.com/office/drawing/2010/main">
                 <a:effectLst>
                   <a:outerShdw blurRad="63500" dist="38099" dir="2700000" algn="ctr" rotWithShape="0">
                     <a:schemeClr val="bg2">
@@ -17986,7 +17986,7 @@
           <a:effectLst/>
           <a:extLst>
             <a:ext uri="{AF507438-7753-43e0-B8FC-AC1667EBCBE1}">
-              <a14:hiddenEffects xmlns:a14="http://schemas.microsoft.com/office/drawing/2010/main" xmlns="">
+              <a14:hiddenEffects xmlns="" xmlns:a14="http://schemas.microsoft.com/office/drawing/2010/main">
                 <a:effectLst>
                   <a:outerShdw blurRad="63500" dist="38099" dir="2700000" algn="ctr" rotWithShape="0">
                     <a:schemeClr val="bg2">
@@ -18031,7 +18031,7 @@
           <a:effectLst/>
           <a:extLst>
             <a:ext uri="{AF507438-7753-43e0-B8FC-AC1667EBCBE1}">
-              <a14:hiddenEffects xmlns:a14="http://schemas.microsoft.com/office/drawing/2010/main" xmlns="">
+              <a14:hiddenEffects xmlns="" xmlns:a14="http://schemas.microsoft.com/office/drawing/2010/main">
                 <a:effectLst>
                   <a:outerShdw blurRad="63500" dist="38099" dir="2700000" algn="ctr" rotWithShape="0">
                     <a:schemeClr val="bg2">
@@ -18076,7 +18076,7 @@
           <a:effectLst/>
           <a:extLst>
             <a:ext uri="{AF507438-7753-43e0-B8FC-AC1667EBCBE1}">
-              <a14:hiddenEffects xmlns:a14="http://schemas.microsoft.com/office/drawing/2010/main" xmlns="">
+              <a14:hiddenEffects xmlns="" xmlns:a14="http://schemas.microsoft.com/office/drawing/2010/main">
                 <a:effectLst>
                   <a:outerShdw blurRad="63500" dist="38099" dir="2700000" algn="ctr" rotWithShape="0">
                     <a:schemeClr val="bg2">
@@ -18121,7 +18121,7 @@
           <a:effectLst/>
           <a:extLst>
             <a:ext uri="{AF507438-7753-43e0-B8FC-AC1667EBCBE1}">
-              <a14:hiddenEffects xmlns:a14="http://schemas.microsoft.com/office/drawing/2010/main" xmlns="">
+              <a14:hiddenEffects xmlns="" xmlns:a14="http://schemas.microsoft.com/office/drawing/2010/main">
                 <a:effectLst>
                   <a:outerShdw blurRad="63500" dist="38099" dir="2700000" algn="ctr" rotWithShape="0">
                     <a:schemeClr val="bg2">
@@ -18166,7 +18166,7 @@
           <a:effectLst/>
           <a:extLst>
             <a:ext uri="{AF507438-7753-43e0-B8FC-AC1667EBCBE1}">
-              <a14:hiddenEffects xmlns:a14="http://schemas.microsoft.com/office/drawing/2010/main" xmlns="">
+              <a14:hiddenEffects xmlns="" xmlns:a14="http://schemas.microsoft.com/office/drawing/2010/main">
                 <a:effectLst>
                   <a:outerShdw blurRad="63500" dist="38099" dir="2700000" algn="ctr" rotWithShape="0">
                     <a:schemeClr val="bg2">
@@ -18211,7 +18211,7 @@
           <a:effectLst/>
           <a:extLst>
             <a:ext uri="{AF507438-7753-43e0-B8FC-AC1667EBCBE1}">
-              <a14:hiddenEffects xmlns:a14="http://schemas.microsoft.com/office/drawing/2010/main" xmlns="">
+              <a14:hiddenEffects xmlns="" xmlns:a14="http://schemas.microsoft.com/office/drawing/2010/main">
                 <a:effectLst>
                   <a:outerShdw blurRad="63500" dist="38099" dir="2700000" algn="ctr" rotWithShape="0">
                     <a:schemeClr val="bg2">
@@ -18285,7 +18285,7 @@
           <a:effectLst/>
           <a:extLst>
             <a:ext uri="{AF507438-7753-43e0-B8FC-AC1667EBCBE1}">
-              <a14:hiddenEffects xmlns:a14="http://schemas.microsoft.com/office/drawing/2010/main" xmlns="">
+              <a14:hiddenEffects xmlns="" xmlns:a14="http://schemas.microsoft.com/office/drawing/2010/main">
                 <a:effectLst>
                   <a:outerShdw blurRad="63500" dist="38099" dir="2700000" algn="ctr" rotWithShape="0">
                     <a:schemeClr val="bg2">
@@ -18306,8 +18306,8 @@
         </p:nvSpPr>
         <p:spPr>
           <a:xfrm>
-            <a:off x="6477000" y="3553023"/>
-            <a:ext cx="542136" cy="307777"/>
+            <a:off x="6324600" y="3553023"/>
+            <a:ext cx="841897" cy="307777"/>
           </a:xfrm>
           <a:prstGeom prst="rect">
             <a:avLst/>
@@ -18322,7 +18322,7 @@
           <a:p>
             <a:r>
               <a:rPr lang="en-US" sz="1400" dirty="0" err="1"/>
-              <a:t>prog</a:t>
+              <a:t>stmt_list</a:t>
             </a:r>
             <a:endParaRPr lang="en-US" sz="1400" dirty="0"/>
           </a:p>
@@ -18368,8 +18368,8 @@
         </p:nvCxnSpPr>
         <p:spPr bwMode="auto">
           <a:xfrm>
-            <a:off x="5524520" y="3127177"/>
-            <a:ext cx="1223548" cy="425846"/>
+            <a:off x="5673468" y="3127177"/>
+            <a:ext cx="1072081" cy="425846"/>
           </a:xfrm>
           <a:prstGeom prst="line">
             <a:avLst/>
@@ -18389,7 +18389,7 @@
           <a:effectLst/>
           <a:extLst>
             <a:ext uri="{AF507438-7753-43e0-B8FC-AC1667EBCBE1}">
-              <a14:hiddenEffects xmlns:a14="http://schemas.microsoft.com/office/drawing/2010/main" xmlns="">
+              <a14:hiddenEffects xmlns="" xmlns:a14="http://schemas.microsoft.com/office/drawing/2010/main">
                 <a:effectLst>
                   <a:outerShdw blurRad="63500" dist="38099" dir="2700000" algn="ctr" rotWithShape="0">
                     <a:schemeClr val="bg2">
@@ -18413,8 +18413,8 @@
         </p:nvCxnSpPr>
         <p:spPr bwMode="auto">
           <a:xfrm>
-            <a:off x="6748068" y="3860800"/>
-            <a:ext cx="35381" cy="251023"/>
+            <a:off x="6745549" y="3860800"/>
+            <a:ext cx="37900" cy="251023"/>
           </a:xfrm>
           <a:prstGeom prst="line">
             <a:avLst/>
@@ -18434,7 +18434,7 @@
           <a:effectLst/>
           <a:extLst>
             <a:ext uri="{AF507438-7753-43e0-B8FC-AC1667EBCBE1}">
-              <a14:hiddenEffects xmlns:a14="http://schemas.microsoft.com/office/drawing/2010/main" xmlns="">
+              <a14:hiddenEffects xmlns="" xmlns:a14="http://schemas.microsoft.com/office/drawing/2010/main">
                 <a:effectLst>
                   <a:outerShdw blurRad="63500" dist="38099" dir="2700000" algn="ctr" rotWithShape="0">
                     <a:schemeClr val="bg2">
@@ -18526,7 +18526,7 @@
           </a:ln>
           <a:extLst>
             <a:ext uri="{909E8E84-426E-40dd-AFC4-6F175D3DCCD1}">
-              <a14:hiddenFill xmlns:a14="http://schemas.microsoft.com/office/drawing/2010/main" xmlns="">
+              <a14:hiddenFill xmlns="" xmlns:a14="http://schemas.microsoft.com/office/drawing/2010/main">
                 <a:solidFill>
                   <a:schemeClr val="accent1"/>
                 </a:solidFill>
@@ -21256,7 +21256,7 @@
         <a:effectLst/>
         <a:extLst>
           <a:ext uri="{AF507438-7753-43e0-B8FC-AC1667EBCBE1}">
-            <a14:hiddenEffects xmlns:a14="http://schemas.microsoft.com/office/drawing/2010/main" xmlns="">
+            <a14:hiddenEffects xmlns="" xmlns:a14="http://schemas.microsoft.com/office/drawing/2010/main">
               <a:effectLst>
                 <a:outerShdw blurRad="63500" dist="38099" dir="2700000" algn="ctr" rotWithShape="0">
                   <a:schemeClr val="bg2">
@@ -21333,7 +21333,7 @@
         <a:effectLst/>
         <a:extLst>
           <a:ext uri="{AF507438-7753-43e0-B8FC-AC1667EBCBE1}">
-            <a14:hiddenEffects xmlns:a14="http://schemas.microsoft.com/office/drawing/2010/main" xmlns="">
+            <a14:hiddenEffects xmlns="" xmlns:a14="http://schemas.microsoft.com/office/drawing/2010/main">
               <a:effectLst>
                 <a:outerShdw blurRad="63500" dist="38099" dir="2700000" algn="ctr" rotWithShape="0">
                   <a:schemeClr val="bg2">

--- a/notes/csc402-ln021.pptx
+++ b/notes/csc402-ln021.pptx
@@ -5,7 +5,7 @@
     <p:sldMasterId id="2147483649" r:id="rId1"/>
   </p:sldMasterIdLst>
   <p:notesMasterIdLst>
-    <p:notesMasterId r:id="rId32"/>
+    <p:notesMasterId r:id="rId30"/>
   </p:notesMasterIdLst>
   <p:sldIdLst>
     <p:sldId id="318" r:id="rId2"/>
@@ -23,21 +23,19 @@
     <p:sldId id="321" r:id="rId14"/>
     <p:sldId id="322" r:id="rId15"/>
     <p:sldId id="317" r:id="rId16"/>
-    <p:sldId id="288" r:id="rId17"/>
-    <p:sldId id="314" r:id="rId18"/>
-    <p:sldId id="315" r:id="rId19"/>
-    <p:sldId id="316" r:id="rId20"/>
-    <p:sldId id="323" r:id="rId21"/>
-    <p:sldId id="324" r:id="rId22"/>
-    <p:sldId id="325" r:id="rId23"/>
-    <p:sldId id="326" r:id="rId24"/>
-    <p:sldId id="327" r:id="rId25"/>
-    <p:sldId id="328" r:id="rId26"/>
-    <p:sldId id="329" r:id="rId27"/>
-    <p:sldId id="330" r:id="rId28"/>
-    <p:sldId id="331" r:id="rId29"/>
-    <p:sldId id="332" r:id="rId30"/>
-    <p:sldId id="333" r:id="rId31"/>
+    <p:sldId id="334" r:id="rId17"/>
+    <p:sldId id="335" r:id="rId18"/>
+    <p:sldId id="288" r:id="rId19"/>
+    <p:sldId id="324" r:id="rId20"/>
+    <p:sldId id="325" r:id="rId21"/>
+    <p:sldId id="326" r:id="rId22"/>
+    <p:sldId id="327" r:id="rId23"/>
+    <p:sldId id="328" r:id="rId24"/>
+    <p:sldId id="329" r:id="rId25"/>
+    <p:sldId id="330" r:id="rId26"/>
+    <p:sldId id="331" r:id="rId27"/>
+    <p:sldId id="332" r:id="rId28"/>
+    <p:sldId id="333" r:id="rId29"/>
   </p:sldIdLst>
   <p:sldSz cx="9144000" cy="6858000" type="screen4x3"/>
   <p:notesSz cx="6858000" cy="9144000"/>
@@ -234,17 +232,17 @@
           </a:ln>
           <a:extLst>
             <a:ext uri="{FAA26D3D-D897-4be2-8F04-BA451C77F1D7}">
-              <ma14:placeholderFlag xmlns:ma14="http://schemas.microsoft.com/office/mac/drawingml/2011/main" xmlns="" val="1"/>
+              <ma14:placeholderFlag xmlns="" xmlns:ma14="http://schemas.microsoft.com/office/mac/drawingml/2011/main" val="1"/>
             </a:ext>
             <a:ext uri="{909E8E84-426E-40dd-AFC4-6F175D3DCCD1}">
-              <a14:hiddenFill xmlns="" xmlns:a14="http://schemas.microsoft.com/office/drawing/2010/main">
+              <a14:hiddenFill xmlns:a14="http://schemas.microsoft.com/office/drawing/2010/main" xmlns="">
                 <a:solidFill>
                   <a:schemeClr val="accent1"/>
                 </a:solidFill>
               </a14:hiddenFill>
             </a:ext>
             <a:ext uri="{91240B29-F687-4f45-9708-019B960494DF}">
-              <a14:hiddenLine xmlns="" xmlns:a14="http://schemas.microsoft.com/office/drawing/2010/main" w="9525">
+              <a14:hiddenLine xmlns:a14="http://schemas.microsoft.com/office/drawing/2010/main" xmlns="" w="9525">
                 <a:solidFill>
                   <a:schemeClr val="tx1"/>
                 </a:solidFill>
@@ -295,17 +293,17 @@
           </a:ln>
           <a:extLst>
             <a:ext uri="{FAA26D3D-D897-4be2-8F04-BA451C77F1D7}">
-              <ma14:placeholderFlag xmlns:ma14="http://schemas.microsoft.com/office/mac/drawingml/2011/main" xmlns="" val="1"/>
+              <ma14:placeholderFlag xmlns="" xmlns:ma14="http://schemas.microsoft.com/office/mac/drawingml/2011/main" val="1"/>
             </a:ext>
             <a:ext uri="{909E8E84-426E-40dd-AFC4-6F175D3DCCD1}">
-              <a14:hiddenFill xmlns="" xmlns:a14="http://schemas.microsoft.com/office/drawing/2010/main">
+              <a14:hiddenFill xmlns:a14="http://schemas.microsoft.com/office/drawing/2010/main" xmlns="">
                 <a:solidFill>
                   <a:schemeClr val="accent1"/>
                 </a:solidFill>
               </a14:hiddenFill>
             </a:ext>
             <a:ext uri="{91240B29-F687-4f45-9708-019B960494DF}">
-              <a14:hiddenLine xmlns="" xmlns:a14="http://schemas.microsoft.com/office/drawing/2010/main" w="9525">
+              <a14:hiddenLine xmlns:a14="http://schemas.microsoft.com/office/drawing/2010/main" xmlns="" w="9525">
                 <a:solidFill>
                   <a:schemeClr val="tx1"/>
                 </a:solidFill>
@@ -362,7 +360,7 @@
           <a:effectLst/>
           <a:extLst>
             <a:ext uri="{AF507438-7753-43e0-B8FC-AC1667EBCBE1}">
-              <a14:hiddenEffects xmlns="" xmlns:a14="http://schemas.microsoft.com/office/drawing/2010/main">
+              <a14:hiddenEffects xmlns:a14="http://schemas.microsoft.com/office/drawing/2010/main" xmlns="">
                 <a:effectLst>
                   <a:outerShdw blurRad="63500" dist="38099" dir="2700000" algn="ctr" rotWithShape="0">
                     <a:srgbClr val="000000">
@@ -373,7 +371,7 @@
               </a14:hiddenEffects>
             </a:ext>
             <a:ext uri="{53640926-AAD7-44d8-BBD7-CCE9431645EC}">
-              <a14:shadowObscured xmlns="" xmlns:a14="http://schemas.microsoft.com/office/drawing/2010/main" val="1"/>
+              <a14:shadowObscured xmlns:a14="http://schemas.microsoft.com/office/drawing/2010/main" xmlns="" val="1"/>
             </a:ext>
           </a:extLst>
         </p:spPr>
@@ -402,17 +400,17 @@
           </a:ln>
           <a:extLst>
             <a:ext uri="{FAA26D3D-D897-4be2-8F04-BA451C77F1D7}">
-              <ma14:placeholderFlag xmlns:ma14="http://schemas.microsoft.com/office/mac/drawingml/2011/main" xmlns="" val="1"/>
+              <ma14:placeholderFlag xmlns="" xmlns:ma14="http://schemas.microsoft.com/office/mac/drawingml/2011/main" val="1"/>
             </a:ext>
             <a:ext uri="{909E8E84-426E-40dd-AFC4-6F175D3DCCD1}">
-              <a14:hiddenFill xmlns="" xmlns:a14="http://schemas.microsoft.com/office/drawing/2010/main">
+              <a14:hiddenFill xmlns:a14="http://schemas.microsoft.com/office/drawing/2010/main" xmlns="">
                 <a:solidFill>
                   <a:schemeClr val="accent1"/>
                 </a:solidFill>
               </a14:hiddenFill>
             </a:ext>
             <a:ext uri="{91240B29-F687-4f45-9708-019B960494DF}">
-              <a14:hiddenLine xmlns="" xmlns:a14="http://schemas.microsoft.com/office/drawing/2010/main" w="9525">
+              <a14:hiddenLine xmlns:a14="http://schemas.microsoft.com/office/drawing/2010/main" xmlns="" w="9525">
                 <a:solidFill>
                   <a:schemeClr val="tx1"/>
                 </a:solidFill>
@@ -491,17 +489,17 @@
           </a:ln>
           <a:extLst>
             <a:ext uri="{FAA26D3D-D897-4be2-8F04-BA451C77F1D7}">
-              <ma14:placeholderFlag xmlns:ma14="http://schemas.microsoft.com/office/mac/drawingml/2011/main" xmlns="" val="1"/>
+              <ma14:placeholderFlag xmlns="" xmlns:ma14="http://schemas.microsoft.com/office/mac/drawingml/2011/main" val="1"/>
             </a:ext>
             <a:ext uri="{909E8E84-426E-40dd-AFC4-6F175D3DCCD1}">
-              <a14:hiddenFill xmlns="" xmlns:a14="http://schemas.microsoft.com/office/drawing/2010/main">
+              <a14:hiddenFill xmlns:a14="http://schemas.microsoft.com/office/drawing/2010/main" xmlns="">
                 <a:solidFill>
                   <a:schemeClr val="accent1"/>
                 </a:solidFill>
               </a14:hiddenFill>
             </a:ext>
             <a:ext uri="{91240B29-F687-4f45-9708-019B960494DF}">
-              <a14:hiddenLine xmlns="" xmlns:a14="http://schemas.microsoft.com/office/drawing/2010/main" w="9525">
+              <a14:hiddenLine xmlns:a14="http://schemas.microsoft.com/office/drawing/2010/main" xmlns="" w="9525">
                 <a:solidFill>
                   <a:schemeClr val="tx1"/>
                 </a:solidFill>
@@ -552,17 +550,17 @@
           </a:ln>
           <a:extLst>
             <a:ext uri="{FAA26D3D-D897-4be2-8F04-BA451C77F1D7}">
-              <ma14:placeholderFlag xmlns:ma14="http://schemas.microsoft.com/office/mac/drawingml/2011/main" xmlns="" val="1"/>
+              <ma14:placeholderFlag xmlns="" xmlns:ma14="http://schemas.microsoft.com/office/mac/drawingml/2011/main" val="1"/>
             </a:ext>
             <a:ext uri="{909E8E84-426E-40dd-AFC4-6F175D3DCCD1}">
-              <a14:hiddenFill xmlns="" xmlns:a14="http://schemas.microsoft.com/office/drawing/2010/main">
+              <a14:hiddenFill xmlns:a14="http://schemas.microsoft.com/office/drawing/2010/main" xmlns="">
                 <a:solidFill>
                   <a:schemeClr val="accent1"/>
                 </a:solidFill>
               </a14:hiddenFill>
             </a:ext>
             <a:ext uri="{91240B29-F687-4f45-9708-019B960494DF}">
-              <a14:hiddenLine xmlns="" xmlns:a14="http://schemas.microsoft.com/office/drawing/2010/main" w="9525">
+              <a14:hiddenLine xmlns:a14="http://schemas.microsoft.com/office/drawing/2010/main" xmlns="" w="9525">
                 <a:solidFill>
                   <a:schemeClr val="tx1"/>
                 </a:solidFill>
@@ -863,12 +861,12 @@
           <a:effectLst/>
           <a:extLst>
             <a:ext uri="{909E8E84-426E-40dd-AFC4-6F175D3DCCD1}">
-              <a14:hiddenFill xmlns="" xmlns:a14="http://schemas.microsoft.com/office/drawing/2010/main">
+              <a14:hiddenFill xmlns:a14="http://schemas.microsoft.com/office/drawing/2010/main" xmlns="">
                 <a:noFill/>
               </a14:hiddenFill>
             </a:ext>
             <a:ext uri="{AF507438-7753-43e0-B8FC-AC1667EBCBE1}">
-              <a14:hiddenEffects xmlns="" xmlns:a14="http://schemas.microsoft.com/office/drawing/2010/main">
+              <a14:hiddenEffects xmlns:a14="http://schemas.microsoft.com/office/drawing/2010/main" xmlns="">
                 <a:effectLst>
                   <a:outerShdw blurRad="63500" dist="38099" dir="2700000" algn="ctr" rotWithShape="0">
                     <a:schemeClr val="bg2">
@@ -1069,7 +1067,7 @@
             <a:effectLst/>
             <a:extLst>
               <a:ext uri="{91240B29-F687-4f45-9708-019B960494DF}">
-                <a14:hiddenLine xmlns="" xmlns:a14="http://schemas.microsoft.com/office/drawing/2010/main" w="9525">
+                <a14:hiddenLine xmlns:a14="http://schemas.microsoft.com/office/drawing/2010/main" xmlns="" w="9525">
                   <a:solidFill>
                     <a:schemeClr val="tx1"/>
                   </a:solidFill>
@@ -1079,7 +1077,7 @@
                 </a14:hiddenLine>
               </a:ext>
               <a:ext uri="{AF507438-7753-43e0-B8FC-AC1667EBCBE1}">
-                <a14:hiddenEffects xmlns="" xmlns:a14="http://schemas.microsoft.com/office/drawing/2010/main">
+                <a14:hiddenEffects xmlns:a14="http://schemas.microsoft.com/office/drawing/2010/main" xmlns="">
                   <a:effectLst>
                     <a:outerShdw blurRad="63500" dist="38099" dir="2700000" algn="ctr" rotWithShape="0">
                       <a:schemeClr val="bg2">
@@ -1124,7 +1122,7 @@
             <a:effectLst/>
             <a:extLst>
               <a:ext uri="{91240B29-F687-4f45-9708-019B960494DF}">
-                <a14:hiddenLine xmlns="" xmlns:a14="http://schemas.microsoft.com/office/drawing/2010/main" w="9525">
+                <a14:hiddenLine xmlns:a14="http://schemas.microsoft.com/office/drawing/2010/main" xmlns="" w="9525">
                   <a:solidFill>
                     <a:schemeClr val="tx1"/>
                   </a:solidFill>
@@ -1134,7 +1132,7 @@
                 </a14:hiddenLine>
               </a:ext>
               <a:ext uri="{AF507438-7753-43e0-B8FC-AC1667EBCBE1}">
-                <a14:hiddenEffects xmlns="" xmlns:a14="http://schemas.microsoft.com/office/drawing/2010/main">
+                <a14:hiddenEffects xmlns:a14="http://schemas.microsoft.com/office/drawing/2010/main" xmlns="">
                   <a:effectLst>
                     <a:outerShdw blurRad="63500" dist="38099" dir="2700000" algn="ctr" rotWithShape="0">
                       <a:schemeClr val="bg2">
@@ -1179,7 +1177,7 @@
             <a:effectLst/>
             <a:extLst>
               <a:ext uri="{91240B29-F687-4f45-9708-019B960494DF}">
-                <a14:hiddenLine xmlns="" xmlns:a14="http://schemas.microsoft.com/office/drawing/2010/main" w="9525">
+                <a14:hiddenLine xmlns:a14="http://schemas.microsoft.com/office/drawing/2010/main" xmlns="" w="9525">
                   <a:solidFill>
                     <a:schemeClr val="tx1"/>
                   </a:solidFill>
@@ -1189,7 +1187,7 @@
                 </a14:hiddenLine>
               </a:ext>
               <a:ext uri="{AF507438-7753-43e0-B8FC-AC1667EBCBE1}">
-                <a14:hiddenEffects xmlns="" xmlns:a14="http://schemas.microsoft.com/office/drawing/2010/main">
+                <a14:hiddenEffects xmlns:a14="http://schemas.microsoft.com/office/drawing/2010/main" xmlns="">
                   <a:effectLst>
                     <a:outerShdw blurRad="63500" dist="38099" dir="2700000" algn="ctr" rotWithShape="0">
                       <a:schemeClr val="bg2">
@@ -1234,7 +1232,7 @@
             <a:effectLst/>
             <a:extLst>
               <a:ext uri="{91240B29-F687-4f45-9708-019B960494DF}">
-                <a14:hiddenLine xmlns="" xmlns:a14="http://schemas.microsoft.com/office/drawing/2010/main" w="9525">
+                <a14:hiddenLine xmlns:a14="http://schemas.microsoft.com/office/drawing/2010/main" xmlns="" w="9525">
                   <a:solidFill>
                     <a:schemeClr val="tx1"/>
                   </a:solidFill>
@@ -1244,7 +1242,7 @@
                 </a14:hiddenLine>
               </a:ext>
               <a:ext uri="{AF507438-7753-43e0-B8FC-AC1667EBCBE1}">
-                <a14:hiddenEffects xmlns="" xmlns:a14="http://schemas.microsoft.com/office/drawing/2010/main">
+                <a14:hiddenEffects xmlns:a14="http://schemas.microsoft.com/office/drawing/2010/main" xmlns="">
                   <a:effectLst>
                     <a:outerShdw blurRad="63500" dist="38099" dir="2700000" algn="ctr" rotWithShape="0">
                       <a:schemeClr val="bg2">
@@ -1289,7 +1287,7 @@
             <a:effectLst/>
             <a:extLst>
               <a:ext uri="{91240B29-F687-4f45-9708-019B960494DF}">
-                <a14:hiddenLine xmlns="" xmlns:a14="http://schemas.microsoft.com/office/drawing/2010/main" w="9525">
+                <a14:hiddenLine xmlns:a14="http://schemas.microsoft.com/office/drawing/2010/main" xmlns="" w="9525">
                   <a:solidFill>
                     <a:schemeClr val="tx1"/>
                   </a:solidFill>
@@ -1299,7 +1297,7 @@
                 </a14:hiddenLine>
               </a:ext>
               <a:ext uri="{AF507438-7753-43e0-B8FC-AC1667EBCBE1}">
-                <a14:hiddenEffects xmlns="" xmlns:a14="http://schemas.microsoft.com/office/drawing/2010/main">
+                <a14:hiddenEffects xmlns:a14="http://schemas.microsoft.com/office/drawing/2010/main" xmlns="">
                   <a:effectLst>
                     <a:outerShdw blurRad="63500" dist="38099" dir="2700000" algn="ctr" rotWithShape="0">
                       <a:schemeClr val="bg2">
@@ -1344,7 +1342,7 @@
             <a:effectLst/>
             <a:extLst>
               <a:ext uri="{91240B29-F687-4f45-9708-019B960494DF}">
-                <a14:hiddenLine xmlns="" xmlns:a14="http://schemas.microsoft.com/office/drawing/2010/main" w="9525">
+                <a14:hiddenLine xmlns:a14="http://schemas.microsoft.com/office/drawing/2010/main" xmlns="" w="9525">
                   <a:solidFill>
                     <a:schemeClr val="tx1"/>
                   </a:solidFill>
@@ -1354,7 +1352,7 @@
                 </a14:hiddenLine>
               </a:ext>
               <a:ext uri="{AF507438-7753-43e0-B8FC-AC1667EBCBE1}">
-                <a14:hiddenEffects xmlns="" xmlns:a14="http://schemas.microsoft.com/office/drawing/2010/main">
+                <a14:hiddenEffects xmlns:a14="http://schemas.microsoft.com/office/drawing/2010/main" xmlns="">
                   <a:effectLst>
                     <a:outerShdw blurRad="63500" dist="38099" dir="2700000" algn="ctr" rotWithShape="0">
                       <a:schemeClr val="bg2">
@@ -1399,7 +1397,7 @@
             <a:effectLst/>
             <a:extLst>
               <a:ext uri="{91240B29-F687-4f45-9708-019B960494DF}">
-                <a14:hiddenLine xmlns="" xmlns:a14="http://schemas.microsoft.com/office/drawing/2010/main" w="9525">
+                <a14:hiddenLine xmlns:a14="http://schemas.microsoft.com/office/drawing/2010/main" xmlns="" w="9525">
                   <a:solidFill>
                     <a:schemeClr val="tx1"/>
                   </a:solidFill>
@@ -1409,7 +1407,7 @@
                 </a14:hiddenLine>
               </a:ext>
               <a:ext uri="{AF507438-7753-43e0-B8FC-AC1667EBCBE1}">
-                <a14:hiddenEffects xmlns="" xmlns:a14="http://schemas.microsoft.com/office/drawing/2010/main">
+                <a14:hiddenEffects xmlns:a14="http://schemas.microsoft.com/office/drawing/2010/main" xmlns="">
                   <a:effectLst>
                     <a:outerShdw blurRad="63500" dist="38099" dir="2700000" algn="ctr" rotWithShape="0">
                       <a:schemeClr val="bg2">
@@ -1454,7 +1452,7 @@
             <a:effectLst/>
             <a:extLst>
               <a:ext uri="{91240B29-F687-4f45-9708-019B960494DF}">
-                <a14:hiddenLine xmlns="" xmlns:a14="http://schemas.microsoft.com/office/drawing/2010/main" w="9525">
+                <a14:hiddenLine xmlns:a14="http://schemas.microsoft.com/office/drawing/2010/main" xmlns="" w="9525">
                   <a:solidFill>
                     <a:schemeClr val="tx1"/>
                   </a:solidFill>
@@ -1464,7 +1462,7 @@
                 </a14:hiddenLine>
               </a:ext>
               <a:ext uri="{AF507438-7753-43e0-B8FC-AC1667EBCBE1}">
-                <a14:hiddenEffects xmlns="" xmlns:a14="http://schemas.microsoft.com/office/drawing/2010/main">
+                <a14:hiddenEffects xmlns:a14="http://schemas.microsoft.com/office/drawing/2010/main" xmlns="">
                   <a:effectLst>
                     <a:outerShdw blurRad="63500" dist="38099" dir="2700000" algn="ctr" rotWithShape="0">
                       <a:schemeClr val="bg2">
@@ -1509,7 +1507,7 @@
             <a:effectLst/>
             <a:extLst>
               <a:ext uri="{91240B29-F687-4f45-9708-019B960494DF}">
-                <a14:hiddenLine xmlns="" xmlns:a14="http://schemas.microsoft.com/office/drawing/2010/main" w="9525">
+                <a14:hiddenLine xmlns:a14="http://schemas.microsoft.com/office/drawing/2010/main" xmlns="" w="9525">
                   <a:solidFill>
                     <a:schemeClr val="tx1"/>
                   </a:solidFill>
@@ -1519,7 +1517,7 @@
                 </a14:hiddenLine>
               </a:ext>
               <a:ext uri="{AF507438-7753-43e0-B8FC-AC1667EBCBE1}">
-                <a14:hiddenEffects xmlns="" xmlns:a14="http://schemas.microsoft.com/office/drawing/2010/main">
+                <a14:hiddenEffects xmlns:a14="http://schemas.microsoft.com/office/drawing/2010/main" xmlns="">
                   <a:effectLst>
                     <a:outerShdw blurRad="63500" dist="38099" dir="2700000" algn="ctr" rotWithShape="0">
                       <a:schemeClr val="bg2">
@@ -1564,7 +1562,7 @@
             <a:effectLst/>
             <a:extLst>
               <a:ext uri="{91240B29-F687-4f45-9708-019B960494DF}">
-                <a14:hiddenLine xmlns="" xmlns:a14="http://schemas.microsoft.com/office/drawing/2010/main" w="9525">
+                <a14:hiddenLine xmlns:a14="http://schemas.microsoft.com/office/drawing/2010/main" xmlns="" w="9525">
                   <a:solidFill>
                     <a:schemeClr val="tx1"/>
                   </a:solidFill>
@@ -1574,7 +1572,7 @@
                 </a14:hiddenLine>
               </a:ext>
               <a:ext uri="{AF507438-7753-43e0-B8FC-AC1667EBCBE1}">
-                <a14:hiddenEffects xmlns="" xmlns:a14="http://schemas.microsoft.com/office/drawing/2010/main">
+                <a14:hiddenEffects xmlns:a14="http://schemas.microsoft.com/office/drawing/2010/main" xmlns="">
                   <a:effectLst>
                     <a:outerShdw blurRad="63500" dist="38099" dir="2700000" algn="ctr" rotWithShape="0">
                       <a:schemeClr val="bg2">
@@ -1619,7 +1617,7 @@
             <a:effectLst/>
             <a:extLst>
               <a:ext uri="{91240B29-F687-4f45-9708-019B960494DF}">
-                <a14:hiddenLine xmlns="" xmlns:a14="http://schemas.microsoft.com/office/drawing/2010/main" w="9525">
+                <a14:hiddenLine xmlns:a14="http://schemas.microsoft.com/office/drawing/2010/main" xmlns="" w="9525">
                   <a:solidFill>
                     <a:schemeClr val="tx1"/>
                   </a:solidFill>
@@ -1629,7 +1627,7 @@
                 </a14:hiddenLine>
               </a:ext>
               <a:ext uri="{AF507438-7753-43e0-B8FC-AC1667EBCBE1}">
-                <a14:hiddenEffects xmlns="" xmlns:a14="http://schemas.microsoft.com/office/drawing/2010/main">
+                <a14:hiddenEffects xmlns:a14="http://schemas.microsoft.com/office/drawing/2010/main" xmlns="">
                   <a:effectLst>
                     <a:outerShdw blurRad="63500" dist="38099" dir="2700000" algn="ctr" rotWithShape="0">
                       <a:schemeClr val="bg2">
@@ -1674,7 +1672,7 @@
             <a:effectLst/>
             <a:extLst>
               <a:ext uri="{91240B29-F687-4f45-9708-019B960494DF}">
-                <a14:hiddenLine xmlns="" xmlns:a14="http://schemas.microsoft.com/office/drawing/2010/main" w="9525">
+                <a14:hiddenLine xmlns:a14="http://schemas.microsoft.com/office/drawing/2010/main" xmlns="" w="9525">
                   <a:solidFill>
                     <a:schemeClr val="tx1"/>
                   </a:solidFill>
@@ -1684,7 +1682,7 @@
                 </a14:hiddenLine>
               </a:ext>
               <a:ext uri="{AF507438-7753-43e0-B8FC-AC1667EBCBE1}">
-                <a14:hiddenEffects xmlns="" xmlns:a14="http://schemas.microsoft.com/office/drawing/2010/main">
+                <a14:hiddenEffects xmlns:a14="http://schemas.microsoft.com/office/drawing/2010/main" xmlns="">
                   <a:effectLst>
                     <a:outerShdw blurRad="63500" dist="38099" dir="2700000" algn="ctr" rotWithShape="0">
                       <a:schemeClr val="bg2">
@@ -1729,7 +1727,7 @@
             <a:effectLst/>
             <a:extLst>
               <a:ext uri="{91240B29-F687-4f45-9708-019B960494DF}">
-                <a14:hiddenLine xmlns="" xmlns:a14="http://schemas.microsoft.com/office/drawing/2010/main" w="9525">
+                <a14:hiddenLine xmlns:a14="http://schemas.microsoft.com/office/drawing/2010/main" xmlns="" w="9525">
                   <a:solidFill>
                     <a:schemeClr val="tx1"/>
                   </a:solidFill>
@@ -1739,7 +1737,7 @@
                 </a14:hiddenLine>
               </a:ext>
               <a:ext uri="{AF507438-7753-43e0-B8FC-AC1667EBCBE1}">
-                <a14:hiddenEffects xmlns="" xmlns:a14="http://schemas.microsoft.com/office/drawing/2010/main">
+                <a14:hiddenEffects xmlns:a14="http://schemas.microsoft.com/office/drawing/2010/main" xmlns="">
                   <a:effectLst>
                     <a:outerShdw blurRad="63500" dist="38099" dir="2700000" algn="ctr" rotWithShape="0">
                       <a:schemeClr val="bg2">
@@ -1784,7 +1782,7 @@
             <a:effectLst/>
             <a:extLst>
               <a:ext uri="{91240B29-F687-4f45-9708-019B960494DF}">
-                <a14:hiddenLine xmlns="" xmlns:a14="http://schemas.microsoft.com/office/drawing/2010/main" w="9525">
+                <a14:hiddenLine xmlns:a14="http://schemas.microsoft.com/office/drawing/2010/main" xmlns="" w="9525">
                   <a:solidFill>
                     <a:schemeClr val="tx1"/>
                   </a:solidFill>
@@ -1794,7 +1792,7 @@
                 </a14:hiddenLine>
               </a:ext>
               <a:ext uri="{AF507438-7753-43e0-B8FC-AC1667EBCBE1}">
-                <a14:hiddenEffects xmlns="" xmlns:a14="http://schemas.microsoft.com/office/drawing/2010/main">
+                <a14:hiddenEffects xmlns:a14="http://schemas.microsoft.com/office/drawing/2010/main" xmlns="">
                   <a:effectLst>
                     <a:outerShdw blurRad="63500" dist="38099" dir="2700000" algn="ctr" rotWithShape="0">
                       <a:schemeClr val="bg2">
@@ -1839,7 +1837,7 @@
             <a:effectLst/>
             <a:extLst>
               <a:ext uri="{91240B29-F687-4f45-9708-019B960494DF}">
-                <a14:hiddenLine xmlns="" xmlns:a14="http://schemas.microsoft.com/office/drawing/2010/main" w="9525">
+                <a14:hiddenLine xmlns:a14="http://schemas.microsoft.com/office/drawing/2010/main" xmlns="" w="9525">
                   <a:solidFill>
                     <a:schemeClr val="tx1"/>
                   </a:solidFill>
@@ -1849,7 +1847,7 @@
                 </a14:hiddenLine>
               </a:ext>
               <a:ext uri="{AF507438-7753-43e0-B8FC-AC1667EBCBE1}">
-                <a14:hiddenEffects xmlns="" xmlns:a14="http://schemas.microsoft.com/office/drawing/2010/main">
+                <a14:hiddenEffects xmlns:a14="http://schemas.microsoft.com/office/drawing/2010/main" xmlns="">
                   <a:effectLst>
                     <a:outerShdw blurRad="63500" dist="38099" dir="2700000" algn="ctr" rotWithShape="0">
                       <a:schemeClr val="bg2">
@@ -1894,7 +1892,7 @@
             <a:effectLst/>
             <a:extLst>
               <a:ext uri="{91240B29-F687-4f45-9708-019B960494DF}">
-                <a14:hiddenLine xmlns="" xmlns:a14="http://schemas.microsoft.com/office/drawing/2010/main" w="9525">
+                <a14:hiddenLine xmlns:a14="http://schemas.microsoft.com/office/drawing/2010/main" xmlns="" w="9525">
                   <a:solidFill>
                     <a:schemeClr val="tx1"/>
                   </a:solidFill>
@@ -1904,7 +1902,7 @@
                 </a14:hiddenLine>
               </a:ext>
               <a:ext uri="{AF507438-7753-43e0-B8FC-AC1667EBCBE1}">
-                <a14:hiddenEffects xmlns="" xmlns:a14="http://schemas.microsoft.com/office/drawing/2010/main">
+                <a14:hiddenEffects xmlns:a14="http://schemas.microsoft.com/office/drawing/2010/main" xmlns="">
                   <a:effectLst>
                     <a:outerShdw blurRad="63500" dist="38099" dir="2700000" algn="ctr" rotWithShape="0">
                       <a:schemeClr val="bg2">
@@ -1949,7 +1947,7 @@
             <a:effectLst/>
             <a:extLst>
               <a:ext uri="{91240B29-F687-4f45-9708-019B960494DF}">
-                <a14:hiddenLine xmlns="" xmlns:a14="http://schemas.microsoft.com/office/drawing/2010/main" w="9525">
+                <a14:hiddenLine xmlns:a14="http://schemas.microsoft.com/office/drawing/2010/main" xmlns="" w="9525">
                   <a:solidFill>
                     <a:schemeClr val="tx1"/>
                   </a:solidFill>
@@ -1959,7 +1957,7 @@
                 </a14:hiddenLine>
               </a:ext>
               <a:ext uri="{AF507438-7753-43e0-B8FC-AC1667EBCBE1}">
-                <a14:hiddenEffects xmlns="" xmlns:a14="http://schemas.microsoft.com/office/drawing/2010/main">
+                <a14:hiddenEffects xmlns:a14="http://schemas.microsoft.com/office/drawing/2010/main" xmlns="">
                   <a:effectLst>
                     <a:outerShdw blurRad="63500" dist="38099" dir="2700000" algn="ctr" rotWithShape="0">
                       <a:schemeClr val="bg2">
@@ -2004,7 +2002,7 @@
             <a:effectLst/>
             <a:extLst>
               <a:ext uri="{91240B29-F687-4f45-9708-019B960494DF}">
-                <a14:hiddenLine xmlns="" xmlns:a14="http://schemas.microsoft.com/office/drawing/2010/main" w="9525">
+                <a14:hiddenLine xmlns:a14="http://schemas.microsoft.com/office/drawing/2010/main" xmlns="" w="9525">
                   <a:solidFill>
                     <a:schemeClr val="tx1"/>
                   </a:solidFill>
@@ -2014,7 +2012,7 @@
                 </a14:hiddenLine>
               </a:ext>
               <a:ext uri="{AF507438-7753-43e0-B8FC-AC1667EBCBE1}">
-                <a14:hiddenEffects xmlns="" xmlns:a14="http://schemas.microsoft.com/office/drawing/2010/main">
+                <a14:hiddenEffects xmlns:a14="http://schemas.microsoft.com/office/drawing/2010/main" xmlns="">
                   <a:effectLst>
                     <a:outerShdw blurRad="63500" dist="38099" dir="2700000" algn="ctr" rotWithShape="0">
                       <a:schemeClr val="bg2">
@@ -2059,7 +2057,7 @@
             <a:effectLst/>
             <a:extLst>
               <a:ext uri="{91240B29-F687-4f45-9708-019B960494DF}">
-                <a14:hiddenLine xmlns="" xmlns:a14="http://schemas.microsoft.com/office/drawing/2010/main" w="9525">
+                <a14:hiddenLine xmlns:a14="http://schemas.microsoft.com/office/drawing/2010/main" xmlns="" w="9525">
                   <a:solidFill>
                     <a:schemeClr val="tx1"/>
                   </a:solidFill>
@@ -2069,7 +2067,7 @@
                 </a14:hiddenLine>
               </a:ext>
               <a:ext uri="{AF507438-7753-43e0-B8FC-AC1667EBCBE1}">
-                <a14:hiddenEffects xmlns="" xmlns:a14="http://schemas.microsoft.com/office/drawing/2010/main">
+                <a14:hiddenEffects xmlns:a14="http://schemas.microsoft.com/office/drawing/2010/main" xmlns="">
                   <a:effectLst>
                     <a:outerShdw blurRad="63500" dist="38099" dir="2700000" algn="ctr" rotWithShape="0">
                       <a:schemeClr val="bg2">
@@ -2114,7 +2112,7 @@
             <a:effectLst/>
             <a:extLst>
               <a:ext uri="{91240B29-F687-4f45-9708-019B960494DF}">
-                <a14:hiddenLine xmlns="" xmlns:a14="http://schemas.microsoft.com/office/drawing/2010/main" w="9525">
+                <a14:hiddenLine xmlns:a14="http://schemas.microsoft.com/office/drawing/2010/main" xmlns="" w="9525">
                   <a:solidFill>
                     <a:schemeClr val="tx1"/>
                   </a:solidFill>
@@ -2124,7 +2122,7 @@
                 </a14:hiddenLine>
               </a:ext>
               <a:ext uri="{AF507438-7753-43e0-B8FC-AC1667EBCBE1}">
-                <a14:hiddenEffects xmlns="" xmlns:a14="http://schemas.microsoft.com/office/drawing/2010/main">
+                <a14:hiddenEffects xmlns:a14="http://schemas.microsoft.com/office/drawing/2010/main" xmlns="">
                   <a:effectLst>
                     <a:outerShdw blurRad="63500" dist="38099" dir="2700000" algn="ctr" rotWithShape="0">
                       <a:schemeClr val="bg2">
@@ -2169,7 +2167,7 @@
             <a:effectLst/>
             <a:extLst>
               <a:ext uri="{91240B29-F687-4f45-9708-019B960494DF}">
-                <a14:hiddenLine xmlns="" xmlns:a14="http://schemas.microsoft.com/office/drawing/2010/main" w="9525">
+                <a14:hiddenLine xmlns:a14="http://schemas.microsoft.com/office/drawing/2010/main" xmlns="" w="9525">
                   <a:solidFill>
                     <a:schemeClr val="tx1"/>
                   </a:solidFill>
@@ -2179,7 +2177,7 @@
                 </a14:hiddenLine>
               </a:ext>
               <a:ext uri="{AF507438-7753-43e0-B8FC-AC1667EBCBE1}">
-                <a14:hiddenEffects xmlns="" xmlns:a14="http://schemas.microsoft.com/office/drawing/2010/main">
+                <a14:hiddenEffects xmlns:a14="http://schemas.microsoft.com/office/drawing/2010/main" xmlns="">
                   <a:effectLst>
                     <a:outerShdw blurRad="63500" dist="38099" dir="2700000" algn="ctr" rotWithShape="0">
                       <a:schemeClr val="bg2">
@@ -2224,7 +2222,7 @@
             <a:effectLst/>
             <a:extLst>
               <a:ext uri="{91240B29-F687-4f45-9708-019B960494DF}">
-                <a14:hiddenLine xmlns="" xmlns:a14="http://schemas.microsoft.com/office/drawing/2010/main" w="9525">
+                <a14:hiddenLine xmlns:a14="http://schemas.microsoft.com/office/drawing/2010/main" xmlns="" w="9525">
                   <a:solidFill>
                     <a:schemeClr val="tx1"/>
                   </a:solidFill>
@@ -2234,7 +2232,7 @@
                 </a14:hiddenLine>
               </a:ext>
               <a:ext uri="{AF507438-7753-43e0-B8FC-AC1667EBCBE1}">
-                <a14:hiddenEffects xmlns="" xmlns:a14="http://schemas.microsoft.com/office/drawing/2010/main">
+                <a14:hiddenEffects xmlns:a14="http://schemas.microsoft.com/office/drawing/2010/main" xmlns="">
                   <a:effectLst>
                     <a:outerShdw blurRad="63500" dist="38099" dir="2700000" algn="ctr" rotWithShape="0">
                       <a:schemeClr val="bg2">
@@ -2279,7 +2277,7 @@
             <a:effectLst/>
             <a:extLst>
               <a:ext uri="{91240B29-F687-4f45-9708-019B960494DF}">
-                <a14:hiddenLine xmlns="" xmlns:a14="http://schemas.microsoft.com/office/drawing/2010/main" w="9525">
+                <a14:hiddenLine xmlns:a14="http://schemas.microsoft.com/office/drawing/2010/main" xmlns="" w="9525">
                   <a:solidFill>
                     <a:schemeClr val="tx1"/>
                   </a:solidFill>
@@ -2289,7 +2287,7 @@
                 </a14:hiddenLine>
               </a:ext>
               <a:ext uri="{AF507438-7753-43e0-B8FC-AC1667EBCBE1}">
-                <a14:hiddenEffects xmlns="" xmlns:a14="http://schemas.microsoft.com/office/drawing/2010/main">
+                <a14:hiddenEffects xmlns:a14="http://schemas.microsoft.com/office/drawing/2010/main" xmlns="">
                   <a:effectLst>
                     <a:outerShdw blurRad="63500" dist="38099" dir="2700000" algn="ctr" rotWithShape="0">
                       <a:schemeClr val="bg2">
@@ -2334,7 +2332,7 @@
             <a:effectLst/>
             <a:extLst>
               <a:ext uri="{91240B29-F687-4f45-9708-019B960494DF}">
-                <a14:hiddenLine xmlns="" xmlns:a14="http://schemas.microsoft.com/office/drawing/2010/main" w="9525">
+                <a14:hiddenLine xmlns:a14="http://schemas.microsoft.com/office/drawing/2010/main" xmlns="" w="9525">
                   <a:solidFill>
                     <a:schemeClr val="tx1"/>
                   </a:solidFill>
@@ -2344,7 +2342,7 @@
                 </a14:hiddenLine>
               </a:ext>
               <a:ext uri="{AF507438-7753-43e0-B8FC-AC1667EBCBE1}">
-                <a14:hiddenEffects xmlns="" xmlns:a14="http://schemas.microsoft.com/office/drawing/2010/main">
+                <a14:hiddenEffects xmlns:a14="http://schemas.microsoft.com/office/drawing/2010/main" xmlns="">
                   <a:effectLst>
                     <a:outerShdw blurRad="63500" dist="38099" dir="2700000" algn="ctr" rotWithShape="0">
                       <a:schemeClr val="bg2">
@@ -2389,7 +2387,7 @@
             <a:effectLst/>
             <a:extLst>
               <a:ext uri="{91240B29-F687-4f45-9708-019B960494DF}">
-                <a14:hiddenLine xmlns="" xmlns:a14="http://schemas.microsoft.com/office/drawing/2010/main" w="9525">
+                <a14:hiddenLine xmlns:a14="http://schemas.microsoft.com/office/drawing/2010/main" xmlns="" w="9525">
                   <a:solidFill>
                     <a:schemeClr val="tx1"/>
                   </a:solidFill>
@@ -2399,7 +2397,7 @@
                 </a14:hiddenLine>
               </a:ext>
               <a:ext uri="{AF507438-7753-43e0-B8FC-AC1667EBCBE1}">
-                <a14:hiddenEffects xmlns="" xmlns:a14="http://schemas.microsoft.com/office/drawing/2010/main">
+                <a14:hiddenEffects xmlns:a14="http://schemas.microsoft.com/office/drawing/2010/main" xmlns="">
                   <a:effectLst>
                     <a:outerShdw blurRad="63500" dist="38099" dir="2700000" algn="ctr" rotWithShape="0">
                       <a:schemeClr val="bg2">
@@ -2444,7 +2442,7 @@
             <a:effectLst/>
             <a:extLst>
               <a:ext uri="{91240B29-F687-4f45-9708-019B960494DF}">
-                <a14:hiddenLine xmlns="" xmlns:a14="http://schemas.microsoft.com/office/drawing/2010/main" w="9525">
+                <a14:hiddenLine xmlns:a14="http://schemas.microsoft.com/office/drawing/2010/main" xmlns="" w="9525">
                   <a:solidFill>
                     <a:schemeClr val="tx1"/>
                   </a:solidFill>
@@ -2454,7 +2452,7 @@
                 </a14:hiddenLine>
               </a:ext>
               <a:ext uri="{AF507438-7753-43e0-B8FC-AC1667EBCBE1}">
-                <a14:hiddenEffects xmlns="" xmlns:a14="http://schemas.microsoft.com/office/drawing/2010/main">
+                <a14:hiddenEffects xmlns:a14="http://schemas.microsoft.com/office/drawing/2010/main" xmlns="">
                   <a:effectLst>
                     <a:outerShdw blurRad="63500" dist="38099" dir="2700000" algn="ctr" rotWithShape="0">
                       <a:schemeClr val="bg2">
@@ -2499,7 +2497,7 @@
             <a:effectLst/>
             <a:extLst>
               <a:ext uri="{91240B29-F687-4f45-9708-019B960494DF}">
-                <a14:hiddenLine xmlns="" xmlns:a14="http://schemas.microsoft.com/office/drawing/2010/main" w="9525">
+                <a14:hiddenLine xmlns:a14="http://schemas.microsoft.com/office/drawing/2010/main" xmlns="" w="9525">
                   <a:solidFill>
                     <a:schemeClr val="tx1"/>
                   </a:solidFill>
@@ -2509,7 +2507,7 @@
                 </a14:hiddenLine>
               </a:ext>
               <a:ext uri="{AF507438-7753-43e0-B8FC-AC1667EBCBE1}">
-                <a14:hiddenEffects xmlns="" xmlns:a14="http://schemas.microsoft.com/office/drawing/2010/main">
+                <a14:hiddenEffects xmlns:a14="http://schemas.microsoft.com/office/drawing/2010/main" xmlns="">
                   <a:effectLst>
                     <a:outerShdw blurRad="63500" dist="38099" dir="2700000" algn="ctr" rotWithShape="0">
                       <a:schemeClr val="bg2">
@@ -2554,7 +2552,7 @@
             <a:effectLst/>
             <a:extLst>
               <a:ext uri="{91240B29-F687-4f45-9708-019B960494DF}">
-                <a14:hiddenLine xmlns="" xmlns:a14="http://schemas.microsoft.com/office/drawing/2010/main" w="9525">
+                <a14:hiddenLine xmlns:a14="http://schemas.microsoft.com/office/drawing/2010/main" xmlns="" w="9525">
                   <a:solidFill>
                     <a:schemeClr val="tx1"/>
                   </a:solidFill>
@@ -2564,7 +2562,7 @@
                 </a14:hiddenLine>
               </a:ext>
               <a:ext uri="{AF507438-7753-43e0-B8FC-AC1667EBCBE1}">
-                <a14:hiddenEffects xmlns="" xmlns:a14="http://schemas.microsoft.com/office/drawing/2010/main">
+                <a14:hiddenEffects xmlns:a14="http://schemas.microsoft.com/office/drawing/2010/main" xmlns="">
                   <a:effectLst>
                     <a:outerShdw blurRad="63500" dist="38099" dir="2700000" algn="ctr" rotWithShape="0">
                       <a:schemeClr val="bg2">
@@ -2609,7 +2607,7 @@
             <a:effectLst/>
             <a:extLst>
               <a:ext uri="{91240B29-F687-4f45-9708-019B960494DF}">
-                <a14:hiddenLine xmlns="" xmlns:a14="http://schemas.microsoft.com/office/drawing/2010/main" w="9525">
+                <a14:hiddenLine xmlns:a14="http://schemas.microsoft.com/office/drawing/2010/main" xmlns="" w="9525">
                   <a:solidFill>
                     <a:schemeClr val="tx1"/>
                   </a:solidFill>
@@ -2619,7 +2617,7 @@
                 </a14:hiddenLine>
               </a:ext>
               <a:ext uri="{AF507438-7753-43e0-B8FC-AC1667EBCBE1}">
-                <a14:hiddenEffects xmlns="" xmlns:a14="http://schemas.microsoft.com/office/drawing/2010/main">
+                <a14:hiddenEffects xmlns:a14="http://schemas.microsoft.com/office/drawing/2010/main" xmlns="">
                   <a:effectLst>
                     <a:outerShdw blurRad="63500" dist="38099" dir="2700000" algn="ctr" rotWithShape="0">
                       <a:schemeClr val="bg2">
@@ -2664,7 +2662,7 @@
             <a:effectLst/>
             <a:extLst>
               <a:ext uri="{91240B29-F687-4f45-9708-019B960494DF}">
-                <a14:hiddenLine xmlns="" xmlns:a14="http://schemas.microsoft.com/office/drawing/2010/main" w="9525">
+                <a14:hiddenLine xmlns:a14="http://schemas.microsoft.com/office/drawing/2010/main" xmlns="" w="9525">
                   <a:solidFill>
                     <a:schemeClr val="tx1"/>
                   </a:solidFill>
@@ -2674,7 +2672,7 @@
                 </a14:hiddenLine>
               </a:ext>
               <a:ext uri="{AF507438-7753-43e0-B8FC-AC1667EBCBE1}">
-                <a14:hiddenEffects xmlns="" xmlns:a14="http://schemas.microsoft.com/office/drawing/2010/main">
+                <a14:hiddenEffects xmlns:a14="http://schemas.microsoft.com/office/drawing/2010/main" xmlns="">
                   <a:effectLst>
                     <a:outerShdw blurRad="63500" dist="38099" dir="2700000" algn="ctr" rotWithShape="0">
                       <a:schemeClr val="bg2">
@@ -2719,7 +2717,7 @@
             <a:effectLst/>
             <a:extLst>
               <a:ext uri="{91240B29-F687-4f45-9708-019B960494DF}">
-                <a14:hiddenLine xmlns="" xmlns:a14="http://schemas.microsoft.com/office/drawing/2010/main" w="9525">
+                <a14:hiddenLine xmlns:a14="http://schemas.microsoft.com/office/drawing/2010/main" xmlns="" w="9525">
                   <a:solidFill>
                     <a:schemeClr val="tx1"/>
                   </a:solidFill>
@@ -2729,7 +2727,7 @@
                 </a14:hiddenLine>
               </a:ext>
               <a:ext uri="{AF507438-7753-43e0-B8FC-AC1667EBCBE1}">
-                <a14:hiddenEffects xmlns="" xmlns:a14="http://schemas.microsoft.com/office/drawing/2010/main">
+                <a14:hiddenEffects xmlns:a14="http://schemas.microsoft.com/office/drawing/2010/main" xmlns="">
                   <a:effectLst>
                     <a:outerShdw blurRad="63500" dist="38099" dir="2700000" algn="ctr" rotWithShape="0">
                       <a:schemeClr val="bg2">
@@ -2778,12 +2776,12 @@
           <a:effectLst/>
           <a:extLst>
             <a:ext uri="{909E8E84-426E-40dd-AFC4-6F175D3DCCD1}">
-              <a14:hiddenFill xmlns="" xmlns:a14="http://schemas.microsoft.com/office/drawing/2010/main">
+              <a14:hiddenFill xmlns:a14="http://schemas.microsoft.com/office/drawing/2010/main" xmlns="">
                 <a:noFill/>
               </a14:hiddenFill>
             </a:ext>
             <a:ext uri="{AF507438-7753-43e0-B8FC-AC1667EBCBE1}">
-              <a14:hiddenEffects xmlns="" xmlns:a14="http://schemas.microsoft.com/office/drawing/2010/main">
+              <a14:hiddenEffects xmlns:a14="http://schemas.microsoft.com/office/drawing/2010/main" xmlns="">
                 <a:effectLst>
                   <a:outerShdw blurRad="63500" dist="38099" dir="2700000" algn="ctr" rotWithShape="0">
                     <a:schemeClr val="bg2">
@@ -5107,12 +5105,12 @@
           <a:effectLst/>
           <a:extLst>
             <a:ext uri="{909E8E84-426E-40dd-AFC4-6F175D3DCCD1}">
-              <a14:hiddenFill xmlns="" xmlns:a14="http://schemas.microsoft.com/office/drawing/2010/main">
+              <a14:hiddenFill xmlns:a14="http://schemas.microsoft.com/office/drawing/2010/main" xmlns="">
                 <a:noFill/>
               </a14:hiddenFill>
             </a:ext>
             <a:ext uri="{AF507438-7753-43e0-B8FC-AC1667EBCBE1}">
-              <a14:hiddenEffects xmlns="" xmlns:a14="http://schemas.microsoft.com/office/drawing/2010/main">
+              <a14:hiddenEffects xmlns:a14="http://schemas.microsoft.com/office/drawing/2010/main" xmlns="">
                 <a:effectLst>
                   <a:outerShdw blurRad="63500" dist="38099" dir="2700000" algn="ctr" rotWithShape="0">
                     <a:schemeClr val="bg2">
@@ -5157,17 +5155,17 @@
           <a:effectLst/>
           <a:extLst>
             <a:ext uri="{FAA26D3D-D897-4be2-8F04-BA451C77F1D7}">
-              <ma14:placeholderFlag xmlns:ma14="http://schemas.microsoft.com/office/mac/drawingml/2011/main" xmlns="" val="1"/>
+              <ma14:placeholderFlag xmlns="" xmlns:ma14="http://schemas.microsoft.com/office/mac/drawingml/2011/main" val="1"/>
             </a:ext>
             <a:ext uri="{909E8E84-426E-40dd-AFC4-6F175D3DCCD1}">
-              <a14:hiddenFill xmlns="" xmlns:a14="http://schemas.microsoft.com/office/drawing/2010/main">
+              <a14:hiddenFill xmlns:a14="http://schemas.microsoft.com/office/drawing/2010/main" xmlns="">
                 <a:solidFill>
                   <a:schemeClr val="accent1"/>
                 </a:solidFill>
               </a14:hiddenFill>
             </a:ext>
             <a:ext uri="{91240B29-F687-4f45-9708-019B960494DF}">
-              <a14:hiddenLine xmlns="" xmlns:a14="http://schemas.microsoft.com/office/drawing/2010/main" w="9525">
+              <a14:hiddenLine xmlns:a14="http://schemas.microsoft.com/office/drawing/2010/main" xmlns="" w="9525">
                 <a:solidFill>
                   <a:schemeClr val="tx1"/>
                 </a:solidFill>
@@ -5177,7 +5175,7 @@
               </a14:hiddenLine>
             </a:ext>
             <a:ext uri="{AF507438-7753-43e0-B8FC-AC1667EBCBE1}">
-              <a14:hiddenEffects xmlns="" xmlns:a14="http://schemas.microsoft.com/office/drawing/2010/main">
+              <a14:hiddenEffects xmlns:a14="http://schemas.microsoft.com/office/drawing/2010/main" xmlns="">
                 <a:effectLst>
                   <a:outerShdw blurRad="63500" dist="38099" dir="2700000" algn="ctr" rotWithShape="0">
                     <a:schemeClr val="bg2">
@@ -5230,17 +5228,17 @@
           <a:effectLst/>
           <a:extLst>
             <a:ext uri="{FAA26D3D-D897-4be2-8F04-BA451C77F1D7}">
-              <ma14:placeholderFlag xmlns:ma14="http://schemas.microsoft.com/office/mac/drawingml/2011/main" xmlns="" val="1"/>
+              <ma14:placeholderFlag xmlns="" xmlns:ma14="http://schemas.microsoft.com/office/mac/drawingml/2011/main" val="1"/>
             </a:ext>
             <a:ext uri="{909E8E84-426E-40dd-AFC4-6F175D3DCCD1}">
-              <a14:hiddenFill xmlns="" xmlns:a14="http://schemas.microsoft.com/office/drawing/2010/main">
+              <a14:hiddenFill xmlns:a14="http://schemas.microsoft.com/office/drawing/2010/main" xmlns="">
                 <a:solidFill>
                   <a:schemeClr val="accent1"/>
                 </a:solidFill>
               </a14:hiddenFill>
             </a:ext>
             <a:ext uri="{91240B29-F687-4f45-9708-019B960494DF}">
-              <a14:hiddenLine xmlns="" xmlns:a14="http://schemas.microsoft.com/office/drawing/2010/main" w="9525">
+              <a14:hiddenLine xmlns:a14="http://schemas.microsoft.com/office/drawing/2010/main" xmlns="" w="9525">
                 <a:solidFill>
                   <a:schemeClr val="tx1"/>
                 </a:solidFill>
@@ -5250,7 +5248,7 @@
               </a14:hiddenLine>
             </a:ext>
             <a:ext uri="{AF507438-7753-43e0-B8FC-AC1667EBCBE1}">
-              <a14:hiddenEffects xmlns="" xmlns:a14="http://schemas.microsoft.com/office/drawing/2010/main">
+              <a14:hiddenEffects xmlns:a14="http://schemas.microsoft.com/office/drawing/2010/main" xmlns="">
                 <a:effectLst>
                   <a:outerShdw blurRad="63500" dist="38099" dir="2700000" algn="ctr" rotWithShape="0">
                     <a:schemeClr val="bg2">
@@ -5331,17 +5329,17 @@
           <a:effectLst/>
           <a:extLst>
             <a:ext uri="{FAA26D3D-D897-4be2-8F04-BA451C77F1D7}">
-              <ma14:placeholderFlag xmlns:ma14="http://schemas.microsoft.com/office/mac/drawingml/2011/main" xmlns="" val="1"/>
+              <ma14:placeholderFlag xmlns="" xmlns:ma14="http://schemas.microsoft.com/office/mac/drawingml/2011/main" val="1"/>
             </a:ext>
             <a:ext uri="{909E8E84-426E-40dd-AFC4-6F175D3DCCD1}">
-              <a14:hiddenFill xmlns="" xmlns:a14="http://schemas.microsoft.com/office/drawing/2010/main">
+              <a14:hiddenFill xmlns:a14="http://schemas.microsoft.com/office/drawing/2010/main" xmlns="">
                 <a:solidFill>
                   <a:schemeClr val="accent1"/>
                 </a:solidFill>
               </a14:hiddenFill>
             </a:ext>
             <a:ext uri="{91240B29-F687-4f45-9708-019B960494DF}">
-              <a14:hiddenLine xmlns="" xmlns:a14="http://schemas.microsoft.com/office/drawing/2010/main" w="9525">
+              <a14:hiddenLine xmlns:a14="http://schemas.microsoft.com/office/drawing/2010/main" xmlns="" w="9525">
                 <a:solidFill>
                   <a:schemeClr val="tx1"/>
                 </a:solidFill>
@@ -5351,7 +5349,7 @@
               </a14:hiddenLine>
             </a:ext>
             <a:ext uri="{AF507438-7753-43e0-B8FC-AC1667EBCBE1}">
-              <a14:hiddenEffects xmlns="" xmlns:a14="http://schemas.microsoft.com/office/drawing/2010/main">
+              <a14:hiddenEffects xmlns:a14="http://schemas.microsoft.com/office/drawing/2010/main" xmlns="">
                 <a:effectLst>
                   <a:outerShdw blurRad="63500" dist="38099" dir="2700000" algn="ctr" rotWithShape="0">
                     <a:schemeClr val="bg2">
@@ -5404,17 +5402,17 @@
           <a:effectLst/>
           <a:extLst>
             <a:ext uri="{FAA26D3D-D897-4be2-8F04-BA451C77F1D7}">
-              <ma14:placeholderFlag xmlns:ma14="http://schemas.microsoft.com/office/mac/drawingml/2011/main" xmlns="" val="1"/>
+              <ma14:placeholderFlag xmlns="" xmlns:ma14="http://schemas.microsoft.com/office/mac/drawingml/2011/main" val="1"/>
             </a:ext>
             <a:ext uri="{909E8E84-426E-40dd-AFC4-6F175D3DCCD1}">
-              <a14:hiddenFill xmlns="" xmlns:a14="http://schemas.microsoft.com/office/drawing/2010/main">
+              <a14:hiddenFill xmlns:a14="http://schemas.microsoft.com/office/drawing/2010/main" xmlns="">
                 <a:solidFill>
                   <a:schemeClr val="accent1"/>
                 </a:solidFill>
               </a14:hiddenFill>
             </a:ext>
             <a:ext uri="{91240B29-F687-4f45-9708-019B960494DF}">
-              <a14:hiddenLine xmlns="" xmlns:a14="http://schemas.microsoft.com/office/drawing/2010/main" w="9525">
+              <a14:hiddenLine xmlns:a14="http://schemas.microsoft.com/office/drawing/2010/main" xmlns="" w="9525">
                 <a:solidFill>
                   <a:schemeClr val="tx1"/>
                 </a:solidFill>
@@ -5424,7 +5422,7 @@
               </a14:hiddenLine>
             </a:ext>
             <a:ext uri="{AF507438-7753-43e0-B8FC-AC1667EBCBE1}">
-              <a14:hiddenEffects xmlns="" xmlns:a14="http://schemas.microsoft.com/office/drawing/2010/main">
+              <a14:hiddenEffects xmlns:a14="http://schemas.microsoft.com/office/drawing/2010/main" xmlns="">
                 <a:effectLst>
                   <a:outerShdw blurRad="63500" dist="38099" dir="2700000" algn="ctr" rotWithShape="0">
                     <a:schemeClr val="bg2">
@@ -5477,17 +5475,17 @@
           <a:effectLst/>
           <a:extLst>
             <a:ext uri="{FAA26D3D-D897-4be2-8F04-BA451C77F1D7}">
-              <ma14:placeholderFlag xmlns:ma14="http://schemas.microsoft.com/office/mac/drawingml/2011/main" xmlns="" val="1"/>
+              <ma14:placeholderFlag xmlns="" xmlns:ma14="http://schemas.microsoft.com/office/mac/drawingml/2011/main" val="1"/>
             </a:ext>
             <a:ext uri="{909E8E84-426E-40dd-AFC4-6F175D3DCCD1}">
-              <a14:hiddenFill xmlns="" xmlns:a14="http://schemas.microsoft.com/office/drawing/2010/main">
+              <a14:hiddenFill xmlns:a14="http://schemas.microsoft.com/office/drawing/2010/main" xmlns="">
                 <a:solidFill>
                   <a:schemeClr val="accent1"/>
                 </a:solidFill>
               </a14:hiddenFill>
             </a:ext>
             <a:ext uri="{91240B29-F687-4f45-9708-019B960494DF}">
-              <a14:hiddenLine xmlns="" xmlns:a14="http://schemas.microsoft.com/office/drawing/2010/main" w="9525">
+              <a14:hiddenLine xmlns:a14="http://schemas.microsoft.com/office/drawing/2010/main" xmlns="" w="9525">
                 <a:solidFill>
                   <a:schemeClr val="tx1"/>
                 </a:solidFill>
@@ -5497,7 +5495,7 @@
               </a14:hiddenLine>
             </a:ext>
             <a:ext uri="{AF507438-7753-43e0-B8FC-AC1667EBCBE1}">
-              <a14:hiddenEffects xmlns="" xmlns:a14="http://schemas.microsoft.com/office/drawing/2010/main">
+              <a14:hiddenEffects xmlns:a14="http://schemas.microsoft.com/office/drawing/2010/main" xmlns="">
                 <a:effectLst>
                   <a:outerShdw blurRad="63500" dist="38099" dir="2700000" algn="ctr" rotWithShape="0">
                     <a:schemeClr val="bg2">
@@ -5571,7 +5569,7 @@
             <a:effectLst/>
             <a:extLst>
               <a:ext uri="{91240B29-F687-4f45-9708-019B960494DF}">
-                <a14:hiddenLine xmlns="" xmlns:a14="http://schemas.microsoft.com/office/drawing/2010/main" w="9525">
+                <a14:hiddenLine xmlns:a14="http://schemas.microsoft.com/office/drawing/2010/main" xmlns="" w="9525">
                   <a:solidFill>
                     <a:schemeClr val="tx1"/>
                   </a:solidFill>
@@ -5581,7 +5579,7 @@
                 </a14:hiddenLine>
               </a:ext>
               <a:ext uri="{AF507438-7753-43e0-B8FC-AC1667EBCBE1}">
-                <a14:hiddenEffects xmlns="" xmlns:a14="http://schemas.microsoft.com/office/drawing/2010/main">
+                <a14:hiddenEffects xmlns:a14="http://schemas.microsoft.com/office/drawing/2010/main" xmlns="">
                   <a:effectLst>
                     <a:outerShdw blurRad="63500" dist="38099" dir="2700000" algn="ctr" rotWithShape="0">
                       <a:schemeClr val="bg2">
@@ -5626,7 +5624,7 @@
             <a:effectLst/>
             <a:extLst>
               <a:ext uri="{91240B29-F687-4f45-9708-019B960494DF}">
-                <a14:hiddenLine xmlns="" xmlns:a14="http://schemas.microsoft.com/office/drawing/2010/main" w="9525">
+                <a14:hiddenLine xmlns:a14="http://schemas.microsoft.com/office/drawing/2010/main" xmlns="" w="9525">
                   <a:solidFill>
                     <a:schemeClr val="tx1"/>
                   </a:solidFill>
@@ -5636,7 +5634,7 @@
                 </a14:hiddenLine>
               </a:ext>
               <a:ext uri="{AF507438-7753-43e0-B8FC-AC1667EBCBE1}">
-                <a14:hiddenEffects xmlns="" xmlns:a14="http://schemas.microsoft.com/office/drawing/2010/main">
+                <a14:hiddenEffects xmlns:a14="http://schemas.microsoft.com/office/drawing/2010/main" xmlns="">
                   <a:effectLst>
                     <a:outerShdw blurRad="63500" dist="38099" dir="2700000" algn="ctr" rotWithShape="0">
                       <a:schemeClr val="bg2">
@@ -5681,7 +5679,7 @@
             <a:effectLst/>
             <a:extLst>
               <a:ext uri="{91240B29-F687-4f45-9708-019B960494DF}">
-                <a14:hiddenLine xmlns="" xmlns:a14="http://schemas.microsoft.com/office/drawing/2010/main" w="9525">
+                <a14:hiddenLine xmlns:a14="http://schemas.microsoft.com/office/drawing/2010/main" xmlns="" w="9525">
                   <a:solidFill>
                     <a:schemeClr val="tx1"/>
                   </a:solidFill>
@@ -5691,7 +5689,7 @@
                 </a14:hiddenLine>
               </a:ext>
               <a:ext uri="{AF507438-7753-43e0-B8FC-AC1667EBCBE1}">
-                <a14:hiddenEffects xmlns="" xmlns:a14="http://schemas.microsoft.com/office/drawing/2010/main">
+                <a14:hiddenEffects xmlns:a14="http://schemas.microsoft.com/office/drawing/2010/main" xmlns="">
                   <a:effectLst>
                     <a:outerShdw blurRad="63500" dist="38099" dir="2700000" algn="ctr" rotWithShape="0">
                       <a:schemeClr val="bg2">
@@ -5736,7 +5734,7 @@
             <a:effectLst/>
             <a:extLst>
               <a:ext uri="{91240B29-F687-4f45-9708-019B960494DF}">
-                <a14:hiddenLine xmlns="" xmlns:a14="http://schemas.microsoft.com/office/drawing/2010/main" w="9525">
+                <a14:hiddenLine xmlns:a14="http://schemas.microsoft.com/office/drawing/2010/main" xmlns="" w="9525">
                   <a:solidFill>
                     <a:schemeClr val="tx1"/>
                   </a:solidFill>
@@ -5746,7 +5744,7 @@
                 </a14:hiddenLine>
               </a:ext>
               <a:ext uri="{AF507438-7753-43e0-B8FC-AC1667EBCBE1}">
-                <a14:hiddenEffects xmlns="" xmlns:a14="http://schemas.microsoft.com/office/drawing/2010/main">
+                <a14:hiddenEffects xmlns:a14="http://schemas.microsoft.com/office/drawing/2010/main" xmlns="">
                   <a:effectLst>
                     <a:outerShdw blurRad="63500" dist="38099" dir="2700000" algn="ctr" rotWithShape="0">
                       <a:schemeClr val="bg2">
@@ -5791,7 +5789,7 @@
             <a:effectLst/>
             <a:extLst>
               <a:ext uri="{91240B29-F687-4f45-9708-019B960494DF}">
-                <a14:hiddenLine xmlns="" xmlns:a14="http://schemas.microsoft.com/office/drawing/2010/main" w="9525">
+                <a14:hiddenLine xmlns:a14="http://schemas.microsoft.com/office/drawing/2010/main" xmlns="" w="9525">
                   <a:solidFill>
                     <a:schemeClr val="tx1"/>
                   </a:solidFill>
@@ -5801,7 +5799,7 @@
                 </a14:hiddenLine>
               </a:ext>
               <a:ext uri="{AF507438-7753-43e0-B8FC-AC1667EBCBE1}">
-                <a14:hiddenEffects xmlns="" xmlns:a14="http://schemas.microsoft.com/office/drawing/2010/main">
+                <a14:hiddenEffects xmlns:a14="http://schemas.microsoft.com/office/drawing/2010/main" xmlns="">
                   <a:effectLst>
                     <a:outerShdw blurRad="63500" dist="38099" dir="2700000" algn="ctr" rotWithShape="0">
                       <a:schemeClr val="bg2">
@@ -5846,7 +5844,7 @@
             <a:effectLst/>
             <a:extLst>
               <a:ext uri="{91240B29-F687-4f45-9708-019B960494DF}">
-                <a14:hiddenLine xmlns="" xmlns:a14="http://schemas.microsoft.com/office/drawing/2010/main" w="9525">
+                <a14:hiddenLine xmlns:a14="http://schemas.microsoft.com/office/drawing/2010/main" xmlns="" w="9525">
                   <a:solidFill>
                     <a:schemeClr val="tx1"/>
                   </a:solidFill>
@@ -5856,7 +5854,7 @@
                 </a14:hiddenLine>
               </a:ext>
               <a:ext uri="{AF507438-7753-43e0-B8FC-AC1667EBCBE1}">
-                <a14:hiddenEffects xmlns="" xmlns:a14="http://schemas.microsoft.com/office/drawing/2010/main">
+                <a14:hiddenEffects xmlns:a14="http://schemas.microsoft.com/office/drawing/2010/main" xmlns="">
                   <a:effectLst>
                     <a:outerShdw blurRad="63500" dist="38099" dir="2700000" algn="ctr" rotWithShape="0">
                       <a:schemeClr val="bg2">
@@ -5901,7 +5899,7 @@
             <a:effectLst/>
             <a:extLst>
               <a:ext uri="{91240B29-F687-4f45-9708-019B960494DF}">
-                <a14:hiddenLine xmlns="" xmlns:a14="http://schemas.microsoft.com/office/drawing/2010/main" w="9525">
+                <a14:hiddenLine xmlns:a14="http://schemas.microsoft.com/office/drawing/2010/main" xmlns="" w="9525">
                   <a:solidFill>
                     <a:schemeClr val="tx1"/>
                   </a:solidFill>
@@ -5911,7 +5909,7 @@
                 </a14:hiddenLine>
               </a:ext>
               <a:ext uri="{AF507438-7753-43e0-B8FC-AC1667EBCBE1}">
-                <a14:hiddenEffects xmlns="" xmlns:a14="http://schemas.microsoft.com/office/drawing/2010/main">
+                <a14:hiddenEffects xmlns:a14="http://schemas.microsoft.com/office/drawing/2010/main" xmlns="">
                   <a:effectLst>
                     <a:outerShdw blurRad="63500" dist="38099" dir="2700000" algn="ctr" rotWithShape="0">
                       <a:schemeClr val="bg2">
@@ -5956,7 +5954,7 @@
             <a:effectLst/>
             <a:extLst>
               <a:ext uri="{91240B29-F687-4f45-9708-019B960494DF}">
-                <a14:hiddenLine xmlns="" xmlns:a14="http://schemas.microsoft.com/office/drawing/2010/main" w="9525">
+                <a14:hiddenLine xmlns:a14="http://schemas.microsoft.com/office/drawing/2010/main" xmlns="" w="9525">
                   <a:solidFill>
                     <a:schemeClr val="tx1"/>
                   </a:solidFill>
@@ -5966,7 +5964,7 @@
                 </a14:hiddenLine>
               </a:ext>
               <a:ext uri="{AF507438-7753-43e0-B8FC-AC1667EBCBE1}">
-                <a14:hiddenEffects xmlns="" xmlns:a14="http://schemas.microsoft.com/office/drawing/2010/main">
+                <a14:hiddenEffects xmlns:a14="http://schemas.microsoft.com/office/drawing/2010/main" xmlns="">
                   <a:effectLst>
                     <a:outerShdw blurRad="63500" dist="38099" dir="2700000" algn="ctr" rotWithShape="0">
                       <a:schemeClr val="bg2">
@@ -6011,7 +6009,7 @@
             <a:effectLst/>
             <a:extLst>
               <a:ext uri="{91240B29-F687-4f45-9708-019B960494DF}">
-                <a14:hiddenLine xmlns="" xmlns:a14="http://schemas.microsoft.com/office/drawing/2010/main" w="9525">
+                <a14:hiddenLine xmlns:a14="http://schemas.microsoft.com/office/drawing/2010/main" xmlns="" w="9525">
                   <a:solidFill>
                     <a:schemeClr val="tx1"/>
                   </a:solidFill>
@@ -6021,7 +6019,7 @@
                 </a14:hiddenLine>
               </a:ext>
               <a:ext uri="{AF507438-7753-43e0-B8FC-AC1667EBCBE1}">
-                <a14:hiddenEffects xmlns="" xmlns:a14="http://schemas.microsoft.com/office/drawing/2010/main">
+                <a14:hiddenEffects xmlns:a14="http://schemas.microsoft.com/office/drawing/2010/main" xmlns="">
                   <a:effectLst>
                     <a:outerShdw blurRad="63500" dist="38099" dir="2700000" algn="ctr" rotWithShape="0">
                       <a:schemeClr val="bg2">
@@ -6066,7 +6064,7 @@
             <a:effectLst/>
             <a:extLst>
               <a:ext uri="{91240B29-F687-4f45-9708-019B960494DF}">
-                <a14:hiddenLine xmlns="" xmlns:a14="http://schemas.microsoft.com/office/drawing/2010/main" w="9525">
+                <a14:hiddenLine xmlns:a14="http://schemas.microsoft.com/office/drawing/2010/main" xmlns="" w="9525">
                   <a:solidFill>
                     <a:schemeClr val="tx1"/>
                   </a:solidFill>
@@ -6076,7 +6074,7 @@
                 </a14:hiddenLine>
               </a:ext>
               <a:ext uri="{AF507438-7753-43e0-B8FC-AC1667EBCBE1}">
-                <a14:hiddenEffects xmlns="" xmlns:a14="http://schemas.microsoft.com/office/drawing/2010/main">
+                <a14:hiddenEffects xmlns:a14="http://schemas.microsoft.com/office/drawing/2010/main" xmlns="">
                   <a:effectLst>
                     <a:outerShdw blurRad="63500" dist="38099" dir="2700000" algn="ctr" rotWithShape="0">
                       <a:schemeClr val="bg2">
@@ -6121,7 +6119,7 @@
             <a:effectLst/>
             <a:extLst>
               <a:ext uri="{91240B29-F687-4f45-9708-019B960494DF}">
-                <a14:hiddenLine xmlns="" xmlns:a14="http://schemas.microsoft.com/office/drawing/2010/main" w="9525">
+                <a14:hiddenLine xmlns:a14="http://schemas.microsoft.com/office/drawing/2010/main" xmlns="" w="9525">
                   <a:solidFill>
                     <a:schemeClr val="tx1"/>
                   </a:solidFill>
@@ -6131,7 +6129,7 @@
                 </a14:hiddenLine>
               </a:ext>
               <a:ext uri="{AF507438-7753-43e0-B8FC-AC1667EBCBE1}">
-                <a14:hiddenEffects xmlns="" xmlns:a14="http://schemas.microsoft.com/office/drawing/2010/main">
+                <a14:hiddenEffects xmlns:a14="http://schemas.microsoft.com/office/drawing/2010/main" xmlns="">
                   <a:effectLst>
                     <a:outerShdw blurRad="63500" dist="38099" dir="2700000" algn="ctr" rotWithShape="0">
                       <a:schemeClr val="bg2">
@@ -6176,7 +6174,7 @@
             <a:effectLst/>
             <a:extLst>
               <a:ext uri="{91240B29-F687-4f45-9708-019B960494DF}">
-                <a14:hiddenLine xmlns="" xmlns:a14="http://schemas.microsoft.com/office/drawing/2010/main" w="9525">
+                <a14:hiddenLine xmlns:a14="http://schemas.microsoft.com/office/drawing/2010/main" xmlns="" w="9525">
                   <a:solidFill>
                     <a:schemeClr val="tx1"/>
                   </a:solidFill>
@@ -6186,7 +6184,7 @@
                 </a14:hiddenLine>
               </a:ext>
               <a:ext uri="{AF507438-7753-43e0-B8FC-AC1667EBCBE1}">
-                <a14:hiddenEffects xmlns="" xmlns:a14="http://schemas.microsoft.com/office/drawing/2010/main">
+                <a14:hiddenEffects xmlns:a14="http://schemas.microsoft.com/office/drawing/2010/main" xmlns="">
                   <a:effectLst>
                     <a:outerShdw blurRad="63500" dist="38099" dir="2700000" algn="ctr" rotWithShape="0">
                       <a:schemeClr val="bg2">
@@ -6231,7 +6229,7 @@
             <a:effectLst/>
             <a:extLst>
               <a:ext uri="{91240B29-F687-4f45-9708-019B960494DF}">
-                <a14:hiddenLine xmlns="" xmlns:a14="http://schemas.microsoft.com/office/drawing/2010/main" w="9525">
+                <a14:hiddenLine xmlns:a14="http://schemas.microsoft.com/office/drawing/2010/main" xmlns="" w="9525">
                   <a:solidFill>
                     <a:schemeClr val="tx1"/>
                   </a:solidFill>
@@ -6241,7 +6239,7 @@
                 </a14:hiddenLine>
               </a:ext>
               <a:ext uri="{AF507438-7753-43e0-B8FC-AC1667EBCBE1}">
-                <a14:hiddenEffects xmlns="" xmlns:a14="http://schemas.microsoft.com/office/drawing/2010/main">
+                <a14:hiddenEffects xmlns:a14="http://schemas.microsoft.com/office/drawing/2010/main" xmlns="">
                   <a:effectLst>
                     <a:outerShdw blurRad="63500" dist="38099" dir="2700000" algn="ctr" rotWithShape="0">
                       <a:schemeClr val="bg2">
@@ -6286,7 +6284,7 @@
             <a:effectLst/>
             <a:extLst>
               <a:ext uri="{91240B29-F687-4f45-9708-019B960494DF}">
-                <a14:hiddenLine xmlns="" xmlns:a14="http://schemas.microsoft.com/office/drawing/2010/main" w="9525">
+                <a14:hiddenLine xmlns:a14="http://schemas.microsoft.com/office/drawing/2010/main" xmlns="" w="9525">
                   <a:solidFill>
                     <a:schemeClr val="tx1"/>
                   </a:solidFill>
@@ -6296,7 +6294,7 @@
                 </a14:hiddenLine>
               </a:ext>
               <a:ext uri="{AF507438-7753-43e0-B8FC-AC1667EBCBE1}">
-                <a14:hiddenEffects xmlns="" xmlns:a14="http://schemas.microsoft.com/office/drawing/2010/main">
+                <a14:hiddenEffects xmlns:a14="http://schemas.microsoft.com/office/drawing/2010/main" xmlns="">
                   <a:effectLst>
                     <a:outerShdw blurRad="63500" dist="38099" dir="2700000" algn="ctr" rotWithShape="0">
                       <a:schemeClr val="bg2">
@@ -6341,7 +6339,7 @@
             <a:effectLst/>
             <a:extLst>
               <a:ext uri="{91240B29-F687-4f45-9708-019B960494DF}">
-                <a14:hiddenLine xmlns="" xmlns:a14="http://schemas.microsoft.com/office/drawing/2010/main" w="9525">
+                <a14:hiddenLine xmlns:a14="http://schemas.microsoft.com/office/drawing/2010/main" xmlns="" w="9525">
                   <a:solidFill>
                     <a:schemeClr val="tx1"/>
                   </a:solidFill>
@@ -6351,7 +6349,7 @@
                 </a14:hiddenLine>
               </a:ext>
               <a:ext uri="{AF507438-7753-43e0-B8FC-AC1667EBCBE1}">
-                <a14:hiddenEffects xmlns="" xmlns:a14="http://schemas.microsoft.com/office/drawing/2010/main">
+                <a14:hiddenEffects xmlns:a14="http://schemas.microsoft.com/office/drawing/2010/main" xmlns="">
                   <a:effectLst>
                     <a:outerShdw blurRad="63500" dist="38099" dir="2700000" algn="ctr" rotWithShape="0">
                       <a:schemeClr val="bg2">
@@ -6396,7 +6394,7 @@
             <a:effectLst/>
             <a:extLst>
               <a:ext uri="{91240B29-F687-4f45-9708-019B960494DF}">
-                <a14:hiddenLine xmlns="" xmlns:a14="http://schemas.microsoft.com/office/drawing/2010/main" w="9525">
+                <a14:hiddenLine xmlns:a14="http://schemas.microsoft.com/office/drawing/2010/main" xmlns="" w="9525">
                   <a:solidFill>
                     <a:schemeClr val="tx1"/>
                   </a:solidFill>
@@ -6406,7 +6404,7 @@
                 </a14:hiddenLine>
               </a:ext>
               <a:ext uri="{AF507438-7753-43e0-B8FC-AC1667EBCBE1}">
-                <a14:hiddenEffects xmlns="" xmlns:a14="http://schemas.microsoft.com/office/drawing/2010/main">
+                <a14:hiddenEffects xmlns:a14="http://schemas.microsoft.com/office/drawing/2010/main" xmlns="">
                   <a:effectLst>
                     <a:outerShdw blurRad="63500" dist="38099" dir="2700000" algn="ctr" rotWithShape="0">
                       <a:schemeClr val="bg2">
@@ -6451,7 +6449,7 @@
             <a:effectLst/>
             <a:extLst>
               <a:ext uri="{91240B29-F687-4f45-9708-019B960494DF}">
-                <a14:hiddenLine xmlns="" xmlns:a14="http://schemas.microsoft.com/office/drawing/2010/main" w="9525">
+                <a14:hiddenLine xmlns:a14="http://schemas.microsoft.com/office/drawing/2010/main" xmlns="" w="9525">
                   <a:solidFill>
                     <a:schemeClr val="tx1"/>
                   </a:solidFill>
@@ -6461,7 +6459,7 @@
                 </a14:hiddenLine>
               </a:ext>
               <a:ext uri="{AF507438-7753-43e0-B8FC-AC1667EBCBE1}">
-                <a14:hiddenEffects xmlns="" xmlns:a14="http://schemas.microsoft.com/office/drawing/2010/main">
+                <a14:hiddenEffects xmlns:a14="http://schemas.microsoft.com/office/drawing/2010/main" xmlns="">
                   <a:effectLst>
                     <a:outerShdw blurRad="63500" dist="38099" dir="2700000" algn="ctr" rotWithShape="0">
                       <a:schemeClr val="bg2">
@@ -6506,7 +6504,7 @@
             <a:effectLst/>
             <a:extLst>
               <a:ext uri="{91240B29-F687-4f45-9708-019B960494DF}">
-                <a14:hiddenLine xmlns="" xmlns:a14="http://schemas.microsoft.com/office/drawing/2010/main" w="9525">
+                <a14:hiddenLine xmlns:a14="http://schemas.microsoft.com/office/drawing/2010/main" xmlns="" w="9525">
                   <a:solidFill>
                     <a:schemeClr val="tx1"/>
                   </a:solidFill>
@@ -6516,7 +6514,7 @@
                 </a14:hiddenLine>
               </a:ext>
               <a:ext uri="{AF507438-7753-43e0-B8FC-AC1667EBCBE1}">
-                <a14:hiddenEffects xmlns="" xmlns:a14="http://schemas.microsoft.com/office/drawing/2010/main">
+                <a14:hiddenEffects xmlns:a14="http://schemas.microsoft.com/office/drawing/2010/main" xmlns="">
                   <a:effectLst>
                     <a:outerShdw blurRad="63500" dist="38099" dir="2700000" algn="ctr" rotWithShape="0">
                       <a:schemeClr val="bg2">
@@ -6561,7 +6559,7 @@
             <a:effectLst/>
             <a:extLst>
               <a:ext uri="{91240B29-F687-4f45-9708-019B960494DF}">
-                <a14:hiddenLine xmlns="" xmlns:a14="http://schemas.microsoft.com/office/drawing/2010/main" w="9525">
+                <a14:hiddenLine xmlns:a14="http://schemas.microsoft.com/office/drawing/2010/main" xmlns="" w="9525">
                   <a:solidFill>
                     <a:schemeClr val="tx1"/>
                   </a:solidFill>
@@ -6571,7 +6569,7 @@
                 </a14:hiddenLine>
               </a:ext>
               <a:ext uri="{AF507438-7753-43e0-B8FC-AC1667EBCBE1}">
-                <a14:hiddenEffects xmlns="" xmlns:a14="http://schemas.microsoft.com/office/drawing/2010/main">
+                <a14:hiddenEffects xmlns:a14="http://schemas.microsoft.com/office/drawing/2010/main" xmlns="">
                   <a:effectLst>
                     <a:outerShdw blurRad="63500" dist="38099" dir="2700000" algn="ctr" rotWithShape="0">
                       <a:schemeClr val="bg2">
@@ -6616,7 +6614,7 @@
             <a:effectLst/>
             <a:extLst>
               <a:ext uri="{91240B29-F687-4f45-9708-019B960494DF}">
-                <a14:hiddenLine xmlns="" xmlns:a14="http://schemas.microsoft.com/office/drawing/2010/main" w="9525">
+                <a14:hiddenLine xmlns:a14="http://schemas.microsoft.com/office/drawing/2010/main" xmlns="" w="9525">
                   <a:solidFill>
                     <a:schemeClr val="tx1"/>
                   </a:solidFill>
@@ -6626,7 +6624,7 @@
                 </a14:hiddenLine>
               </a:ext>
               <a:ext uri="{AF507438-7753-43e0-B8FC-AC1667EBCBE1}">
-                <a14:hiddenEffects xmlns="" xmlns:a14="http://schemas.microsoft.com/office/drawing/2010/main">
+                <a14:hiddenEffects xmlns:a14="http://schemas.microsoft.com/office/drawing/2010/main" xmlns="">
                   <a:effectLst>
                     <a:outerShdw blurRad="63500" dist="38099" dir="2700000" algn="ctr" rotWithShape="0">
                       <a:schemeClr val="bg2">
@@ -6671,7 +6669,7 @@
             <a:effectLst/>
             <a:extLst>
               <a:ext uri="{91240B29-F687-4f45-9708-019B960494DF}">
-                <a14:hiddenLine xmlns="" xmlns:a14="http://schemas.microsoft.com/office/drawing/2010/main" w="9525">
+                <a14:hiddenLine xmlns:a14="http://schemas.microsoft.com/office/drawing/2010/main" xmlns="" w="9525">
                   <a:solidFill>
                     <a:schemeClr val="tx1"/>
                   </a:solidFill>
@@ -6681,7 +6679,7 @@
                 </a14:hiddenLine>
               </a:ext>
               <a:ext uri="{AF507438-7753-43e0-B8FC-AC1667EBCBE1}">
-                <a14:hiddenEffects xmlns="" xmlns:a14="http://schemas.microsoft.com/office/drawing/2010/main">
+                <a14:hiddenEffects xmlns:a14="http://schemas.microsoft.com/office/drawing/2010/main" xmlns="">
                   <a:effectLst>
                     <a:outerShdw blurRad="63500" dist="38099" dir="2700000" algn="ctr" rotWithShape="0">
                       <a:schemeClr val="bg2">
@@ -6726,7 +6724,7 @@
             <a:effectLst/>
             <a:extLst>
               <a:ext uri="{91240B29-F687-4f45-9708-019B960494DF}">
-                <a14:hiddenLine xmlns="" xmlns:a14="http://schemas.microsoft.com/office/drawing/2010/main" w="9525">
+                <a14:hiddenLine xmlns:a14="http://schemas.microsoft.com/office/drawing/2010/main" xmlns="" w="9525">
                   <a:solidFill>
                     <a:schemeClr val="tx1"/>
                   </a:solidFill>
@@ -6736,7 +6734,7 @@
                 </a14:hiddenLine>
               </a:ext>
               <a:ext uri="{AF507438-7753-43e0-B8FC-AC1667EBCBE1}">
-                <a14:hiddenEffects xmlns="" xmlns:a14="http://schemas.microsoft.com/office/drawing/2010/main">
+                <a14:hiddenEffects xmlns:a14="http://schemas.microsoft.com/office/drawing/2010/main" xmlns="">
                   <a:effectLst>
                     <a:outerShdw blurRad="63500" dist="38099" dir="2700000" algn="ctr" rotWithShape="0">
                       <a:schemeClr val="bg2">
@@ -6781,7 +6779,7 @@
             <a:effectLst/>
             <a:extLst>
               <a:ext uri="{91240B29-F687-4f45-9708-019B960494DF}">
-                <a14:hiddenLine xmlns="" xmlns:a14="http://schemas.microsoft.com/office/drawing/2010/main" w="9525">
+                <a14:hiddenLine xmlns:a14="http://schemas.microsoft.com/office/drawing/2010/main" xmlns="" w="9525">
                   <a:solidFill>
                     <a:schemeClr val="tx1"/>
                   </a:solidFill>
@@ -6791,7 +6789,7 @@
                 </a14:hiddenLine>
               </a:ext>
               <a:ext uri="{AF507438-7753-43e0-B8FC-AC1667EBCBE1}">
-                <a14:hiddenEffects xmlns="" xmlns:a14="http://schemas.microsoft.com/office/drawing/2010/main">
+                <a14:hiddenEffects xmlns:a14="http://schemas.microsoft.com/office/drawing/2010/main" xmlns="">
                   <a:effectLst>
                     <a:outerShdw blurRad="63500" dist="38099" dir="2700000" algn="ctr" rotWithShape="0">
                       <a:schemeClr val="bg2">
@@ -6836,7 +6834,7 @@
             <a:effectLst/>
             <a:extLst>
               <a:ext uri="{91240B29-F687-4f45-9708-019B960494DF}">
-                <a14:hiddenLine xmlns="" xmlns:a14="http://schemas.microsoft.com/office/drawing/2010/main" w="9525">
+                <a14:hiddenLine xmlns:a14="http://schemas.microsoft.com/office/drawing/2010/main" xmlns="" w="9525">
                   <a:solidFill>
                     <a:schemeClr val="tx1"/>
                   </a:solidFill>
@@ -6846,7 +6844,7 @@
                 </a14:hiddenLine>
               </a:ext>
               <a:ext uri="{AF507438-7753-43e0-B8FC-AC1667EBCBE1}">
-                <a14:hiddenEffects xmlns="" xmlns:a14="http://schemas.microsoft.com/office/drawing/2010/main">
+                <a14:hiddenEffects xmlns:a14="http://schemas.microsoft.com/office/drawing/2010/main" xmlns="">
                   <a:effectLst>
                     <a:outerShdw blurRad="63500" dist="38099" dir="2700000" algn="ctr" rotWithShape="0">
                       <a:schemeClr val="bg2">
@@ -6891,7 +6889,7 @@
             <a:effectLst/>
             <a:extLst>
               <a:ext uri="{91240B29-F687-4f45-9708-019B960494DF}">
-                <a14:hiddenLine xmlns="" xmlns:a14="http://schemas.microsoft.com/office/drawing/2010/main" w="9525">
+                <a14:hiddenLine xmlns:a14="http://schemas.microsoft.com/office/drawing/2010/main" xmlns="" w="9525">
                   <a:solidFill>
                     <a:schemeClr val="tx1"/>
                   </a:solidFill>
@@ -6901,7 +6899,7 @@
                 </a14:hiddenLine>
               </a:ext>
               <a:ext uri="{AF507438-7753-43e0-B8FC-AC1667EBCBE1}">
-                <a14:hiddenEffects xmlns="" xmlns:a14="http://schemas.microsoft.com/office/drawing/2010/main">
+                <a14:hiddenEffects xmlns:a14="http://schemas.microsoft.com/office/drawing/2010/main" xmlns="">
                   <a:effectLst>
                     <a:outerShdw blurRad="63500" dist="38099" dir="2700000" algn="ctr" rotWithShape="0">
                       <a:schemeClr val="bg2">
@@ -6946,7 +6944,7 @@
             <a:effectLst/>
             <a:extLst>
               <a:ext uri="{91240B29-F687-4f45-9708-019B960494DF}">
-                <a14:hiddenLine xmlns="" xmlns:a14="http://schemas.microsoft.com/office/drawing/2010/main" w="9525">
+                <a14:hiddenLine xmlns:a14="http://schemas.microsoft.com/office/drawing/2010/main" xmlns="" w="9525">
                   <a:solidFill>
                     <a:schemeClr val="tx1"/>
                   </a:solidFill>
@@ -6956,7 +6954,7 @@
                 </a14:hiddenLine>
               </a:ext>
               <a:ext uri="{AF507438-7753-43e0-B8FC-AC1667EBCBE1}">
-                <a14:hiddenEffects xmlns="" xmlns:a14="http://schemas.microsoft.com/office/drawing/2010/main">
+                <a14:hiddenEffects xmlns:a14="http://schemas.microsoft.com/office/drawing/2010/main" xmlns="">
                   <a:effectLst>
                     <a:outerShdw blurRad="63500" dist="38099" dir="2700000" algn="ctr" rotWithShape="0">
                       <a:schemeClr val="bg2">
@@ -7001,7 +6999,7 @@
             <a:effectLst/>
             <a:extLst>
               <a:ext uri="{91240B29-F687-4f45-9708-019B960494DF}">
-                <a14:hiddenLine xmlns="" xmlns:a14="http://schemas.microsoft.com/office/drawing/2010/main" w="9525">
+                <a14:hiddenLine xmlns:a14="http://schemas.microsoft.com/office/drawing/2010/main" xmlns="" w="9525">
                   <a:solidFill>
                     <a:schemeClr val="tx1"/>
                   </a:solidFill>
@@ -7011,7 +7009,7 @@
                 </a14:hiddenLine>
               </a:ext>
               <a:ext uri="{AF507438-7753-43e0-B8FC-AC1667EBCBE1}">
-                <a14:hiddenEffects xmlns="" xmlns:a14="http://schemas.microsoft.com/office/drawing/2010/main">
+                <a14:hiddenEffects xmlns:a14="http://schemas.microsoft.com/office/drawing/2010/main" xmlns="">
                   <a:effectLst>
                     <a:outerShdw blurRad="63500" dist="38099" dir="2700000" algn="ctr" rotWithShape="0">
                       <a:schemeClr val="bg2">
@@ -7056,7 +7054,7 @@
             <a:effectLst/>
             <a:extLst>
               <a:ext uri="{91240B29-F687-4f45-9708-019B960494DF}">
-                <a14:hiddenLine xmlns="" xmlns:a14="http://schemas.microsoft.com/office/drawing/2010/main" w="9525">
+                <a14:hiddenLine xmlns:a14="http://schemas.microsoft.com/office/drawing/2010/main" xmlns="" w="9525">
                   <a:solidFill>
                     <a:schemeClr val="tx1"/>
                   </a:solidFill>
@@ -7066,7 +7064,7 @@
                 </a14:hiddenLine>
               </a:ext>
               <a:ext uri="{AF507438-7753-43e0-B8FC-AC1667EBCBE1}">
-                <a14:hiddenEffects xmlns="" xmlns:a14="http://schemas.microsoft.com/office/drawing/2010/main">
+                <a14:hiddenEffects xmlns:a14="http://schemas.microsoft.com/office/drawing/2010/main" xmlns="">
                   <a:effectLst>
                     <a:outerShdw blurRad="63500" dist="38099" dir="2700000" algn="ctr" rotWithShape="0">
                       <a:schemeClr val="bg2">
@@ -7111,7 +7109,7 @@
             <a:effectLst/>
             <a:extLst>
               <a:ext uri="{91240B29-F687-4f45-9708-019B960494DF}">
-                <a14:hiddenLine xmlns="" xmlns:a14="http://schemas.microsoft.com/office/drawing/2010/main" w="9525">
+                <a14:hiddenLine xmlns:a14="http://schemas.microsoft.com/office/drawing/2010/main" xmlns="" w="9525">
                   <a:solidFill>
                     <a:schemeClr val="tx1"/>
                   </a:solidFill>
@@ -7121,7 +7119,7 @@
                 </a14:hiddenLine>
               </a:ext>
               <a:ext uri="{AF507438-7753-43e0-B8FC-AC1667EBCBE1}">
-                <a14:hiddenEffects xmlns="" xmlns:a14="http://schemas.microsoft.com/office/drawing/2010/main">
+                <a14:hiddenEffects xmlns:a14="http://schemas.microsoft.com/office/drawing/2010/main" xmlns="">
                   <a:effectLst>
                     <a:outerShdw blurRad="63500" dist="38099" dir="2700000" algn="ctr" rotWithShape="0">
                       <a:schemeClr val="bg2">
@@ -7166,7 +7164,7 @@
             <a:effectLst/>
             <a:extLst>
               <a:ext uri="{91240B29-F687-4f45-9708-019B960494DF}">
-                <a14:hiddenLine xmlns="" xmlns:a14="http://schemas.microsoft.com/office/drawing/2010/main" w="9525">
+                <a14:hiddenLine xmlns:a14="http://schemas.microsoft.com/office/drawing/2010/main" xmlns="" w="9525">
                   <a:solidFill>
                     <a:schemeClr val="tx1"/>
                   </a:solidFill>
@@ -7176,7 +7174,7 @@
                 </a14:hiddenLine>
               </a:ext>
               <a:ext uri="{AF507438-7753-43e0-B8FC-AC1667EBCBE1}">
-                <a14:hiddenEffects xmlns="" xmlns:a14="http://schemas.microsoft.com/office/drawing/2010/main">
+                <a14:hiddenEffects xmlns:a14="http://schemas.microsoft.com/office/drawing/2010/main" xmlns="">
                   <a:effectLst>
                     <a:outerShdw blurRad="63500" dist="38099" dir="2700000" algn="ctr" rotWithShape="0">
                       <a:schemeClr val="bg2">
@@ -7221,7 +7219,7 @@
             <a:effectLst/>
             <a:extLst>
               <a:ext uri="{91240B29-F687-4f45-9708-019B960494DF}">
-                <a14:hiddenLine xmlns="" xmlns:a14="http://schemas.microsoft.com/office/drawing/2010/main" w="9525">
+                <a14:hiddenLine xmlns:a14="http://schemas.microsoft.com/office/drawing/2010/main" xmlns="" w="9525">
                   <a:solidFill>
                     <a:schemeClr val="tx1"/>
                   </a:solidFill>
@@ -7231,7 +7229,7 @@
                 </a14:hiddenLine>
               </a:ext>
               <a:ext uri="{AF507438-7753-43e0-B8FC-AC1667EBCBE1}">
-                <a14:hiddenEffects xmlns="" xmlns:a14="http://schemas.microsoft.com/office/drawing/2010/main">
+                <a14:hiddenEffects xmlns:a14="http://schemas.microsoft.com/office/drawing/2010/main" xmlns="">
                   <a:effectLst>
                     <a:outerShdw blurRad="63500" dist="38099" dir="2700000" algn="ctr" rotWithShape="0">
                       <a:schemeClr val="bg2">
@@ -8053,10 +8051,10 @@
       </p:grpSpPr>
       <p:pic>
         <p:nvPicPr>
-          <p:cNvPr id="3" name="Picture 2">
+          <p:cNvPr id="4" name="Picture 3">
             <a:extLst>
               <a:ext uri="{FF2B5EF4-FFF2-40B4-BE49-F238E27FC236}">
-                <a16:creationId xmlns:a16="http://schemas.microsoft.com/office/drawing/2014/main" id="{BBFC1129-75AA-3244-B853-D9D2B4199AB2}"/>
+                <a16:creationId xmlns:a16="http://schemas.microsoft.com/office/drawing/2014/main" id="{61793707-4365-2742-8EAD-F097FA884278}"/>
               </a:ext>
             </a:extLst>
           </p:cNvPr>
@@ -8073,8 +8071,8 @@
         </p:blipFill>
         <p:spPr>
           <a:xfrm>
-            <a:off x="3225074" y="122237"/>
-            <a:ext cx="3369781" cy="6507163"/>
+            <a:off x="3296446" y="334962"/>
+            <a:ext cx="4075107" cy="6400800"/>
           </a:xfrm>
           <a:prstGeom prst="rect">
             <a:avLst/>
@@ -8445,6 +8443,36 @@
           <a:chExt cx="0" cy="0"/>
         </a:xfrm>
       </p:grpSpPr>
+      <p:pic>
+        <p:nvPicPr>
+          <p:cNvPr id="6" name="Picture 5">
+            <a:extLst>
+              <a:ext uri="{FF2B5EF4-FFF2-40B4-BE49-F238E27FC236}">
+                <a16:creationId xmlns:a16="http://schemas.microsoft.com/office/drawing/2014/main" id="{9DEB460C-6C3D-CC42-AA22-AD4502F72A9D}"/>
+              </a:ext>
+            </a:extLst>
+          </p:cNvPr>
+          <p:cNvPicPr>
+            <a:picLocks noChangeAspect="1"/>
+          </p:cNvPicPr>
+          <p:nvPr/>
+        </p:nvPicPr>
+        <p:blipFill>
+          <a:blip r:embed="rId2"/>
+          <a:stretch>
+            <a:fillRect/>
+          </a:stretch>
+        </p:blipFill>
+        <p:spPr>
+          <a:xfrm>
+            <a:off x="974725" y="2362200"/>
+            <a:ext cx="6889750" cy="2286000"/>
+          </a:xfrm>
+          <a:prstGeom prst="rect">
+            <a:avLst/>
+          </a:prstGeom>
+        </p:spPr>
+      </p:pic>
       <p:sp>
         <p:nvSpPr>
           <p:cNvPr id="2" name="Title 1"/>
@@ -8464,109 +8492,6 @@
               <a:rPr lang="en-US" dirty="0"/>
               <a:t>Running the Parser</a:t>
             </a:r>
-          </a:p>
-        </p:txBody>
-      </p:sp>
-      <p:sp>
-        <p:nvSpPr>
-          <p:cNvPr id="3" name="TextBox 2">
-            <a:extLst>
-              <a:ext uri="{FF2B5EF4-FFF2-40B4-BE49-F238E27FC236}">
-                <a16:creationId xmlns:a16="http://schemas.microsoft.com/office/drawing/2014/main" id="{FA3FC7A8-6536-C14A-86E3-02377194F245}"/>
-              </a:ext>
-            </a:extLst>
-          </p:cNvPr>
-          <p:cNvSpPr txBox="1"/>
-          <p:nvPr/>
-        </p:nvSpPr>
-        <p:spPr>
-          <a:xfrm>
-            <a:off x="1103885" y="2362200"/>
-            <a:ext cx="6250429" cy="2585323"/>
-          </a:xfrm>
-          <a:prstGeom prst="rect">
-            <a:avLst/>
-          </a:prstGeom>
-          <a:noFill/>
-          <a:ln>
-            <a:solidFill>
-              <a:schemeClr val="tx1"/>
-            </a:solidFill>
-          </a:ln>
-        </p:spPr>
-        <p:txBody>
-          <a:bodyPr wrap="none" rtlCol="0">
-            <a:spAutoFit/>
-          </a:bodyPr>
-          <a:lstStyle/>
-          <a:p>
-            <a:r>
-              <a:rPr lang="en-US" sz="1800" dirty="0">
-                <a:latin typeface="Courier" pitchFamily="2" charset="0"/>
-              </a:rPr>
-              <a:t>$ python3 exp0.py</a:t>
-            </a:r>
-          </a:p>
-          <a:p>
-            <a:r>
-              <a:rPr lang="en-US" sz="1800" dirty="0">
-                <a:latin typeface="Courier" pitchFamily="2" charset="0"/>
-              </a:rPr>
-              <a:t>WARNING: Token 'DUMMY' defined, but not used</a:t>
-            </a:r>
-          </a:p>
-          <a:p>
-            <a:r>
-              <a:rPr lang="en-US" sz="1800" dirty="0">
-                <a:latin typeface="Courier" pitchFamily="2" charset="0"/>
-              </a:rPr>
-              <a:t>WARNING: There is 1 unused token</a:t>
-            </a:r>
-          </a:p>
-          <a:p>
-            <a:r>
-              <a:rPr lang="en-US" sz="1800" dirty="0">
-                <a:latin typeface="Courier" pitchFamily="2" charset="0"/>
-              </a:rPr>
-              <a:t>Generating LALR tables</a:t>
-            </a:r>
-          </a:p>
-          <a:p>
-            <a:r>
-              <a:rPr lang="en-US" sz="1800" dirty="0">
-                <a:latin typeface="Courier" pitchFamily="2" charset="0"/>
-              </a:rPr>
-              <a:t>p 3;</a:t>
-            </a:r>
-          </a:p>
-          <a:p>
-            <a:r>
-              <a:rPr lang="en-US" sz="1800" dirty="0">
-                <a:latin typeface="Courier" pitchFamily="2" charset="0"/>
-              </a:rPr>
-              <a:t>^D</a:t>
-            </a:r>
-          </a:p>
-          <a:p>
-            <a:r>
-              <a:rPr lang="en-US" sz="1800" dirty="0">
-                <a:latin typeface="Courier" pitchFamily="2" charset="0"/>
-              </a:rPr>
-              <a:t>parse successful.</a:t>
-            </a:r>
-          </a:p>
-          <a:p>
-            <a:r>
-              <a:rPr lang="en-US" sz="1800" dirty="0">
-                <a:latin typeface="Courier" pitchFamily="2" charset="0"/>
-              </a:rPr>
-              <a:t>$ </a:t>
-            </a:r>
-          </a:p>
-          <a:p>
-            <a:endParaRPr lang="en-US" sz="1800" dirty="0">
-              <a:latin typeface="Courier" pitchFamily="2" charset="0"/>
-            </a:endParaRPr>
           </a:p>
         </p:txBody>
       </p:sp>
@@ -8605,7 +8530,7 @@
           <a:effectLst/>
           <a:extLst>
             <a:ext uri="{AF507438-7753-43e0-B8FC-AC1667EBCBE1}">
-              <a14:hiddenEffects xmlns:a14="http://schemas.microsoft.com/office/drawing/2010/main" xmlns="">
+              <a14:hiddenEffects xmlns="" xmlns:a14="http://schemas.microsoft.com/office/drawing/2010/main">
                 <a:effectLst>
                   <a:outerShdw blurRad="63500" dist="38099" dir="2700000" algn="ctr" rotWithShape="0">
                     <a:schemeClr val="bg2">
@@ -8653,6 +8578,49 @@
               <a:ea typeface="ＭＳ Ｐゴシック" charset="0"/>
               <a:cs typeface="ＭＳ Ｐゴシック" charset="0"/>
             </a:endParaRPr>
+          </a:p>
+        </p:txBody>
+      </p:sp>
+      <p:sp>
+        <p:nvSpPr>
+          <p:cNvPr id="5" name="TextBox 4">
+            <a:extLst>
+              <a:ext uri="{FF2B5EF4-FFF2-40B4-BE49-F238E27FC236}">
+                <a16:creationId xmlns:a16="http://schemas.microsoft.com/office/drawing/2014/main" id="{F6648AC9-8B2A-934D-A469-CF3C9F165298}"/>
+              </a:ext>
+            </a:extLst>
+          </p:cNvPr>
+          <p:cNvSpPr txBox="1"/>
+          <p:nvPr/>
+        </p:nvSpPr>
+        <p:spPr>
+          <a:xfrm>
+            <a:off x="1206500" y="5676900"/>
+            <a:ext cx="1912575" cy="338554"/>
+          </a:xfrm>
+          <a:prstGeom prst="rect">
+            <a:avLst/>
+          </a:prstGeom>
+          <a:noFill/>
+        </p:spPr>
+        <p:txBody>
+          <a:bodyPr wrap="none" rtlCol="0">
+            <a:spAutoFit/>
+          </a:bodyPr>
+          <a:lstStyle/>
+          <a:p>
+            <a:r>
+              <a:rPr lang="en-US" sz="1600" dirty="0"/>
+              <a:t>Look at ‘</a:t>
+            </a:r>
+            <a:r>
+              <a:rPr lang="en-US" sz="1600" dirty="0" err="1"/>
+              <a:t>parser.out</a:t>
+            </a:r>
+            <a:r>
+              <a:rPr lang="en-US" sz="1600" dirty="0"/>
+              <a:t>’</a:t>
+            </a:r>
           </a:p>
         </p:txBody>
       </p:sp>
@@ -8688,7 +8656,13 @@
       </p:grpSpPr>
       <p:sp>
         <p:nvSpPr>
-          <p:cNvPr id="2" name="Title 1"/>
+          <p:cNvPr id="3" name="Title 2">
+            <a:extLst>
+              <a:ext uri="{FF2B5EF4-FFF2-40B4-BE49-F238E27FC236}">
+                <a16:creationId xmlns:a16="http://schemas.microsoft.com/office/drawing/2014/main" id="{3D151F47-C01E-DC41-B781-ABA2BBFB7DD6}"/>
+              </a:ext>
+            </a:extLst>
+          </p:cNvPr>
           <p:cNvSpPr>
             <a:spLocks noGrp="1"/>
           </p:cNvSpPr>
@@ -8703,14 +8677,20 @@
           <a:p>
             <a:r>
               <a:rPr lang="en-US" dirty="0"/>
-              <a:t>Actions</a:t>
+              <a:t>YACC Grammars</a:t>
             </a:r>
           </a:p>
         </p:txBody>
       </p:sp>
       <p:sp>
         <p:nvSpPr>
-          <p:cNvPr id="3" name="Content Placeholder 2"/>
+          <p:cNvPr id="4" name="Content Placeholder 3">
+            <a:extLst>
+              <a:ext uri="{FF2B5EF4-FFF2-40B4-BE49-F238E27FC236}">
+                <a16:creationId xmlns:a16="http://schemas.microsoft.com/office/drawing/2014/main" id="{D7156B70-7501-BF40-807C-27035D4C4216}"/>
+              </a:ext>
+            </a:extLst>
+          </p:cNvPr>
           <p:cNvSpPr>
             <a:spLocks noGrp="1"/>
           </p:cNvSpPr>
@@ -8718,138 +8698,27 @@
             <p:ph idx="1"/>
           </p:nvPr>
         </p:nvSpPr>
-        <p:spPr>
-          <a:xfrm>
-            <a:off x="457200" y="1719263"/>
-            <a:ext cx="8229600" cy="2700337"/>
-          </a:xfrm>
-        </p:spPr>
+        <p:spPr/>
         <p:txBody>
-          <a:bodyPr>
-            <a:normAutofit fontScale="77500" lnSpcReduction="20000"/>
-          </a:bodyPr>
+          <a:bodyPr/>
           <a:lstStyle/>
           <a:p>
             <a:r>
               <a:rPr lang="en-US" dirty="0"/>
-              <a:t>Making the generated parser do something useful.</a:t>
-            </a:r>
-          </a:p>
-          <a:p>
+              <a:t>For SMALL languages YACC grammars tend to be very natural</a:t>
+            </a:r>
+          </a:p>
+          <a:p>
+            <a:pPr lvl="1"/>
             <a:r>
               <a:rPr lang="en-US" dirty="0"/>
-              <a:t>In the hand-coded parser you can add code anywhere in order to make the parser do something useful…like counting ‘p’ statements.</a:t>
+              <a:t> e.g. Cuppa1 grammar</a:t>
             </a:r>
           </a:p>
           <a:p>
             <a:r>
               <a:rPr lang="en-US" dirty="0"/>
-              <a:t>In parsers generated by parser generators we use something called ‘actions’ we insert into the grammar.</a:t>
-            </a:r>
-          </a:p>
-          <a:p>
-            <a:r>
-              <a:rPr lang="en-US" dirty="0"/>
-              <a:t>In Ply actions are inserted into the grammar specification as Python code:</a:t>
-            </a:r>
-          </a:p>
-          <a:p>
-            <a:pPr lvl="1"/>
-            <a:endParaRPr lang="en-US" dirty="0"/>
-          </a:p>
-        </p:txBody>
-      </p:sp>
-      <p:pic>
-        <p:nvPicPr>
-          <p:cNvPr id="4" name="Picture 3"/>
-          <p:cNvPicPr>
-            <a:picLocks noChangeAspect="1"/>
-          </p:cNvPicPr>
-          <p:nvPr/>
-        </p:nvPicPr>
-        <p:blipFill>
-          <a:blip r:embed="rId2"/>
-          <a:stretch>
-            <a:fillRect/>
-          </a:stretch>
-        </p:blipFill>
-        <p:spPr>
-          <a:xfrm>
-            <a:off x="2514600" y="4419600"/>
-            <a:ext cx="2336800" cy="1765300"/>
-          </a:xfrm>
-          <a:prstGeom prst="rect">
-            <a:avLst/>
-          </a:prstGeom>
-        </p:spPr>
-      </p:pic>
-      <p:cxnSp>
-        <p:nvCxnSpPr>
-          <p:cNvPr id="6" name="Straight Arrow Connector 5"/>
-          <p:cNvCxnSpPr/>
-          <p:nvPr/>
-        </p:nvCxnSpPr>
-        <p:spPr bwMode="auto">
-          <a:xfrm flipH="1">
-            <a:off x="4648200" y="5105400"/>
-            <a:ext cx="1524000" cy="609600"/>
-          </a:xfrm>
-          <a:prstGeom prst="straightConnector1">
-            <a:avLst/>
-          </a:prstGeom>
-          <a:solidFill>
-            <a:schemeClr val="accent1"/>
-          </a:solidFill>
-          <a:ln w="9525" cap="flat" cmpd="sng" algn="ctr">
-            <a:solidFill>
-              <a:schemeClr val="tx1"/>
-            </a:solidFill>
-            <a:prstDash val="solid"/>
-            <a:round/>
-            <a:headEnd type="none" w="med" len="med"/>
-            <a:tailEnd type="triangle"/>
-          </a:ln>
-          <a:effectLst/>
-          <a:extLst>
-            <a:ext uri="{AF507438-7753-43e0-B8FC-AC1667EBCBE1}">
-              <a14:hiddenEffects xmlns="" xmlns:a14="http://schemas.microsoft.com/office/drawing/2010/main">
-                <a:effectLst>
-                  <a:outerShdw blurRad="63500" dist="38099" dir="2700000" algn="ctr" rotWithShape="0">
-                    <a:schemeClr val="bg2">
-                      <a:alpha val="74998"/>
-                    </a:schemeClr>
-                  </a:outerShdw>
-                </a:effectLst>
-              </a14:hiddenEffects>
-            </a:ext>
-          </a:extLst>
-        </p:spPr>
-      </p:cxnSp>
-      <p:sp>
-        <p:nvSpPr>
-          <p:cNvPr id="7" name="TextBox 6"/>
-          <p:cNvSpPr txBox="1"/>
-          <p:nvPr/>
-        </p:nvSpPr>
-        <p:spPr>
-          <a:xfrm>
-            <a:off x="6172200" y="4950023"/>
-            <a:ext cx="772969" cy="307777"/>
-          </a:xfrm>
-          <a:prstGeom prst="rect">
-            <a:avLst/>
-          </a:prstGeom>
-          <a:noFill/>
-        </p:spPr>
-        <p:txBody>
-          <a:bodyPr wrap="none" rtlCol="0">
-            <a:spAutoFit/>
-          </a:bodyPr>
-          <a:lstStyle/>
-          <a:p>
-            <a:r>
-              <a:rPr lang="en-US" sz="1400" dirty="0"/>
-              <a:t>Actions</a:t>
+              <a:t>However, bottom-up parsing breaks down for large, production-level languages</a:t>
             </a:r>
           </a:p>
         </p:txBody>
@@ -8857,7 +8726,7 @@
     </p:spTree>
     <p:extLst>
       <p:ext uri="{BB962C8B-B14F-4D97-AF65-F5344CB8AC3E}">
-        <p14:creationId xmlns:p14="http://schemas.microsoft.com/office/powerpoint/2010/main" val="2038527249"/>
+        <p14:creationId xmlns:p14="http://schemas.microsoft.com/office/powerpoint/2010/main" val="2854915926"/>
       </p:ext>
     </p:extLst>
   </p:cSld>
@@ -8886,7 +8755,13 @@
       </p:grpSpPr>
       <p:sp>
         <p:nvSpPr>
-          <p:cNvPr id="2" name="Title 1"/>
+          <p:cNvPr id="2" name="Title 1">
+            <a:extLst>
+              <a:ext uri="{FF2B5EF4-FFF2-40B4-BE49-F238E27FC236}">
+                <a16:creationId xmlns:a16="http://schemas.microsoft.com/office/drawing/2014/main" id="{C8C8F79E-84E6-5345-A439-415D736D841D}"/>
+              </a:ext>
+            </a:extLst>
+          </p:cNvPr>
           <p:cNvSpPr>
             <a:spLocks noGrp="1"/>
           </p:cNvSpPr>
@@ -8901,787 +8776,97 @@
           <a:p>
             <a:r>
               <a:rPr lang="en-US" dirty="0"/>
-              <a:t>Actions	</a:t>
+              <a:t>Cuppa1 Grammar</a:t>
             </a:r>
           </a:p>
         </p:txBody>
       </p:sp>
-      <p:sp>
-        <p:nvSpPr>
-          <p:cNvPr id="3" name="Content Placeholder 2"/>
-          <p:cNvSpPr>
-            <a:spLocks noGrp="1"/>
-          </p:cNvSpPr>
-          <p:nvPr>
-            <p:ph idx="1"/>
-          </p:nvPr>
-        </p:nvSpPr>
+      <p:pic>
+        <p:nvPicPr>
+          <p:cNvPr id="5" name="Picture 4">
+            <a:extLst>
+              <a:ext uri="{FF2B5EF4-FFF2-40B4-BE49-F238E27FC236}">
+                <a16:creationId xmlns:a16="http://schemas.microsoft.com/office/drawing/2014/main" id="{6658D5A5-8A5B-3946-ADDE-70441428BA17}"/>
+              </a:ext>
+            </a:extLst>
+          </p:cNvPr>
+          <p:cNvPicPr>
+            <a:picLocks noChangeAspect="1"/>
+          </p:cNvPicPr>
+          <p:nvPr/>
+        </p:nvPicPr>
+        <p:blipFill>
+          <a:blip r:embed="rId2"/>
+          <a:stretch>
+            <a:fillRect/>
+          </a:stretch>
+        </p:blipFill>
         <p:spPr>
           <a:xfrm>
-            <a:off x="457200" y="1719263"/>
-            <a:ext cx="8229600" cy="1315342"/>
-          </a:xfrm>
-        </p:spPr>
-        <p:txBody>
-          <a:bodyPr>
-            <a:normAutofit fontScale="62500" lnSpcReduction="20000"/>
-          </a:bodyPr>
-          <a:lstStyle/>
-          <a:p>
-            <a:r>
-              <a:rPr lang="en-US" dirty="0"/>
-              <a:t>In order to insert actions we need to break the Ply grammar into smaller functions</a:t>
-            </a:r>
-          </a:p>
-          <a:p>
-            <a:r>
-              <a:rPr lang="en-US" dirty="0"/>
-              <a:t>Let’s try this again:</a:t>
-            </a:r>
-          </a:p>
-          <a:p>
-            <a:pPr lvl="1"/>
-            <a:r>
-              <a:rPr lang="en-US" dirty="0"/>
-              <a:t>The idea of our language processor is to count the number of </a:t>
-            </a:r>
-            <a:r>
-              <a:rPr lang="en-US" i="1" dirty="0"/>
-              <a:t>right-hand side variables</a:t>
-            </a:r>
-            <a:r>
-              <a:rPr lang="en-US" dirty="0"/>
-              <a:t> in a program</a:t>
-            </a:r>
-          </a:p>
-        </p:txBody>
-      </p:sp>
-      <p:sp>
-        <p:nvSpPr>
-          <p:cNvPr id="4" name="TextBox 3"/>
-          <p:cNvSpPr txBox="1"/>
-          <p:nvPr/>
-        </p:nvSpPr>
-        <p:spPr>
-          <a:xfrm>
-            <a:off x="812800" y="3872805"/>
-            <a:ext cx="2117887" cy="1384995"/>
+            <a:off x="1357312" y="1417638"/>
+            <a:ext cx="2871788" cy="5105400"/>
           </a:xfrm>
           <a:prstGeom prst="rect">
             <a:avLst/>
           </a:prstGeom>
-          <a:noFill/>
           <a:ln>
             <a:solidFill>
               <a:schemeClr val="tx1"/>
             </a:solidFill>
           </a:ln>
         </p:spPr>
-        <p:txBody>
-          <a:bodyPr wrap="none" rtlCol="0">
-            <a:spAutoFit/>
-          </a:bodyPr>
-          <a:lstStyle/>
-          <a:p>
-            <a:r>
-              <a:rPr lang="en-US" sz="1400" b="1" dirty="0" err="1">
-                <a:solidFill>
-                  <a:srgbClr val="0F7001"/>
-                </a:solidFill>
-                <a:latin typeface="Courier-Bold" charset="0"/>
-              </a:rPr>
-              <a:t>def</a:t>
-            </a:r>
-            <a:r>
-              <a:rPr lang="en-US" sz="1400" dirty="0">
-                <a:solidFill>
-                  <a:prstClr val="black"/>
-                </a:solidFill>
-                <a:latin typeface="Courier" charset="0"/>
-              </a:rPr>
-              <a:t> </a:t>
-            </a:r>
-            <a:r>
-              <a:rPr lang="en-US" sz="1400" dirty="0" err="1">
-                <a:solidFill>
-                  <a:srgbClr val="0000FF"/>
-                </a:solidFill>
-                <a:latin typeface="Courier" charset="0"/>
-              </a:rPr>
-              <a:t>p_grammar</a:t>
-            </a:r>
-            <a:r>
-              <a:rPr lang="en-US" sz="1400" dirty="0">
-                <a:solidFill>
-                  <a:prstClr val="black"/>
-                </a:solidFill>
-                <a:latin typeface="Courier" charset="0"/>
-              </a:rPr>
-              <a:t>(_):</a:t>
-            </a:r>
-          </a:p>
-          <a:p>
-            <a:r>
-              <a:rPr lang="mr-IN" sz="1400" dirty="0">
-                <a:solidFill>
-                  <a:prstClr val="black"/>
-                </a:solidFill>
-                <a:latin typeface="Courier" charset="0"/>
-              </a:rPr>
-              <a:t>    </a:t>
-            </a:r>
-            <a:r>
-              <a:rPr lang="mr-IN" sz="1400" dirty="0">
-                <a:solidFill>
-                  <a:srgbClr val="A90E1A"/>
-                </a:solidFill>
-                <a:latin typeface="Courier" charset="0"/>
-              </a:rPr>
-              <a:t>"""</a:t>
-            </a:r>
-            <a:endParaRPr lang="mr-IN" sz="1400" dirty="0">
-              <a:solidFill>
-                <a:prstClr val="black"/>
-              </a:solidFill>
-              <a:latin typeface="Courier" charset="0"/>
-            </a:endParaRPr>
-          </a:p>
-          <a:p>
-            <a:r>
-              <a:rPr lang="en-US" sz="1400" dirty="0">
-                <a:solidFill>
-                  <a:srgbClr val="A90E1A"/>
-                </a:solidFill>
-                <a:latin typeface="Courier" charset="0"/>
-              </a:rPr>
-              <a:t>  </a:t>
-            </a:r>
-            <a:r>
-              <a:rPr lang="en-US" sz="1400" dirty="0" err="1">
-                <a:solidFill>
-                  <a:srgbClr val="A90E1A"/>
-                </a:solidFill>
-                <a:latin typeface="Courier" charset="0"/>
-              </a:rPr>
-              <a:t>prog</a:t>
-            </a:r>
-            <a:r>
-              <a:rPr lang="en-US" sz="1400" dirty="0">
-                <a:solidFill>
-                  <a:srgbClr val="A90E1A"/>
-                </a:solidFill>
-                <a:latin typeface="Courier" charset="0"/>
-              </a:rPr>
-              <a:t> : </a:t>
-            </a:r>
-            <a:r>
-              <a:rPr lang="en-US" sz="1400" dirty="0" err="1">
-                <a:solidFill>
-                  <a:srgbClr val="A90E1A"/>
-                </a:solidFill>
-                <a:latin typeface="Courier" charset="0"/>
-              </a:rPr>
-              <a:t>stmt</a:t>
-            </a:r>
-            <a:r>
-              <a:rPr lang="en-US" sz="1400" dirty="0">
-                <a:solidFill>
-                  <a:srgbClr val="A90E1A"/>
-                </a:solidFill>
-                <a:latin typeface="Courier" charset="0"/>
-              </a:rPr>
-              <a:t> </a:t>
-            </a:r>
-            <a:r>
-              <a:rPr lang="en-US" sz="1400" dirty="0" err="1">
-                <a:solidFill>
-                  <a:srgbClr val="A90E1A"/>
-                </a:solidFill>
-                <a:latin typeface="Courier" charset="0"/>
-              </a:rPr>
-              <a:t>prog</a:t>
-            </a:r>
-            <a:endParaRPr lang="en-US" sz="1400" dirty="0">
-              <a:solidFill>
-                <a:prstClr val="black"/>
-              </a:solidFill>
-              <a:latin typeface="Courier" charset="0"/>
-            </a:endParaRPr>
-          </a:p>
-          <a:p>
-            <a:r>
-              <a:rPr lang="en-US" sz="1400" dirty="0">
-                <a:solidFill>
-                  <a:srgbClr val="A90E1A"/>
-                </a:solidFill>
-                <a:latin typeface="Courier" charset="0"/>
-              </a:rPr>
-              <a:t>       | empty</a:t>
-            </a:r>
-            <a:endParaRPr lang="en-US" sz="1400" dirty="0">
-              <a:solidFill>
-                <a:prstClr val="black"/>
-              </a:solidFill>
-              <a:latin typeface="Courier" charset="0"/>
-            </a:endParaRPr>
-          </a:p>
-          <a:p>
-            <a:endParaRPr lang="en-US" sz="1400" dirty="0"/>
-          </a:p>
-          <a:p>
-            <a:r>
-              <a:rPr lang="mr-IN" sz="1400" dirty="0"/>
-              <a:t>…</a:t>
-            </a:r>
-            <a:endParaRPr lang="en-US" sz="1400" dirty="0"/>
-          </a:p>
-        </p:txBody>
-      </p:sp>
-      <p:sp>
-        <p:nvSpPr>
-          <p:cNvPr id="5" name="TextBox 4"/>
-          <p:cNvSpPr txBox="1"/>
+      </p:pic>
+      <p:pic>
+        <p:nvPicPr>
+          <p:cNvPr id="6" name="Picture 5">
+            <a:extLst>
+              <a:ext uri="{FF2B5EF4-FFF2-40B4-BE49-F238E27FC236}">
+                <a16:creationId xmlns:a16="http://schemas.microsoft.com/office/drawing/2014/main" id="{DF73027A-B826-734E-9ACE-D8265596BE8C}"/>
+              </a:ext>
+            </a:extLst>
+          </p:cNvPr>
+          <p:cNvPicPr>
+            <a:picLocks noChangeAspect="1"/>
+          </p:cNvPicPr>
           <p:nvPr/>
-        </p:nvSpPr>
+        </p:nvPicPr>
+        <p:blipFill>
+          <a:blip r:embed="rId3"/>
+          <a:stretch>
+            <a:fillRect/>
+          </a:stretch>
+        </p:blipFill>
         <p:spPr>
           <a:xfrm>
-            <a:off x="5130800" y="3390900"/>
-            <a:ext cx="3943708" cy="2677656"/>
+            <a:off x="3592512" y="4419600"/>
+            <a:ext cx="3073400" cy="1215744"/>
           </a:xfrm>
           <a:prstGeom prst="rect">
             <a:avLst/>
           </a:prstGeom>
-          <a:noFill/>
           <a:ln>
             <a:solidFill>
               <a:schemeClr val="tx1"/>
             </a:solidFill>
           </a:ln>
         </p:spPr>
-        <p:txBody>
-          <a:bodyPr wrap="none" rtlCol="0">
-            <a:spAutoFit/>
-          </a:bodyPr>
-          <a:lstStyle/>
-          <a:p>
-            <a:r>
-              <a:rPr lang="en-US" sz="1400" b="1" dirty="0" err="1">
-                <a:solidFill>
-                  <a:srgbClr val="0F7001"/>
-                </a:solidFill>
-                <a:latin typeface="Courier-Bold" charset="0"/>
-              </a:rPr>
-              <a:t>def</a:t>
-            </a:r>
-            <a:r>
-              <a:rPr lang="en-US" sz="1400" dirty="0">
-                <a:solidFill>
-                  <a:prstClr val="black"/>
-                </a:solidFill>
-                <a:latin typeface="Courier" charset="0"/>
-              </a:rPr>
-              <a:t> </a:t>
-            </a:r>
-            <a:r>
-              <a:rPr lang="en-US" sz="1400" dirty="0" err="1">
-                <a:solidFill>
-                  <a:srgbClr val="0000FF"/>
-                </a:solidFill>
-                <a:latin typeface="Courier" charset="0"/>
-              </a:rPr>
-              <a:t>p_prog</a:t>
-            </a:r>
-            <a:r>
-              <a:rPr lang="en-US" sz="1400" dirty="0">
-                <a:solidFill>
-                  <a:prstClr val="black"/>
-                </a:solidFill>
-                <a:latin typeface="Courier" charset="0"/>
-              </a:rPr>
-              <a:t>(_):</a:t>
-            </a:r>
-          </a:p>
-          <a:p>
-            <a:r>
-              <a:rPr lang="mr-IN" sz="1400" dirty="0">
-                <a:solidFill>
-                  <a:prstClr val="black"/>
-                </a:solidFill>
-                <a:latin typeface="Courier" charset="0"/>
-              </a:rPr>
-              <a:t>    </a:t>
-            </a:r>
-            <a:r>
-              <a:rPr lang="mr-IN" sz="1400" dirty="0">
-                <a:solidFill>
-                  <a:srgbClr val="A90E1A"/>
-                </a:solidFill>
-                <a:latin typeface="Courier" charset="0"/>
-              </a:rPr>
-              <a:t>'''</a:t>
-            </a:r>
-            <a:endParaRPr lang="mr-IN" sz="1400" dirty="0">
-              <a:solidFill>
-                <a:prstClr val="black"/>
-              </a:solidFill>
-              <a:latin typeface="Courier" charset="0"/>
-            </a:endParaRPr>
-          </a:p>
-          <a:p>
-            <a:r>
-              <a:rPr lang="en-US" sz="1400" dirty="0">
-                <a:solidFill>
-                  <a:srgbClr val="A90E1A"/>
-                </a:solidFill>
-                <a:latin typeface="Courier" charset="0"/>
-              </a:rPr>
-              <a:t>  </a:t>
-            </a:r>
-            <a:r>
-              <a:rPr lang="en-US" sz="1400" dirty="0" err="1">
-                <a:solidFill>
-                  <a:srgbClr val="A90E1A"/>
-                </a:solidFill>
-                <a:latin typeface="Courier" charset="0"/>
-              </a:rPr>
-              <a:t>prog</a:t>
-            </a:r>
-            <a:r>
-              <a:rPr lang="en-US" sz="1400" dirty="0">
-                <a:solidFill>
-                  <a:srgbClr val="A90E1A"/>
-                </a:solidFill>
-                <a:latin typeface="Courier" charset="0"/>
-              </a:rPr>
-              <a:t> : </a:t>
-            </a:r>
-            <a:r>
-              <a:rPr lang="en-US" sz="1400" dirty="0" err="1">
-                <a:solidFill>
-                  <a:srgbClr val="A90E1A"/>
-                </a:solidFill>
-                <a:latin typeface="Courier" charset="0"/>
-              </a:rPr>
-              <a:t>stmt</a:t>
-            </a:r>
-            <a:r>
-              <a:rPr lang="en-US" sz="1400" dirty="0">
-                <a:solidFill>
-                  <a:srgbClr val="A90E1A"/>
-                </a:solidFill>
-                <a:latin typeface="Courier" charset="0"/>
-              </a:rPr>
-              <a:t> </a:t>
-            </a:r>
-            <a:r>
-              <a:rPr lang="en-US" sz="1400" dirty="0" err="1">
-                <a:solidFill>
-                  <a:srgbClr val="A90E1A"/>
-                </a:solidFill>
-                <a:latin typeface="Courier" charset="0"/>
-              </a:rPr>
-              <a:t>prog</a:t>
-            </a:r>
-            <a:endParaRPr lang="en-US" sz="1400" dirty="0">
-              <a:solidFill>
-                <a:prstClr val="black"/>
-              </a:solidFill>
-              <a:latin typeface="Courier" charset="0"/>
-            </a:endParaRPr>
-          </a:p>
-          <a:p>
-            <a:r>
-              <a:rPr lang="mr-IN" sz="1400" dirty="0">
-                <a:solidFill>
-                  <a:srgbClr val="A90E1A"/>
-                </a:solidFill>
-                <a:latin typeface="Courier" charset="0"/>
-              </a:rPr>
-              <a:t>    '''</a:t>
-            </a:r>
-            <a:endParaRPr lang="mr-IN" sz="1400" dirty="0">
-              <a:solidFill>
-                <a:prstClr val="black"/>
-              </a:solidFill>
-              <a:latin typeface="Courier" charset="0"/>
-            </a:endParaRPr>
-          </a:p>
-          <a:p>
-            <a:r>
-              <a:rPr lang="mr-IN" sz="1400" dirty="0">
-                <a:solidFill>
-                  <a:prstClr val="black"/>
-                </a:solidFill>
-                <a:latin typeface="Courier" charset="0"/>
-              </a:rPr>
-              <a:t>    </a:t>
-            </a:r>
-            <a:r>
-              <a:rPr lang="mr-IN" sz="1400" b="1" dirty="0" err="1">
-                <a:solidFill>
-                  <a:srgbClr val="0F7001"/>
-                </a:solidFill>
-                <a:latin typeface="Courier-Bold" charset="0"/>
-              </a:rPr>
-              <a:t>pass</a:t>
-            </a:r>
-            <a:endParaRPr lang="mr-IN" sz="1400" dirty="0">
-              <a:solidFill>
-                <a:prstClr val="black"/>
-              </a:solidFill>
-              <a:latin typeface="Courier" charset="0"/>
-            </a:endParaRPr>
-          </a:p>
-          <a:p>
-            <a:endParaRPr lang="mr-IN" sz="1400" dirty="0">
-              <a:solidFill>
-                <a:prstClr val="black"/>
-              </a:solidFill>
-              <a:latin typeface="Courier" charset="0"/>
-            </a:endParaRPr>
-          </a:p>
-          <a:p>
-            <a:r>
-              <a:rPr lang="en-US" sz="1400" b="1" dirty="0" err="1">
-                <a:solidFill>
-                  <a:srgbClr val="0F7001"/>
-                </a:solidFill>
-                <a:latin typeface="Courier-Bold" charset="0"/>
-              </a:rPr>
-              <a:t>def</a:t>
-            </a:r>
-            <a:r>
-              <a:rPr lang="en-US" sz="1400" dirty="0">
-                <a:solidFill>
-                  <a:prstClr val="black"/>
-                </a:solidFill>
-                <a:latin typeface="Courier" charset="0"/>
-              </a:rPr>
-              <a:t> </a:t>
-            </a:r>
-            <a:r>
-              <a:rPr lang="en-US" sz="1400" dirty="0" err="1">
-                <a:solidFill>
-                  <a:srgbClr val="0000FF"/>
-                </a:solidFill>
-                <a:latin typeface="Courier" charset="0"/>
-              </a:rPr>
-              <a:t>p_prog_empty</a:t>
-            </a:r>
-            <a:r>
-              <a:rPr lang="en-US" sz="1400" dirty="0">
-                <a:solidFill>
-                  <a:prstClr val="black"/>
-                </a:solidFill>
-                <a:latin typeface="Courier" charset="0"/>
-              </a:rPr>
-              <a:t>(_):</a:t>
-            </a:r>
-          </a:p>
-          <a:p>
-            <a:r>
-              <a:rPr lang="mr-IN" sz="1400" dirty="0">
-                <a:solidFill>
-                  <a:prstClr val="black"/>
-                </a:solidFill>
-                <a:latin typeface="Courier" charset="0"/>
-              </a:rPr>
-              <a:t>    </a:t>
-            </a:r>
-            <a:r>
-              <a:rPr lang="mr-IN" sz="1400" dirty="0">
-                <a:solidFill>
-                  <a:srgbClr val="A90E1A"/>
-                </a:solidFill>
-                <a:latin typeface="Courier" charset="0"/>
-              </a:rPr>
-              <a:t>'''</a:t>
-            </a:r>
-            <a:endParaRPr lang="mr-IN" sz="1400" dirty="0">
-              <a:solidFill>
-                <a:prstClr val="black"/>
-              </a:solidFill>
-              <a:latin typeface="Courier" charset="0"/>
-            </a:endParaRPr>
-          </a:p>
-          <a:p>
-            <a:r>
-              <a:rPr lang="en-US" sz="1400" dirty="0">
-                <a:solidFill>
-                  <a:srgbClr val="A90E1A"/>
-                </a:solidFill>
-                <a:latin typeface="Courier" charset="0"/>
-              </a:rPr>
-              <a:t>  </a:t>
-            </a:r>
-            <a:r>
-              <a:rPr lang="en-US" sz="1400" dirty="0" err="1">
-                <a:solidFill>
-                  <a:srgbClr val="A90E1A"/>
-                </a:solidFill>
-                <a:latin typeface="Courier" charset="0"/>
-              </a:rPr>
-              <a:t>prog</a:t>
-            </a:r>
-            <a:r>
-              <a:rPr lang="en-US" sz="1400" dirty="0">
-                <a:solidFill>
-                  <a:srgbClr val="A90E1A"/>
-                </a:solidFill>
-                <a:latin typeface="Courier" charset="0"/>
-              </a:rPr>
-              <a:t> : empty</a:t>
-            </a:r>
-            <a:endParaRPr lang="en-US" sz="1400" dirty="0">
-              <a:solidFill>
-                <a:prstClr val="black"/>
-              </a:solidFill>
-              <a:latin typeface="Courier" charset="0"/>
-            </a:endParaRPr>
-          </a:p>
-          <a:p>
-            <a:r>
-              <a:rPr lang="mr-IN" sz="1400" dirty="0">
-                <a:solidFill>
-                  <a:srgbClr val="A90E1A"/>
-                </a:solidFill>
-                <a:latin typeface="Courier" charset="0"/>
-              </a:rPr>
-              <a:t>    '''</a:t>
-            </a:r>
-            <a:endParaRPr lang="mr-IN" sz="1400" dirty="0">
-              <a:solidFill>
-                <a:prstClr val="black"/>
-              </a:solidFill>
-              <a:latin typeface="Courier" charset="0"/>
-            </a:endParaRPr>
-          </a:p>
-          <a:p>
-            <a:r>
-              <a:rPr lang="en-US" sz="1400" dirty="0">
-                <a:solidFill>
-                  <a:prstClr val="black"/>
-                </a:solidFill>
-                <a:latin typeface="Courier" charset="0"/>
-              </a:rPr>
-              <a:t>  </a:t>
-            </a:r>
-            <a:r>
-              <a:rPr lang="en-US" sz="1400" dirty="0">
-                <a:solidFill>
-                  <a:srgbClr val="0F7001"/>
-                </a:solidFill>
-                <a:latin typeface="Courier" charset="0"/>
-              </a:rPr>
-              <a:t>print</a:t>
-            </a:r>
-            <a:r>
-              <a:rPr lang="en-US" sz="1400" dirty="0">
-                <a:solidFill>
-                  <a:prstClr val="black"/>
-                </a:solidFill>
-                <a:latin typeface="Courier" charset="0"/>
-              </a:rPr>
-              <a:t>(</a:t>
-            </a:r>
-            <a:r>
-              <a:rPr lang="en-US" sz="1400" dirty="0">
-                <a:solidFill>
-                  <a:srgbClr val="A90E1A"/>
-                </a:solidFill>
-                <a:latin typeface="Courier" charset="0"/>
-              </a:rPr>
-              <a:t>"count = {}"</a:t>
-            </a:r>
-            <a:r>
-              <a:rPr lang="en-US" sz="1400" dirty="0">
-                <a:solidFill>
-                  <a:prstClr val="black"/>
-                </a:solidFill>
-                <a:latin typeface="Courier" charset="0"/>
-              </a:rPr>
-              <a:t>.format(count))</a:t>
-            </a:r>
-          </a:p>
-          <a:p>
-            <a:endParaRPr lang="en-US" sz="1400" dirty="0"/>
-          </a:p>
-        </p:txBody>
-      </p:sp>
+      </p:pic>
       <p:sp>
         <p:nvSpPr>
-          <p:cNvPr id="6" name="Right Arrow 5"/>
-          <p:cNvSpPr/>
-          <p:nvPr/>
-        </p:nvSpPr>
-        <p:spPr bwMode="auto">
-          <a:xfrm>
-            <a:off x="3657600" y="4343400"/>
-            <a:ext cx="762000" cy="457200"/>
-          </a:xfrm>
-          <a:prstGeom prst="rightArrow">
-            <a:avLst/>
-          </a:prstGeom>
-          <a:solidFill>
-            <a:srgbClr val="FF0000"/>
-          </a:solidFill>
-          <a:ln w="9525" cap="flat" cmpd="sng" algn="ctr">
-            <a:solidFill>
-              <a:schemeClr val="tx1"/>
-            </a:solidFill>
-            <a:prstDash val="solid"/>
-            <a:round/>
-            <a:headEnd type="none" w="med" len="med"/>
-            <a:tailEnd type="none" w="med" len="med"/>
-          </a:ln>
-          <a:effectLst/>
-          <a:extLst>
-            <a:ext uri="{AF507438-7753-43e0-B8FC-AC1667EBCBE1}">
-              <a14:hiddenEffects xmlns="" xmlns:a14="http://schemas.microsoft.com/office/drawing/2010/main">
-                <a:effectLst>
-                  <a:outerShdw blurRad="63500" dist="38099" dir="2700000" algn="ctr" rotWithShape="0">
-                    <a:schemeClr val="bg2">
-                      <a:alpha val="74998"/>
-                    </a:schemeClr>
-                  </a:outerShdw>
-                </a:effectLst>
-              </a14:hiddenEffects>
-            </a:ext>
-          </a:extLst>
-        </p:spPr>
-        <p:txBody>
-          <a:bodyPr vert="horz" wrap="square" lIns="91440" tIns="45720" rIns="91440" bIns="45720" numCol="1" rtlCol="0" anchor="t" anchorCtr="0" compatLnSpc="1">
-            <a:prstTxWarp prst="textNoShape">
-              <a:avLst/>
-            </a:prstTxWarp>
-          </a:bodyPr>
-          <a:lstStyle/>
-          <a:p>
-            <a:pPr marL="0" marR="0" indent="0" algn="l" defTabSz="914400" rtl="0" eaLnBrk="0" fontAlgn="base" latinLnBrk="0" hangingPunct="0">
-              <a:lnSpc>
-                <a:spcPct val="100000"/>
-              </a:lnSpc>
-              <a:spcBef>
-                <a:spcPct val="0"/>
-              </a:spcBef>
-              <a:spcAft>
-                <a:spcPct val="0"/>
-              </a:spcAft>
-              <a:buClrTx/>
-              <a:buSzTx/>
-              <a:buFontTx/>
-              <a:buNone/>
-              <a:tabLst/>
-            </a:pPr>
-            <a:endParaRPr kumimoji="0" lang="en-US" sz="2400" b="0" i="0" u="none" strike="noStrike" cap="none" normalizeH="0" baseline="0">
-              <a:ln>
-                <a:noFill/>
-              </a:ln>
-              <a:solidFill>
-                <a:srgbClr val="000000"/>
-              </a:solidFill>
-              <a:effectLst/>
-              <a:latin typeface="Arial" charset="0"/>
-              <a:ea typeface="ＭＳ Ｐゴシック" charset="0"/>
-              <a:cs typeface="ＭＳ Ｐゴシック" charset="0"/>
-            </a:endParaRPr>
-          </a:p>
-        </p:txBody>
-      </p:sp>
-      <p:cxnSp>
-        <p:nvCxnSpPr>
-          <p:cNvPr id="8" name="Straight Arrow Connector 7"/>
-          <p:cNvCxnSpPr/>
-          <p:nvPr/>
-        </p:nvCxnSpPr>
-        <p:spPr bwMode="auto">
-          <a:xfrm flipV="1">
-            <a:off x="3733800" y="4495800"/>
-            <a:ext cx="1600200" cy="1295400"/>
-          </a:xfrm>
-          <a:prstGeom prst="straightConnector1">
-            <a:avLst/>
-          </a:prstGeom>
-          <a:solidFill>
-            <a:schemeClr val="accent1"/>
-          </a:solidFill>
-          <a:ln w="9525" cap="flat" cmpd="sng" algn="ctr">
-            <a:solidFill>
-              <a:schemeClr val="tx1"/>
-            </a:solidFill>
-            <a:prstDash val="solid"/>
-            <a:round/>
-            <a:headEnd type="none" w="med" len="med"/>
-            <a:tailEnd type="triangle"/>
-          </a:ln>
-          <a:effectLst/>
-          <a:extLst>
-            <a:ext uri="{AF507438-7753-43e0-B8FC-AC1667EBCBE1}">
-              <a14:hiddenEffects xmlns="" xmlns:a14="http://schemas.microsoft.com/office/drawing/2010/main">
-                <a:effectLst>
-                  <a:outerShdw blurRad="63500" dist="38099" dir="2700000" algn="ctr" rotWithShape="0">
-                    <a:schemeClr val="bg2">
-                      <a:alpha val="74998"/>
-                    </a:schemeClr>
-                  </a:outerShdw>
-                </a:effectLst>
-              </a14:hiddenEffects>
-            </a:ext>
-          </a:extLst>
-        </p:spPr>
-      </p:cxnSp>
-      <p:cxnSp>
-        <p:nvCxnSpPr>
-          <p:cNvPr id="10" name="Straight Arrow Connector 9"/>
-          <p:cNvCxnSpPr/>
-          <p:nvPr/>
-        </p:nvCxnSpPr>
-        <p:spPr bwMode="auto">
-          <a:xfrm flipV="1">
-            <a:off x="3733800" y="5715000"/>
-            <a:ext cx="1600200" cy="76200"/>
-          </a:xfrm>
-          <a:prstGeom prst="straightConnector1">
-            <a:avLst/>
-          </a:prstGeom>
-          <a:solidFill>
-            <a:schemeClr val="accent1"/>
-          </a:solidFill>
-          <a:ln w="9525" cap="flat" cmpd="sng" algn="ctr">
-            <a:solidFill>
-              <a:schemeClr val="tx1"/>
-            </a:solidFill>
-            <a:prstDash val="solid"/>
-            <a:round/>
-            <a:headEnd type="none" w="med" len="med"/>
-            <a:tailEnd type="triangle"/>
-          </a:ln>
-          <a:effectLst/>
-          <a:extLst>
-            <a:ext uri="{AF507438-7753-43e0-B8FC-AC1667EBCBE1}">
-              <a14:hiddenEffects xmlns="" xmlns:a14="http://schemas.microsoft.com/office/drawing/2010/main">
-                <a:effectLst>
-                  <a:outerShdw blurRad="63500" dist="38099" dir="2700000" algn="ctr" rotWithShape="0">
-                    <a:schemeClr val="bg2">
-                      <a:alpha val="74998"/>
-                    </a:schemeClr>
-                  </a:outerShdw>
-                </a:effectLst>
-              </a14:hiddenEffects>
-            </a:ext>
-          </a:extLst>
-        </p:spPr>
-      </p:cxnSp>
-      <p:sp>
-        <p:nvSpPr>
-          <p:cNvPr id="11" name="TextBox 10"/>
+          <p:cNvPr id="7" name="TextBox 6">
+            <a:extLst>
+              <a:ext uri="{FF2B5EF4-FFF2-40B4-BE49-F238E27FC236}">
+                <a16:creationId xmlns:a16="http://schemas.microsoft.com/office/drawing/2014/main" id="{7B7C624E-A929-A04E-A244-CD96A23D39F3}"/>
+              </a:ext>
+            </a:extLst>
+          </p:cNvPr>
           <p:cNvSpPr txBox="1"/>
           <p:nvPr/>
         </p:nvSpPr>
         <p:spPr>
           <a:xfrm>
-            <a:off x="2960831" y="5638800"/>
-            <a:ext cx="772969" cy="307777"/>
+            <a:off x="4838700" y="2032000"/>
+            <a:ext cx="3330848" cy="338554"/>
           </a:xfrm>
           <a:prstGeom prst="rect">
             <a:avLst/>
@@ -9695,8 +8880,8 @@
           <a:lstStyle/>
           <a:p>
             <a:r>
-              <a:rPr lang="en-US" sz="1400"/>
-              <a:t>Actions</a:t>
+              <a:rPr lang="en-US" sz="1600" dirty="0"/>
+              <a:t>Words in capital letters are tokens!</a:t>
             </a:r>
           </a:p>
         </p:txBody>
@@ -9704,7 +8889,7 @@
     </p:spTree>
     <p:extLst>
       <p:ext uri="{BB962C8B-B14F-4D97-AF65-F5344CB8AC3E}">
-        <p14:creationId xmlns:p14="http://schemas.microsoft.com/office/powerpoint/2010/main" val="1873166658"/>
+        <p14:creationId xmlns:p14="http://schemas.microsoft.com/office/powerpoint/2010/main" val="3732278702"/>
       </p:ext>
     </p:extLst>
   </p:cSld>
@@ -9748,1178 +8933,72 @@
           <a:p>
             <a:r>
               <a:rPr lang="en-US" dirty="0"/>
-              <a:t>Actions	</a:t>
+              <a:t>Actions</a:t>
             </a:r>
           </a:p>
         </p:txBody>
       </p:sp>
       <p:sp>
         <p:nvSpPr>
-          <p:cNvPr id="4" name="TextBox 3"/>
-          <p:cNvSpPr txBox="1"/>
-          <p:nvPr/>
+          <p:cNvPr id="3" name="Content Placeholder 2"/>
+          <p:cNvSpPr>
+            <a:spLocks noGrp="1"/>
+          </p:cNvSpPr>
+          <p:nvPr>
+            <p:ph idx="1"/>
+          </p:nvPr>
         </p:nvSpPr>
         <p:spPr>
           <a:xfrm>
-            <a:off x="812800" y="2844105"/>
-            <a:ext cx="2010487" cy="2246769"/>
+            <a:off x="457200" y="1719263"/>
+            <a:ext cx="8229600" cy="4605337"/>
           </a:xfrm>
-          <a:prstGeom prst="rect">
-            <a:avLst/>
-          </a:prstGeom>
-          <a:noFill/>
-          <a:ln>
-            <a:solidFill>
-              <a:schemeClr val="tx1"/>
-            </a:solidFill>
-          </a:ln>
         </p:spPr>
         <p:txBody>
-          <a:bodyPr wrap="none" rtlCol="0">
-            <a:spAutoFit/>
+          <a:bodyPr>
+            <a:normAutofit fontScale="92500" lnSpcReduction="20000"/>
           </a:bodyPr>
           <a:lstStyle/>
           <a:p>
             <a:r>
-              <a:rPr lang="en-US" sz="1400" b="1" dirty="0" err="1">
-                <a:solidFill>
-                  <a:srgbClr val="0F7001"/>
-                </a:solidFill>
-                <a:latin typeface="Courier-Bold" charset="0"/>
-              </a:rPr>
-              <a:t>def</a:t>
-            </a:r>
-            <a:r>
-              <a:rPr lang="en-US" sz="1400" dirty="0">
-                <a:solidFill>
-                  <a:prstClr val="black"/>
-                </a:solidFill>
-                <a:latin typeface="Courier" charset="0"/>
-              </a:rPr>
-              <a:t> </a:t>
-            </a:r>
-            <a:r>
-              <a:rPr lang="en-US" sz="1400" dirty="0" err="1">
-                <a:solidFill>
-                  <a:srgbClr val="0000FF"/>
-                </a:solidFill>
-                <a:latin typeface="Courier" charset="0"/>
-              </a:rPr>
-              <a:t>p_grammar</a:t>
-            </a:r>
-            <a:r>
-              <a:rPr lang="en-US" sz="1400" dirty="0">
-                <a:solidFill>
-                  <a:prstClr val="black"/>
-                </a:solidFill>
-                <a:latin typeface="Courier" charset="0"/>
-              </a:rPr>
-              <a:t>(_):</a:t>
-            </a:r>
-          </a:p>
-          <a:p>
-            <a:r>
-              <a:rPr lang="mr-IN" sz="1400" dirty="0">
-                <a:solidFill>
-                  <a:prstClr val="black"/>
-                </a:solidFill>
-                <a:latin typeface="Courier" charset="0"/>
-              </a:rPr>
-              <a:t>    </a:t>
-            </a:r>
-            <a:r>
-              <a:rPr lang="mr-IN" sz="1400" dirty="0">
-                <a:solidFill>
-                  <a:srgbClr val="A90E1A"/>
-                </a:solidFill>
-                <a:latin typeface="Courier" charset="0"/>
-              </a:rPr>
-              <a:t>""”</a:t>
-            </a:r>
-            <a:endParaRPr lang="en-US" sz="1400" dirty="0">
-              <a:solidFill>
-                <a:srgbClr val="A90E1A"/>
-              </a:solidFill>
-              <a:latin typeface="Courier" charset="0"/>
-            </a:endParaRPr>
-          </a:p>
-          <a:p>
-            <a:r>
-              <a:rPr lang="en-US" sz="1400" dirty="0">
-                <a:solidFill>
-                  <a:srgbClr val="A90E1A"/>
-                </a:solidFill>
-                <a:latin typeface="Courier" charset="0"/>
-              </a:rPr>
-              <a:t>  </a:t>
-            </a:r>
-            <a:r>
-              <a:rPr lang="mr-IN" sz="1400" dirty="0">
-                <a:solidFill>
-                  <a:srgbClr val="A90E1A"/>
-                </a:solidFill>
-                <a:latin typeface="Courier" charset="0"/>
-              </a:rPr>
-              <a:t>…</a:t>
-            </a:r>
-            <a:endParaRPr lang="mr-IN" sz="1400" dirty="0">
-              <a:solidFill>
-                <a:prstClr val="black"/>
-              </a:solidFill>
-              <a:latin typeface="Courier" charset="0"/>
-            </a:endParaRPr>
-          </a:p>
-          <a:p>
-            <a:r>
-              <a:rPr lang="mr-IN" sz="1400" dirty="0">
-                <a:solidFill>
-                  <a:srgbClr val="A90E1A"/>
-                </a:solidFill>
-                <a:latin typeface="Courier" charset="0"/>
-              </a:rPr>
-              <a:t> </a:t>
-            </a:r>
-            <a:r>
-              <a:rPr lang="en-US" sz="1400" dirty="0">
-                <a:solidFill>
-                  <a:srgbClr val="A90E1A"/>
-                </a:solidFill>
-                <a:latin typeface="Courier" charset="0"/>
-              </a:rPr>
-              <a:t>  </a:t>
-            </a:r>
-            <a:r>
-              <a:rPr lang="mr-IN" sz="1400" dirty="0" err="1">
-                <a:solidFill>
-                  <a:srgbClr val="A90E1A"/>
-                </a:solidFill>
-                <a:latin typeface="Courier" charset="0"/>
-              </a:rPr>
-              <a:t>exp</a:t>
-            </a:r>
-            <a:r>
-              <a:rPr lang="mr-IN" sz="1400" dirty="0">
-                <a:solidFill>
-                  <a:srgbClr val="A90E1A"/>
-                </a:solidFill>
-                <a:latin typeface="Courier" charset="0"/>
-              </a:rPr>
-              <a:t> : '+' </a:t>
-            </a:r>
-            <a:r>
-              <a:rPr lang="mr-IN" sz="1400" dirty="0" err="1">
-                <a:solidFill>
-                  <a:srgbClr val="A90E1A"/>
-                </a:solidFill>
-                <a:latin typeface="Courier" charset="0"/>
-              </a:rPr>
-              <a:t>exp</a:t>
-            </a:r>
-            <a:r>
-              <a:rPr lang="mr-IN" sz="1400" dirty="0">
-                <a:solidFill>
-                  <a:srgbClr val="A90E1A"/>
-                </a:solidFill>
-                <a:latin typeface="Courier" charset="0"/>
-              </a:rPr>
-              <a:t> </a:t>
-            </a:r>
-            <a:r>
-              <a:rPr lang="mr-IN" sz="1400" dirty="0" err="1">
-                <a:solidFill>
-                  <a:srgbClr val="A90E1A"/>
-                </a:solidFill>
-                <a:latin typeface="Courier" charset="0"/>
-              </a:rPr>
-              <a:t>exp</a:t>
-            </a:r>
-            <a:endParaRPr lang="mr-IN" sz="1400" dirty="0">
-              <a:solidFill>
-                <a:prstClr val="black"/>
-              </a:solidFill>
-              <a:latin typeface="Courier" charset="0"/>
-            </a:endParaRPr>
-          </a:p>
-          <a:p>
-            <a:r>
-              <a:rPr lang="en-US" sz="1400" dirty="0">
-                <a:solidFill>
-                  <a:srgbClr val="A90E1A"/>
-                </a:solidFill>
-                <a:latin typeface="Courier" charset="0"/>
-              </a:rPr>
-              <a:t> </a:t>
-            </a:r>
-            <a:r>
-              <a:rPr lang="mr-IN" sz="1400" dirty="0">
-                <a:solidFill>
-                  <a:srgbClr val="A90E1A"/>
-                </a:solidFill>
-                <a:latin typeface="Courier" charset="0"/>
-              </a:rPr>
-              <a:t>   </a:t>
-            </a:r>
-            <a:r>
-              <a:rPr lang="en-US" sz="1400" dirty="0">
-                <a:solidFill>
-                  <a:srgbClr val="A90E1A"/>
-                </a:solidFill>
-                <a:latin typeface="Courier" charset="0"/>
-              </a:rPr>
-              <a:t> </a:t>
-            </a:r>
-            <a:r>
-              <a:rPr lang="mr-IN" sz="1400" dirty="0">
-                <a:solidFill>
-                  <a:srgbClr val="A90E1A"/>
-                </a:solidFill>
-                <a:latin typeface="Courier" charset="0"/>
-              </a:rPr>
-              <a:t>     | '-' </a:t>
-            </a:r>
-            <a:r>
-              <a:rPr lang="mr-IN" sz="1400" dirty="0" err="1">
-                <a:solidFill>
-                  <a:srgbClr val="A90E1A"/>
-                </a:solidFill>
-                <a:latin typeface="Courier" charset="0"/>
-              </a:rPr>
-              <a:t>exp</a:t>
-            </a:r>
-            <a:r>
-              <a:rPr lang="mr-IN" sz="1400" dirty="0">
-                <a:solidFill>
-                  <a:srgbClr val="A90E1A"/>
-                </a:solidFill>
-                <a:latin typeface="Courier" charset="0"/>
-              </a:rPr>
-              <a:t> </a:t>
-            </a:r>
-            <a:r>
-              <a:rPr lang="mr-IN" sz="1400" dirty="0" err="1">
-                <a:solidFill>
-                  <a:srgbClr val="A90E1A"/>
-                </a:solidFill>
-                <a:latin typeface="Courier" charset="0"/>
-              </a:rPr>
-              <a:t>exp</a:t>
-            </a:r>
-            <a:endParaRPr lang="mr-IN" sz="1400" dirty="0">
-              <a:solidFill>
-                <a:prstClr val="black"/>
-              </a:solidFill>
-              <a:latin typeface="Courier" charset="0"/>
-            </a:endParaRPr>
-          </a:p>
-          <a:p>
-            <a:r>
-              <a:rPr lang="mr-IN" sz="1400" dirty="0">
-                <a:solidFill>
-                  <a:srgbClr val="A90E1A"/>
-                </a:solidFill>
-                <a:latin typeface="Courier" charset="0"/>
-              </a:rPr>
-              <a:t>  </a:t>
-            </a:r>
-            <a:r>
-              <a:rPr lang="en-US" sz="1400" dirty="0">
-                <a:solidFill>
-                  <a:srgbClr val="A90E1A"/>
-                </a:solidFill>
-                <a:latin typeface="Courier" charset="0"/>
-              </a:rPr>
-              <a:t> </a:t>
-            </a:r>
-            <a:r>
-              <a:rPr lang="mr-IN" sz="1400" dirty="0">
-                <a:solidFill>
-                  <a:srgbClr val="A90E1A"/>
-                </a:solidFill>
-                <a:latin typeface="Courier" charset="0"/>
-              </a:rPr>
-              <a:t> </a:t>
-            </a:r>
-            <a:r>
-              <a:rPr lang="en-US" sz="1400" dirty="0">
-                <a:solidFill>
-                  <a:srgbClr val="A90E1A"/>
-                </a:solidFill>
-                <a:latin typeface="Courier" charset="0"/>
-              </a:rPr>
-              <a:t> </a:t>
-            </a:r>
-            <a:r>
-              <a:rPr lang="mr-IN" sz="1400" dirty="0">
-                <a:solidFill>
-                  <a:srgbClr val="A90E1A"/>
-                </a:solidFill>
-                <a:latin typeface="Courier" charset="0"/>
-              </a:rPr>
-              <a:t>     | '(' </a:t>
-            </a:r>
-            <a:r>
-              <a:rPr lang="mr-IN" sz="1400" dirty="0" err="1">
-                <a:solidFill>
-                  <a:srgbClr val="A90E1A"/>
-                </a:solidFill>
-                <a:latin typeface="Courier" charset="0"/>
-              </a:rPr>
-              <a:t>exp</a:t>
-            </a:r>
-            <a:r>
-              <a:rPr lang="mr-IN" sz="1400" dirty="0">
-                <a:solidFill>
-                  <a:srgbClr val="A90E1A"/>
-                </a:solidFill>
-                <a:latin typeface="Courier" charset="0"/>
-              </a:rPr>
-              <a:t> ')'</a:t>
-            </a:r>
-            <a:endParaRPr lang="mr-IN" sz="1400" dirty="0">
-              <a:solidFill>
-                <a:prstClr val="black"/>
-              </a:solidFill>
-              <a:latin typeface="Courier" charset="0"/>
-            </a:endParaRPr>
-          </a:p>
-          <a:p>
-            <a:r>
-              <a:rPr lang="mr-IN" sz="1400" dirty="0">
-                <a:solidFill>
-                  <a:srgbClr val="A90E1A"/>
-                </a:solidFill>
-                <a:latin typeface="Courier" charset="0"/>
-              </a:rPr>
-              <a:t>  </a:t>
-            </a:r>
-            <a:r>
-              <a:rPr lang="en-US" sz="1400" dirty="0">
-                <a:solidFill>
-                  <a:srgbClr val="A90E1A"/>
-                </a:solidFill>
-                <a:latin typeface="Courier" charset="0"/>
-              </a:rPr>
-              <a:t> </a:t>
-            </a:r>
-            <a:r>
-              <a:rPr lang="mr-IN" sz="1400" dirty="0">
-                <a:solidFill>
-                  <a:srgbClr val="A90E1A"/>
-                </a:solidFill>
-                <a:latin typeface="Courier" charset="0"/>
-              </a:rPr>
-              <a:t> </a:t>
-            </a:r>
-            <a:r>
-              <a:rPr lang="en-US" sz="1400" dirty="0">
-                <a:solidFill>
-                  <a:srgbClr val="A90E1A"/>
-                </a:solidFill>
-                <a:latin typeface="Courier" charset="0"/>
-              </a:rPr>
-              <a:t> </a:t>
-            </a:r>
-            <a:r>
-              <a:rPr lang="mr-IN" sz="1400" dirty="0">
-                <a:solidFill>
-                  <a:srgbClr val="A90E1A"/>
-                </a:solidFill>
-                <a:latin typeface="Courier" charset="0"/>
-              </a:rPr>
-              <a:t>     | </a:t>
-            </a:r>
-            <a:r>
-              <a:rPr lang="mr-IN" sz="1400" dirty="0" err="1">
-                <a:solidFill>
-                  <a:srgbClr val="A90E1A"/>
-                </a:solidFill>
-                <a:latin typeface="Courier" charset="0"/>
-              </a:rPr>
-              <a:t>var</a:t>
-            </a:r>
-            <a:endParaRPr lang="mr-IN" sz="1400" dirty="0">
-              <a:solidFill>
-                <a:prstClr val="black"/>
-              </a:solidFill>
-              <a:latin typeface="Courier" charset="0"/>
-            </a:endParaRPr>
-          </a:p>
-          <a:p>
-            <a:r>
-              <a:rPr lang="mr-IN" sz="1400" dirty="0">
-                <a:solidFill>
-                  <a:srgbClr val="A90E1A"/>
-                </a:solidFill>
-                <a:latin typeface="Courier" charset="0"/>
-              </a:rPr>
-              <a:t>  </a:t>
-            </a:r>
-            <a:r>
-              <a:rPr lang="en-US" sz="1400" dirty="0">
-                <a:solidFill>
-                  <a:srgbClr val="A90E1A"/>
-                </a:solidFill>
-                <a:latin typeface="Courier" charset="0"/>
-              </a:rPr>
-              <a:t> </a:t>
-            </a:r>
-            <a:r>
-              <a:rPr lang="mr-IN" sz="1400" dirty="0">
-                <a:solidFill>
-                  <a:srgbClr val="A90E1A"/>
-                </a:solidFill>
-                <a:latin typeface="Courier" charset="0"/>
-              </a:rPr>
-              <a:t> </a:t>
-            </a:r>
-            <a:r>
-              <a:rPr lang="en-US" sz="1400" dirty="0">
-                <a:solidFill>
-                  <a:srgbClr val="A90E1A"/>
-                </a:solidFill>
-                <a:latin typeface="Courier" charset="0"/>
-              </a:rPr>
-              <a:t> </a:t>
-            </a:r>
-            <a:r>
-              <a:rPr lang="mr-IN" sz="1400" dirty="0">
-                <a:solidFill>
-                  <a:srgbClr val="A90E1A"/>
-                </a:solidFill>
-                <a:latin typeface="Courier" charset="0"/>
-              </a:rPr>
-              <a:t>     | </a:t>
-            </a:r>
-            <a:r>
-              <a:rPr lang="mr-IN" sz="1400" dirty="0" err="1">
-                <a:solidFill>
-                  <a:srgbClr val="A90E1A"/>
-                </a:solidFill>
-                <a:latin typeface="Courier" charset="0"/>
-              </a:rPr>
-              <a:t>num</a:t>
-            </a:r>
-            <a:endParaRPr lang="en-US" sz="1400" dirty="0"/>
-          </a:p>
-          <a:p>
-            <a:r>
-              <a:rPr lang="en-US" sz="1400" dirty="0"/>
-              <a:t>    </a:t>
-            </a:r>
-            <a:r>
-              <a:rPr lang="mr-IN" sz="1400" dirty="0"/>
-              <a:t>…</a:t>
-            </a:r>
-            <a:endParaRPr lang="en-US" sz="1400" dirty="0"/>
-          </a:p>
-          <a:p>
-            <a:r>
-              <a:rPr lang="en-US" sz="1400" dirty="0"/>
-              <a:t>   </a:t>
-            </a:r>
-            <a:r>
-              <a:rPr lang="mr-IN" sz="1400" dirty="0">
-                <a:solidFill>
-                  <a:prstClr val="black"/>
-                </a:solidFill>
-                <a:latin typeface="Courier" charset="0"/>
-              </a:rPr>
-              <a:t> </a:t>
-            </a:r>
-            <a:r>
-              <a:rPr lang="mr-IN" sz="1400" dirty="0">
-                <a:solidFill>
-                  <a:srgbClr val="A90E1A"/>
-                </a:solidFill>
-                <a:latin typeface="Courier" charset="0"/>
-              </a:rPr>
-              <a:t>"""</a:t>
-            </a:r>
-            <a:endParaRPr lang="en-US" sz="1400" dirty="0"/>
-          </a:p>
-        </p:txBody>
-      </p:sp>
-      <p:sp>
-        <p:nvSpPr>
-          <p:cNvPr id="5" name="TextBox 4"/>
-          <p:cNvSpPr txBox="1"/>
-          <p:nvPr/>
-        </p:nvSpPr>
-        <p:spPr>
-          <a:xfrm>
-            <a:off x="5130800" y="2362200"/>
-            <a:ext cx="2440092" cy="3539430"/>
-          </a:xfrm>
-          <a:prstGeom prst="rect">
-            <a:avLst/>
-          </a:prstGeom>
-          <a:noFill/>
-          <a:ln>
-            <a:solidFill>
-              <a:schemeClr val="tx1"/>
-            </a:solidFill>
-          </a:ln>
-        </p:spPr>
-        <p:txBody>
-          <a:bodyPr wrap="none" rtlCol="0">
-            <a:spAutoFit/>
-          </a:bodyPr>
-          <a:lstStyle/>
-          <a:p>
-            <a:r>
-              <a:rPr lang="mr-IN" sz="1400" b="1" dirty="0" err="1">
-                <a:solidFill>
-                  <a:srgbClr val="0F7001"/>
-                </a:solidFill>
-                <a:latin typeface="Courier-Bold" charset="0"/>
-              </a:rPr>
-              <a:t>def</a:t>
-            </a:r>
-            <a:r>
-              <a:rPr lang="mr-IN" sz="1400" dirty="0">
-                <a:solidFill>
-                  <a:prstClr val="black"/>
-                </a:solidFill>
-                <a:latin typeface="Courier" charset="0"/>
-              </a:rPr>
-              <a:t> </a:t>
-            </a:r>
-            <a:r>
-              <a:rPr lang="mr-IN" sz="1400" dirty="0" err="1">
-                <a:solidFill>
-                  <a:srgbClr val="0000FF"/>
-                </a:solidFill>
-                <a:latin typeface="Courier" charset="0"/>
-              </a:rPr>
-              <a:t>p_exp</a:t>
-            </a:r>
-            <a:r>
-              <a:rPr lang="mr-IN" sz="1400" dirty="0">
-                <a:solidFill>
-                  <a:prstClr val="black"/>
-                </a:solidFill>
-                <a:latin typeface="Courier" charset="0"/>
-              </a:rPr>
-              <a:t>(_):</a:t>
-            </a:r>
-          </a:p>
-          <a:p>
-            <a:r>
-              <a:rPr lang="mr-IN" sz="1400" dirty="0">
-                <a:solidFill>
-                  <a:prstClr val="black"/>
-                </a:solidFill>
-                <a:latin typeface="Courier" charset="0"/>
-              </a:rPr>
-              <a:t>    </a:t>
-            </a:r>
-            <a:r>
-              <a:rPr lang="mr-IN" sz="1400" dirty="0">
-                <a:solidFill>
-                  <a:srgbClr val="A90E1A"/>
-                </a:solidFill>
-                <a:latin typeface="Courier" charset="0"/>
-              </a:rPr>
-              <a:t>'''</a:t>
-            </a:r>
-            <a:endParaRPr lang="mr-IN" sz="1400" dirty="0">
-              <a:solidFill>
-                <a:prstClr val="black"/>
-              </a:solidFill>
-              <a:latin typeface="Courier" charset="0"/>
-            </a:endParaRPr>
-          </a:p>
-          <a:p>
-            <a:r>
-              <a:rPr lang="mr-IN" sz="1400" dirty="0">
-                <a:solidFill>
-                  <a:srgbClr val="A90E1A"/>
-                </a:solidFill>
-                <a:latin typeface="Courier" charset="0"/>
-              </a:rPr>
-              <a:t>    </a:t>
-            </a:r>
-            <a:r>
-              <a:rPr lang="mr-IN" sz="1400" dirty="0" err="1">
-                <a:solidFill>
-                  <a:srgbClr val="A90E1A"/>
-                </a:solidFill>
-                <a:latin typeface="Courier" charset="0"/>
-              </a:rPr>
-              <a:t>exp</a:t>
-            </a:r>
-            <a:r>
-              <a:rPr lang="mr-IN" sz="1400" dirty="0">
-                <a:solidFill>
-                  <a:srgbClr val="A90E1A"/>
-                </a:solidFill>
-                <a:latin typeface="Courier" charset="0"/>
-              </a:rPr>
-              <a:t> : '+' </a:t>
-            </a:r>
-            <a:r>
-              <a:rPr lang="mr-IN" sz="1400" dirty="0" err="1">
-                <a:solidFill>
-                  <a:srgbClr val="A90E1A"/>
-                </a:solidFill>
-                <a:latin typeface="Courier" charset="0"/>
-              </a:rPr>
-              <a:t>exp</a:t>
-            </a:r>
-            <a:r>
-              <a:rPr lang="mr-IN" sz="1400" dirty="0">
-                <a:solidFill>
-                  <a:srgbClr val="A90E1A"/>
-                </a:solidFill>
-                <a:latin typeface="Courier" charset="0"/>
-              </a:rPr>
-              <a:t> </a:t>
-            </a:r>
-            <a:r>
-              <a:rPr lang="mr-IN" sz="1400" dirty="0" err="1">
-                <a:solidFill>
-                  <a:srgbClr val="A90E1A"/>
-                </a:solidFill>
-                <a:latin typeface="Courier" charset="0"/>
-              </a:rPr>
-              <a:t>exp</a:t>
-            </a:r>
-            <a:endParaRPr lang="mr-IN" sz="1400" dirty="0">
-              <a:solidFill>
-                <a:prstClr val="black"/>
-              </a:solidFill>
-              <a:latin typeface="Courier" charset="0"/>
-            </a:endParaRPr>
-          </a:p>
-          <a:p>
-            <a:r>
-              <a:rPr lang="mr-IN" sz="1400" dirty="0">
-                <a:solidFill>
-                  <a:srgbClr val="A90E1A"/>
-                </a:solidFill>
-                <a:latin typeface="Courier" charset="0"/>
-              </a:rPr>
-              <a:t>        | '-' </a:t>
-            </a:r>
-            <a:r>
-              <a:rPr lang="mr-IN" sz="1400" dirty="0" err="1">
-                <a:solidFill>
-                  <a:srgbClr val="A90E1A"/>
-                </a:solidFill>
-                <a:latin typeface="Courier" charset="0"/>
-              </a:rPr>
-              <a:t>exp</a:t>
-            </a:r>
-            <a:r>
-              <a:rPr lang="mr-IN" sz="1400" dirty="0">
-                <a:solidFill>
-                  <a:srgbClr val="A90E1A"/>
-                </a:solidFill>
-                <a:latin typeface="Courier" charset="0"/>
-              </a:rPr>
-              <a:t> </a:t>
-            </a:r>
-            <a:r>
-              <a:rPr lang="mr-IN" sz="1400" dirty="0" err="1">
-                <a:solidFill>
-                  <a:srgbClr val="A90E1A"/>
-                </a:solidFill>
-                <a:latin typeface="Courier" charset="0"/>
-              </a:rPr>
-              <a:t>exp</a:t>
-            </a:r>
-            <a:endParaRPr lang="mr-IN" sz="1400" dirty="0">
-              <a:solidFill>
-                <a:prstClr val="black"/>
-              </a:solidFill>
-              <a:latin typeface="Courier" charset="0"/>
-            </a:endParaRPr>
-          </a:p>
-          <a:p>
-            <a:r>
-              <a:rPr lang="mr-IN" sz="1400" dirty="0">
-                <a:solidFill>
-                  <a:srgbClr val="A90E1A"/>
-                </a:solidFill>
-                <a:latin typeface="Courier" charset="0"/>
-              </a:rPr>
-              <a:t>        | '(' </a:t>
-            </a:r>
-            <a:r>
-              <a:rPr lang="mr-IN" sz="1400" dirty="0" err="1">
-                <a:solidFill>
-                  <a:srgbClr val="A90E1A"/>
-                </a:solidFill>
-                <a:latin typeface="Courier" charset="0"/>
-              </a:rPr>
-              <a:t>exp</a:t>
-            </a:r>
-            <a:r>
-              <a:rPr lang="mr-IN" sz="1400" dirty="0">
-                <a:solidFill>
-                  <a:srgbClr val="A90E1A"/>
-                </a:solidFill>
-                <a:latin typeface="Courier" charset="0"/>
-              </a:rPr>
-              <a:t> ')'</a:t>
-            </a:r>
-            <a:endParaRPr lang="mr-IN" sz="1400" dirty="0">
-              <a:solidFill>
-                <a:prstClr val="black"/>
-              </a:solidFill>
-              <a:latin typeface="Courier" charset="0"/>
-            </a:endParaRPr>
-          </a:p>
-          <a:p>
-            <a:r>
-              <a:rPr lang="mr-IN" sz="1400" dirty="0">
-                <a:solidFill>
-                  <a:srgbClr val="A90E1A"/>
-                </a:solidFill>
-                <a:latin typeface="Courier" charset="0"/>
-              </a:rPr>
-              <a:t>        | </a:t>
-            </a:r>
-            <a:r>
-              <a:rPr lang="mr-IN" sz="1400" dirty="0" err="1">
-                <a:solidFill>
-                  <a:srgbClr val="A90E1A"/>
-                </a:solidFill>
-                <a:latin typeface="Courier" charset="0"/>
-              </a:rPr>
-              <a:t>num</a:t>
-            </a:r>
-            <a:endParaRPr lang="mr-IN" sz="1400" dirty="0">
-              <a:solidFill>
-                <a:prstClr val="black"/>
-              </a:solidFill>
-              <a:latin typeface="Courier" charset="0"/>
-            </a:endParaRPr>
-          </a:p>
-          <a:p>
-            <a:r>
-              <a:rPr lang="mr-IN" sz="1400" dirty="0">
-                <a:solidFill>
-                  <a:srgbClr val="A90E1A"/>
-                </a:solidFill>
-                <a:latin typeface="Courier" charset="0"/>
-              </a:rPr>
-              <a:t>    '''</a:t>
-            </a:r>
-            <a:endParaRPr lang="mr-IN" sz="1400" dirty="0">
-              <a:solidFill>
-                <a:prstClr val="black"/>
-              </a:solidFill>
-              <a:latin typeface="Courier" charset="0"/>
-            </a:endParaRPr>
-          </a:p>
-          <a:p>
-            <a:r>
-              <a:rPr lang="mr-IN" sz="1400" dirty="0">
-                <a:solidFill>
-                  <a:prstClr val="black"/>
-                </a:solidFill>
-                <a:latin typeface="Courier" charset="0"/>
-              </a:rPr>
-              <a:t>    </a:t>
-            </a:r>
-            <a:r>
-              <a:rPr lang="mr-IN" sz="1400" b="1" dirty="0" err="1">
-                <a:solidFill>
-                  <a:srgbClr val="0F7001"/>
-                </a:solidFill>
-                <a:latin typeface="Courier-Bold" charset="0"/>
-              </a:rPr>
-              <a:t>pass</a:t>
-            </a:r>
-            <a:endParaRPr lang="mr-IN" sz="1400" dirty="0">
-              <a:solidFill>
-                <a:prstClr val="black"/>
-              </a:solidFill>
-              <a:latin typeface="Courier" charset="0"/>
-            </a:endParaRPr>
-          </a:p>
-          <a:p>
-            <a:endParaRPr lang="mr-IN" sz="1400" dirty="0">
-              <a:solidFill>
-                <a:prstClr val="black"/>
-              </a:solidFill>
-              <a:latin typeface="Courier" charset="0"/>
-            </a:endParaRPr>
-          </a:p>
-          <a:p>
-            <a:r>
-              <a:rPr lang="en-US" sz="1400" b="1" dirty="0" err="1">
-                <a:solidFill>
-                  <a:srgbClr val="0F7001"/>
-                </a:solidFill>
-                <a:latin typeface="Courier-Bold" charset="0"/>
-              </a:rPr>
-              <a:t>def</a:t>
-            </a:r>
-            <a:r>
-              <a:rPr lang="en-US" sz="1400" dirty="0">
-                <a:solidFill>
-                  <a:prstClr val="black"/>
-                </a:solidFill>
-                <a:latin typeface="Courier" charset="0"/>
-              </a:rPr>
-              <a:t> </a:t>
-            </a:r>
-            <a:r>
-              <a:rPr lang="en-US" sz="1400" dirty="0" err="1">
-                <a:solidFill>
-                  <a:srgbClr val="0000FF"/>
-                </a:solidFill>
-                <a:latin typeface="Courier" charset="0"/>
-              </a:rPr>
-              <a:t>p_exp_var</a:t>
-            </a:r>
-            <a:r>
-              <a:rPr lang="en-US" sz="1400" dirty="0">
-                <a:solidFill>
-                  <a:prstClr val="black"/>
-                </a:solidFill>
-                <a:latin typeface="Courier" charset="0"/>
-              </a:rPr>
-              <a:t>(_):</a:t>
-            </a:r>
-          </a:p>
-          <a:p>
-            <a:r>
-              <a:rPr lang="mr-IN" sz="1400" dirty="0">
-                <a:solidFill>
-                  <a:prstClr val="black"/>
-                </a:solidFill>
-                <a:latin typeface="Courier" charset="0"/>
-              </a:rPr>
-              <a:t>    </a:t>
-            </a:r>
-            <a:r>
-              <a:rPr lang="mr-IN" sz="1400" dirty="0">
-                <a:solidFill>
-                  <a:srgbClr val="A90E1A"/>
-                </a:solidFill>
-                <a:latin typeface="Courier" charset="0"/>
-              </a:rPr>
-              <a:t>'''</a:t>
-            </a:r>
-            <a:endParaRPr lang="mr-IN" sz="1400" dirty="0">
-              <a:solidFill>
-                <a:prstClr val="black"/>
-              </a:solidFill>
-              <a:latin typeface="Courier" charset="0"/>
-            </a:endParaRPr>
-          </a:p>
-          <a:p>
-            <a:r>
-              <a:rPr lang="ro-RO" sz="1400" dirty="0">
-                <a:solidFill>
-                  <a:srgbClr val="A90E1A"/>
-                </a:solidFill>
-                <a:latin typeface="Courier" charset="0"/>
-              </a:rPr>
-              <a:t>    </a:t>
-            </a:r>
-            <a:r>
-              <a:rPr lang="ro-RO" sz="1400" dirty="0" err="1">
-                <a:solidFill>
-                  <a:srgbClr val="A90E1A"/>
-                </a:solidFill>
-                <a:latin typeface="Courier" charset="0"/>
-              </a:rPr>
-              <a:t>exp</a:t>
-            </a:r>
-            <a:r>
-              <a:rPr lang="ro-RO" sz="1400" dirty="0">
-                <a:solidFill>
-                  <a:srgbClr val="A90E1A"/>
-                </a:solidFill>
-                <a:latin typeface="Courier" charset="0"/>
-              </a:rPr>
-              <a:t> : var</a:t>
-            </a:r>
-            <a:endParaRPr lang="ro-RO" sz="1400" dirty="0">
-              <a:solidFill>
-                <a:prstClr val="black"/>
-              </a:solidFill>
-              <a:latin typeface="Courier" charset="0"/>
-            </a:endParaRPr>
-          </a:p>
-          <a:p>
-            <a:r>
-              <a:rPr lang="mr-IN" sz="1400" dirty="0">
-                <a:solidFill>
-                  <a:srgbClr val="A90E1A"/>
-                </a:solidFill>
-                <a:latin typeface="Courier" charset="0"/>
-              </a:rPr>
-              <a:t>    '''</a:t>
-            </a:r>
-            <a:endParaRPr lang="mr-IN" sz="1400" dirty="0">
-              <a:solidFill>
-                <a:prstClr val="black"/>
-              </a:solidFill>
-              <a:latin typeface="Courier" charset="0"/>
-            </a:endParaRPr>
-          </a:p>
-          <a:p>
-            <a:r>
-              <a:rPr lang="en-US" sz="1400" dirty="0">
-                <a:solidFill>
-                  <a:prstClr val="black"/>
-                </a:solidFill>
-                <a:latin typeface="Courier" charset="0"/>
-              </a:rPr>
-              <a:t>    </a:t>
-            </a:r>
-            <a:r>
-              <a:rPr lang="en-US" sz="1400" b="1" dirty="0">
-                <a:solidFill>
-                  <a:srgbClr val="0F7001"/>
-                </a:solidFill>
-                <a:latin typeface="Courier-Bold" charset="0"/>
-              </a:rPr>
-              <a:t>global</a:t>
-            </a:r>
-            <a:r>
-              <a:rPr lang="en-US" sz="1400" dirty="0">
-                <a:solidFill>
-                  <a:prstClr val="black"/>
-                </a:solidFill>
-                <a:latin typeface="Courier" charset="0"/>
-              </a:rPr>
-              <a:t> count</a:t>
-            </a:r>
-          </a:p>
-          <a:p>
-            <a:r>
-              <a:rPr lang="en-US" sz="1400" dirty="0">
-                <a:solidFill>
-                  <a:prstClr val="black"/>
-                </a:solidFill>
-                <a:latin typeface="Courier" charset="0"/>
-              </a:rPr>
-              <a:t>    count += </a:t>
-            </a:r>
-            <a:r>
-              <a:rPr lang="en-US" sz="1400" dirty="0">
-                <a:solidFill>
-                  <a:srgbClr val="107902"/>
-                </a:solidFill>
-                <a:latin typeface="Courier" charset="0"/>
-              </a:rPr>
-              <a:t>1</a:t>
-            </a:r>
-            <a:endParaRPr lang="en-US" sz="1400" dirty="0">
-              <a:solidFill>
-                <a:prstClr val="black"/>
-              </a:solidFill>
-              <a:latin typeface="Courier" charset="0"/>
-            </a:endParaRPr>
-          </a:p>
-          <a:p>
-            <a:endParaRPr lang="en-US" sz="1400" dirty="0"/>
-          </a:p>
-        </p:txBody>
-      </p:sp>
-      <p:sp>
-        <p:nvSpPr>
-          <p:cNvPr id="6" name="Right Arrow 5"/>
-          <p:cNvSpPr/>
-          <p:nvPr/>
-        </p:nvSpPr>
-        <p:spPr bwMode="auto">
-          <a:xfrm>
-            <a:off x="3657600" y="3314700"/>
-            <a:ext cx="762000" cy="457200"/>
-          </a:xfrm>
-          <a:prstGeom prst="rightArrow">
-            <a:avLst/>
-          </a:prstGeom>
-          <a:solidFill>
-            <a:srgbClr val="FF0000"/>
-          </a:solidFill>
-          <a:ln w="9525" cap="flat" cmpd="sng" algn="ctr">
-            <a:solidFill>
-              <a:schemeClr val="tx1"/>
-            </a:solidFill>
-            <a:prstDash val="solid"/>
-            <a:round/>
-            <a:headEnd type="none" w="med" len="med"/>
-            <a:tailEnd type="none" w="med" len="med"/>
-          </a:ln>
-          <a:effectLst/>
-          <a:extLst>
-            <a:ext uri="{AF507438-7753-43e0-B8FC-AC1667EBCBE1}">
-              <a14:hiddenEffects xmlns="" xmlns:a14="http://schemas.microsoft.com/office/drawing/2010/main">
-                <a:effectLst>
-                  <a:outerShdw blurRad="63500" dist="38099" dir="2700000" algn="ctr" rotWithShape="0">
-                    <a:schemeClr val="bg2">
-                      <a:alpha val="74998"/>
-                    </a:schemeClr>
-                  </a:outerShdw>
-                </a:effectLst>
-              </a14:hiddenEffects>
-            </a:ext>
-          </a:extLst>
-        </p:spPr>
-        <p:txBody>
-          <a:bodyPr vert="horz" wrap="square" lIns="91440" tIns="45720" rIns="91440" bIns="45720" numCol="1" rtlCol="0" anchor="t" anchorCtr="0" compatLnSpc="1">
-            <a:prstTxWarp prst="textNoShape">
-              <a:avLst/>
-            </a:prstTxWarp>
-          </a:bodyPr>
-          <a:lstStyle/>
-          <a:p>
-            <a:pPr marL="0" marR="0" indent="0" algn="l" defTabSz="914400" rtl="0" eaLnBrk="0" fontAlgn="base" latinLnBrk="0" hangingPunct="0">
-              <a:lnSpc>
-                <a:spcPct val="100000"/>
-              </a:lnSpc>
-              <a:spcBef>
-                <a:spcPct val="0"/>
-              </a:spcBef>
-              <a:spcAft>
-                <a:spcPct val="0"/>
-              </a:spcAft>
-              <a:buClrTx/>
-              <a:buSzTx/>
-              <a:buFontTx/>
-              <a:buNone/>
-              <a:tabLst/>
-            </a:pPr>
-            <a:endParaRPr kumimoji="0" lang="en-US" sz="2400" b="0" i="0" u="none" strike="noStrike" cap="none" normalizeH="0" baseline="0">
-              <a:ln>
-                <a:noFill/>
-              </a:ln>
-              <a:solidFill>
-                <a:srgbClr val="000000"/>
-              </a:solidFill>
-              <a:effectLst/>
-              <a:latin typeface="Arial" charset="0"/>
-              <a:ea typeface="ＭＳ Ｐゴシック" charset="0"/>
-              <a:cs typeface="ＭＳ Ｐゴシック" charset="0"/>
-            </a:endParaRPr>
-          </a:p>
-        </p:txBody>
-      </p:sp>
-      <p:cxnSp>
-        <p:nvCxnSpPr>
-          <p:cNvPr id="8" name="Straight Arrow Connector 7"/>
-          <p:cNvCxnSpPr/>
-          <p:nvPr/>
-        </p:nvCxnSpPr>
-        <p:spPr bwMode="auto">
-          <a:xfrm flipV="1">
-            <a:off x="3733800" y="4000500"/>
-            <a:ext cx="1600200" cy="762000"/>
-          </a:xfrm>
-          <a:prstGeom prst="straightConnector1">
-            <a:avLst/>
-          </a:prstGeom>
-          <a:solidFill>
-            <a:schemeClr val="accent1"/>
-          </a:solidFill>
-          <a:ln w="9525" cap="flat" cmpd="sng" algn="ctr">
-            <a:solidFill>
-              <a:schemeClr val="tx1"/>
-            </a:solidFill>
-            <a:prstDash val="solid"/>
-            <a:round/>
-            <a:headEnd type="none" w="med" len="med"/>
-            <a:tailEnd type="triangle"/>
-          </a:ln>
-          <a:effectLst/>
-          <a:extLst>
-            <a:ext uri="{AF507438-7753-43e0-B8FC-AC1667EBCBE1}">
-              <a14:hiddenEffects xmlns="" xmlns:a14="http://schemas.microsoft.com/office/drawing/2010/main">
-                <a:effectLst>
-                  <a:outerShdw blurRad="63500" dist="38099" dir="2700000" algn="ctr" rotWithShape="0">
-                    <a:schemeClr val="bg2">
-                      <a:alpha val="74998"/>
-                    </a:schemeClr>
-                  </a:outerShdw>
-                </a:effectLst>
-              </a14:hiddenEffects>
-            </a:ext>
-          </a:extLst>
-        </p:spPr>
-      </p:cxnSp>
-      <p:cxnSp>
-        <p:nvCxnSpPr>
-          <p:cNvPr id="10" name="Straight Arrow Connector 9"/>
-          <p:cNvCxnSpPr/>
-          <p:nvPr/>
-        </p:nvCxnSpPr>
-        <p:spPr bwMode="auto">
-          <a:xfrm>
-            <a:off x="3733800" y="4762500"/>
-            <a:ext cx="1600200" cy="533400"/>
-          </a:xfrm>
-          <a:prstGeom prst="straightConnector1">
-            <a:avLst/>
-          </a:prstGeom>
-          <a:solidFill>
-            <a:schemeClr val="accent1"/>
-          </a:solidFill>
-          <a:ln w="9525" cap="flat" cmpd="sng" algn="ctr">
-            <a:solidFill>
-              <a:schemeClr val="tx1"/>
-            </a:solidFill>
-            <a:prstDash val="solid"/>
-            <a:round/>
-            <a:headEnd type="none" w="med" len="med"/>
-            <a:tailEnd type="triangle"/>
-          </a:ln>
-          <a:effectLst/>
-          <a:extLst>
-            <a:ext uri="{AF507438-7753-43e0-B8FC-AC1667EBCBE1}">
-              <a14:hiddenEffects xmlns="" xmlns:a14="http://schemas.microsoft.com/office/drawing/2010/main">
-                <a:effectLst>
-                  <a:outerShdw blurRad="63500" dist="38099" dir="2700000" algn="ctr" rotWithShape="0">
-                    <a:schemeClr val="bg2">
-                      <a:alpha val="74998"/>
-                    </a:schemeClr>
-                  </a:outerShdw>
-                </a:effectLst>
-              </a14:hiddenEffects>
-            </a:ext>
-          </a:extLst>
-        </p:spPr>
-      </p:cxnSp>
-      <p:sp>
-        <p:nvSpPr>
-          <p:cNvPr id="11" name="TextBox 10"/>
-          <p:cNvSpPr txBox="1"/>
-          <p:nvPr/>
-        </p:nvSpPr>
-        <p:spPr>
-          <a:xfrm>
-            <a:off x="2960831" y="4610100"/>
-            <a:ext cx="772969" cy="307777"/>
-          </a:xfrm>
-          <a:prstGeom prst="rect">
-            <a:avLst/>
-          </a:prstGeom>
-          <a:noFill/>
-        </p:spPr>
-        <p:txBody>
-          <a:bodyPr wrap="none" rtlCol="0">
-            <a:spAutoFit/>
-          </a:bodyPr>
-          <a:lstStyle/>
-          <a:p>
-            <a:r>
-              <a:rPr lang="en-US" sz="1400"/>
-              <a:t>Actions</a:t>
-            </a:r>
+              <a:rPr lang="en-US" dirty="0"/>
+              <a:t>Making the generated parser do something useful.</a:t>
+            </a:r>
+          </a:p>
+          <a:p>
+            <a:r>
+              <a:rPr lang="en-US" dirty="0"/>
+              <a:t>In the hand-coded parser you can add code anywhere in order to make the parser do something useful…</a:t>
+            </a:r>
+          </a:p>
+          <a:p>
+            <a:r>
+              <a:rPr lang="en-US" dirty="0"/>
+              <a:t>In parsers generated by parser generators we use something called ‘actions’ we insert into the grammar.</a:t>
+            </a:r>
+          </a:p>
+          <a:p>
+            <a:r>
+              <a:rPr lang="en-US" dirty="0"/>
+              <a:t>In Ply actions are inserted into the grammar specification as Python code.</a:t>
+            </a:r>
+          </a:p>
+          <a:p>
+            <a:r>
+              <a:rPr lang="en-US" dirty="0"/>
+              <a:t>Details in the PLY documentation and the book.</a:t>
+            </a:r>
+          </a:p>
+          <a:p>
+            <a:pPr lvl="1"/>
+            <a:endParaRPr lang="en-US" dirty="0"/>
           </a:p>
         </p:txBody>
       </p:sp>
     </p:spTree>
     <p:extLst>
       <p:ext uri="{BB962C8B-B14F-4D97-AF65-F5344CB8AC3E}">
-        <p14:creationId xmlns:p14="http://schemas.microsoft.com/office/powerpoint/2010/main" val="2005906718"/>
+        <p14:creationId xmlns:p14="http://schemas.microsoft.com/office/powerpoint/2010/main" val="2038527249"/>
       </p:ext>
     </p:extLst>
   </p:cSld>
@@ -10948,7 +9027,13 @@
       </p:grpSpPr>
       <p:sp>
         <p:nvSpPr>
-          <p:cNvPr id="2" name="Title 1"/>
+          <p:cNvPr id="2" name="Title 1">
+            <a:extLst>
+              <a:ext uri="{FF2B5EF4-FFF2-40B4-BE49-F238E27FC236}">
+                <a16:creationId xmlns:a16="http://schemas.microsoft.com/office/drawing/2014/main" id="{7CD063EE-A391-AA48-8170-F27C66766916}"/>
+              </a:ext>
+            </a:extLst>
+          </p:cNvPr>
           <p:cNvSpPr>
             <a:spLocks noGrp="1"/>
           </p:cNvSpPr>
@@ -10963,236 +9048,87 @@
           <a:p>
             <a:r>
               <a:rPr lang="en-US" dirty="0"/>
-              <a:t>Actions</a:t>
+              <a:t>Conflicts</a:t>
             </a:r>
           </a:p>
         </p:txBody>
       </p:sp>
       <p:sp>
         <p:nvSpPr>
-          <p:cNvPr id="3" name="TextBox 2">
+          <p:cNvPr id="3" name="Content Placeholder 2">
             <a:extLst>
               <a:ext uri="{FF2B5EF4-FFF2-40B4-BE49-F238E27FC236}">
-                <a16:creationId xmlns:a16="http://schemas.microsoft.com/office/drawing/2014/main" id="{732BB173-4BE2-5B4B-A724-1469ECDE4306}"/>
+                <a16:creationId xmlns:a16="http://schemas.microsoft.com/office/drawing/2014/main" id="{BBA69673-1857-1E4E-A0CD-858143D5F496}"/>
               </a:ext>
             </a:extLst>
           </p:cNvPr>
-          <p:cNvSpPr txBox="1"/>
-          <p:nvPr/>
+          <p:cNvSpPr>
+            <a:spLocks noGrp="1"/>
+          </p:cNvSpPr>
+          <p:nvPr>
+            <p:ph idx="1"/>
+          </p:nvPr>
         </p:nvSpPr>
-        <p:spPr>
-          <a:xfrm>
-            <a:off x="457200" y="1524000"/>
-            <a:ext cx="6250429" cy="2862322"/>
-          </a:xfrm>
-          <a:prstGeom prst="rect">
-            <a:avLst/>
-          </a:prstGeom>
-          <a:noFill/>
-          <a:ln>
-            <a:solidFill>
-              <a:schemeClr val="tx1"/>
-            </a:solidFill>
-          </a:ln>
-        </p:spPr>
+        <p:spPr/>
         <p:txBody>
-          <a:bodyPr wrap="none" rtlCol="0">
-            <a:spAutoFit/>
-          </a:bodyPr>
+          <a:bodyPr/>
           <a:lstStyle/>
           <a:p>
             <a:r>
-              <a:rPr lang="en-US" sz="1800" dirty="0">
-                <a:latin typeface="Courier" pitchFamily="2" charset="0"/>
-              </a:rPr>
-              <a:t>$ python3 </a:t>
-            </a:r>
-            <a:r>
-              <a:rPr lang="en-US" sz="1800" dirty="0" err="1">
-                <a:latin typeface="Courier" pitchFamily="2" charset="0"/>
-              </a:rPr>
-              <a:t>count.py</a:t>
-            </a:r>
-            <a:r>
-              <a:rPr lang="en-US" sz="1800" dirty="0">
-                <a:latin typeface="Courier" pitchFamily="2" charset="0"/>
-              </a:rPr>
-              <a:t> </a:t>
-            </a:r>
-          </a:p>
-          <a:p>
-            <a:r>
-              <a:rPr lang="en-US" sz="1800" dirty="0">
-                <a:latin typeface="Courier" pitchFamily="2" charset="0"/>
-              </a:rPr>
-              <a:t>WARNING: Token 'DUMMY' defined, but not used</a:t>
-            </a:r>
-          </a:p>
-          <a:p>
-            <a:r>
-              <a:rPr lang="en-US" sz="1800" dirty="0">
-                <a:latin typeface="Courier" pitchFamily="2" charset="0"/>
-              </a:rPr>
-              <a:t>WARNING: There is 1 unused token</a:t>
-            </a:r>
-          </a:p>
-          <a:p>
-            <a:r>
-              <a:rPr lang="en-US" sz="1800" dirty="0">
-                <a:latin typeface="Courier" pitchFamily="2" charset="0"/>
-              </a:rPr>
-              <a:t>Generating LALR tables</a:t>
-            </a:r>
-          </a:p>
-          <a:p>
-            <a:r>
-              <a:rPr lang="en-US" sz="1800" dirty="0">
-                <a:latin typeface="Courier" pitchFamily="2" charset="0"/>
-              </a:rPr>
-              <a:t>p + x y;</a:t>
-            </a:r>
-          </a:p>
-          <a:p>
-            <a:r>
-              <a:rPr lang="en-US" sz="1800" dirty="0">
-                <a:latin typeface="Courier" pitchFamily="2" charset="0"/>
-              </a:rPr>
-              <a:t>^D</a:t>
-            </a:r>
-          </a:p>
-          <a:p>
-            <a:r>
-              <a:rPr lang="en-US" sz="1800" dirty="0">
-                <a:latin typeface="Courier" pitchFamily="2" charset="0"/>
-              </a:rPr>
-              <a:t>count = 2</a:t>
-            </a:r>
-          </a:p>
-          <a:p>
-            <a:r>
-              <a:rPr lang="en-US" sz="1800" dirty="0">
-                <a:latin typeface="Courier" pitchFamily="2" charset="0"/>
-              </a:rPr>
-              <a:t>Done.</a:t>
-            </a:r>
-          </a:p>
-          <a:p>
-            <a:r>
-              <a:rPr lang="en-US" sz="1800" dirty="0">
-                <a:latin typeface="Courier" pitchFamily="2" charset="0"/>
-              </a:rPr>
-              <a:t>$ </a:t>
-            </a:r>
-          </a:p>
-          <a:p>
-            <a:endParaRPr lang="en-US" sz="1800" dirty="0">
-              <a:latin typeface="Courier" pitchFamily="2" charset="0"/>
-            </a:endParaRPr>
-          </a:p>
-        </p:txBody>
-      </p:sp>
-      <p:sp>
-        <p:nvSpPr>
-          <p:cNvPr id="5" name="TextBox 4">
-            <a:extLst>
-              <a:ext uri="{FF2B5EF4-FFF2-40B4-BE49-F238E27FC236}">
-                <a16:creationId xmlns:a16="http://schemas.microsoft.com/office/drawing/2014/main" id="{3DBF2BF2-7A32-174F-8F3A-082EF0D36E8E}"/>
-              </a:ext>
-            </a:extLst>
-          </p:cNvPr>
-          <p:cNvSpPr txBox="1"/>
-          <p:nvPr/>
-        </p:nvSpPr>
-        <p:spPr>
-          <a:xfrm>
-            <a:off x="5486400" y="3886200"/>
-            <a:ext cx="2666114" cy="2031325"/>
-          </a:xfrm>
-          <a:prstGeom prst="rect">
-            <a:avLst/>
-          </a:prstGeom>
-          <a:solidFill>
-            <a:schemeClr val="bg1"/>
-          </a:solidFill>
-          <a:ln>
-            <a:solidFill>
-              <a:schemeClr val="tx1"/>
-            </a:solidFill>
-          </a:ln>
-        </p:spPr>
-        <p:txBody>
-          <a:bodyPr wrap="none" rtlCol="0">
-            <a:spAutoFit/>
-          </a:bodyPr>
-          <a:lstStyle/>
-          <a:p>
-            <a:r>
-              <a:rPr lang="en-US" sz="1800" dirty="0">
-                <a:latin typeface="Courier" pitchFamily="2" charset="0"/>
-              </a:rPr>
-              <a:t>$ python3 </a:t>
-            </a:r>
-            <a:r>
-              <a:rPr lang="en-US" sz="1800" dirty="0" err="1">
-                <a:latin typeface="Courier" pitchFamily="2" charset="0"/>
-              </a:rPr>
-              <a:t>count.py</a:t>
-            </a:r>
-            <a:endParaRPr lang="en-US" sz="1800" dirty="0">
-              <a:latin typeface="Courier" pitchFamily="2" charset="0"/>
-            </a:endParaRPr>
-          </a:p>
-          <a:p>
-            <a:r>
-              <a:rPr lang="en-US" sz="1800" dirty="0">
-                <a:latin typeface="Courier" pitchFamily="2" charset="0"/>
-              </a:rPr>
-              <a:t>s x 1;</a:t>
-            </a:r>
-          </a:p>
-          <a:p>
-            <a:r>
-              <a:rPr lang="en-US" sz="1800" dirty="0">
-                <a:latin typeface="Courier" pitchFamily="2" charset="0"/>
-              </a:rPr>
-              <a:t>^D</a:t>
-            </a:r>
-          </a:p>
-          <a:p>
-            <a:r>
-              <a:rPr lang="en-US" sz="1800" dirty="0">
-                <a:latin typeface="Courier" pitchFamily="2" charset="0"/>
-              </a:rPr>
-              <a:t>count = 0</a:t>
-            </a:r>
-          </a:p>
-          <a:p>
-            <a:r>
-              <a:rPr lang="en-US" sz="1800" dirty="0">
-                <a:latin typeface="Courier" pitchFamily="2" charset="0"/>
-              </a:rPr>
-              <a:t>Done.</a:t>
-            </a:r>
-          </a:p>
-          <a:p>
-            <a:r>
-              <a:rPr lang="en-US" sz="1800" dirty="0">
-                <a:latin typeface="Courier" pitchFamily="2" charset="0"/>
-              </a:rPr>
-              <a:t>$ </a:t>
-            </a:r>
-          </a:p>
-          <a:p>
-            <a:endParaRPr lang="en-US" sz="1800" dirty="0">
-              <a:latin typeface="Courier" pitchFamily="2" charset="0"/>
-            </a:endParaRPr>
+              <a:rPr lang="en-US" b="1" dirty="0"/>
+              <a:t>Bottom-up parsers </a:t>
+            </a:r>
+            <a:r>
+              <a:rPr lang="en-US" dirty="0"/>
+              <a:t>take a </a:t>
+            </a:r>
+            <a:r>
+              <a:rPr lang="en-US" b="1" dirty="0"/>
+              <a:t>global view</a:t>
+            </a:r>
+            <a:r>
+              <a:rPr lang="en-US" dirty="0"/>
+              <a:t> of the grammar – they search the right sides of </a:t>
+            </a:r>
+            <a:r>
+              <a:rPr lang="en-US" i="1" dirty="0"/>
+              <a:t>all</a:t>
+            </a:r>
+            <a:r>
+              <a:rPr lang="en-US" dirty="0"/>
+              <a:t> rules to find a reduction.</a:t>
+            </a:r>
+          </a:p>
+          <a:p>
+            <a:r>
+              <a:rPr lang="en-US" b="1" dirty="0"/>
+              <a:t>Top-down parsers </a:t>
+            </a:r>
+            <a:r>
+              <a:rPr lang="en-US" dirty="0"/>
+              <a:t>take a </a:t>
+            </a:r>
+            <a:r>
+              <a:rPr lang="en-US" b="1" dirty="0"/>
+              <a:t>local view </a:t>
+            </a:r>
+            <a:r>
+              <a:rPr lang="en-US" dirty="0"/>
+              <a:t>of the grammar – they only search for applicable rules within the appropriate non-terminal.</a:t>
+            </a:r>
+          </a:p>
+          <a:p>
+            <a:pPr marL="0" indent="0">
+              <a:buNone/>
+            </a:pPr>
+            <a:endParaRPr lang="en-US" dirty="0"/>
           </a:p>
         </p:txBody>
       </p:sp>
     </p:spTree>
     <p:extLst>
       <p:ext uri="{BB962C8B-B14F-4D97-AF65-F5344CB8AC3E}">
-        <p14:creationId xmlns:p14="http://schemas.microsoft.com/office/powerpoint/2010/main" val="1038665661"/>
+        <p14:creationId xmlns:p14="http://schemas.microsoft.com/office/powerpoint/2010/main" val="1984107011"/>
       </p:ext>
     </p:extLst>
   </p:cSld>
@@ -11379,228 +9315,6 @@
           <p:cNvPr id="2" name="Title 1">
             <a:extLst>
               <a:ext uri="{FF2B5EF4-FFF2-40B4-BE49-F238E27FC236}">
-                <a16:creationId xmlns:a16="http://schemas.microsoft.com/office/drawing/2014/main" id="{73F4D002-D46A-184E-BBBE-7A1B6E3ED635}"/>
-              </a:ext>
-            </a:extLst>
-          </p:cNvPr>
-          <p:cNvSpPr>
-            <a:spLocks noGrp="1"/>
-          </p:cNvSpPr>
-          <p:nvPr>
-            <p:ph type="title"/>
-          </p:nvPr>
-        </p:nvSpPr>
-        <p:spPr/>
-        <p:txBody>
-          <a:bodyPr/>
-          <a:lstStyle/>
-          <a:p>
-            <a:r>
-              <a:rPr lang="en-US" dirty="0"/>
-              <a:t>Actions	</a:t>
-            </a:r>
-          </a:p>
-        </p:txBody>
-      </p:sp>
-      <p:sp>
-        <p:nvSpPr>
-          <p:cNvPr id="3" name="Content Placeholder 2">
-            <a:extLst>
-              <a:ext uri="{FF2B5EF4-FFF2-40B4-BE49-F238E27FC236}">
-                <a16:creationId xmlns:a16="http://schemas.microsoft.com/office/drawing/2014/main" id="{5CFABF23-4566-9D4A-B7FF-2E0E711951A1}"/>
-              </a:ext>
-            </a:extLst>
-          </p:cNvPr>
-          <p:cNvSpPr>
-            <a:spLocks noGrp="1"/>
-          </p:cNvSpPr>
-          <p:nvPr>
-            <p:ph idx="1"/>
-          </p:nvPr>
-        </p:nvSpPr>
-        <p:spPr/>
-        <p:txBody>
-          <a:bodyPr/>
-          <a:lstStyle/>
-          <a:p>
-            <a:r>
-              <a:rPr lang="en-US" dirty="0"/>
-              <a:t>Actions can access individual parts of a grammar rule as parameters </a:t>
-            </a:r>
-          </a:p>
-          <a:p>
-            <a:pPr lvl="1"/>
-            <a:r>
-              <a:rPr lang="en-US" dirty="0"/>
-              <a:t>please see text,</a:t>
-            </a:r>
-          </a:p>
-          <a:p>
-            <a:pPr lvl="1"/>
-            <a:r>
-              <a:rPr lang="en-US" dirty="0"/>
-              <a:t>And/or the PLY documentation</a:t>
-            </a:r>
-          </a:p>
-        </p:txBody>
-      </p:sp>
-    </p:spTree>
-    <p:extLst>
-      <p:ext uri="{BB962C8B-B14F-4D97-AF65-F5344CB8AC3E}">
-        <p14:creationId xmlns:p14="http://schemas.microsoft.com/office/powerpoint/2010/main" val="4034838632"/>
-      </p:ext>
-    </p:extLst>
-  </p:cSld>
-  <p:clrMapOvr>
-    <a:masterClrMapping/>
-  </p:clrMapOvr>
-</p:sld>
-</file>
-
-<file path=ppt/slides/slide21.xml><?xml version="1.0" encoding="utf-8"?>
-<p:sld xmlns:a="http://schemas.openxmlformats.org/drawingml/2006/main" xmlns:r="http://schemas.openxmlformats.org/officeDocument/2006/relationships" xmlns:p="http://schemas.openxmlformats.org/presentationml/2006/main">
-  <p:cSld>
-    <p:spTree>
-      <p:nvGrpSpPr>
-        <p:cNvPr id="1" name=""/>
-        <p:cNvGrpSpPr/>
-        <p:nvPr/>
-      </p:nvGrpSpPr>
-      <p:grpSpPr>
-        <a:xfrm>
-          <a:off x="0" y="0"/>
-          <a:ext cx="0" cy="0"/>
-          <a:chOff x="0" y="0"/>
-          <a:chExt cx="0" cy="0"/>
-        </a:xfrm>
-      </p:grpSpPr>
-      <p:sp>
-        <p:nvSpPr>
-          <p:cNvPr id="2" name="Title 1">
-            <a:extLst>
-              <a:ext uri="{FF2B5EF4-FFF2-40B4-BE49-F238E27FC236}">
-                <a16:creationId xmlns:a16="http://schemas.microsoft.com/office/drawing/2014/main" id="{7CD063EE-A391-AA48-8170-F27C66766916}"/>
-              </a:ext>
-            </a:extLst>
-          </p:cNvPr>
-          <p:cNvSpPr>
-            <a:spLocks noGrp="1"/>
-          </p:cNvSpPr>
-          <p:nvPr>
-            <p:ph type="title"/>
-          </p:nvPr>
-        </p:nvSpPr>
-        <p:spPr/>
-        <p:txBody>
-          <a:bodyPr/>
-          <a:lstStyle/>
-          <a:p>
-            <a:r>
-              <a:rPr lang="en-US" dirty="0"/>
-              <a:t>Conflicts</a:t>
-            </a:r>
-          </a:p>
-        </p:txBody>
-      </p:sp>
-      <p:sp>
-        <p:nvSpPr>
-          <p:cNvPr id="3" name="Content Placeholder 2">
-            <a:extLst>
-              <a:ext uri="{FF2B5EF4-FFF2-40B4-BE49-F238E27FC236}">
-                <a16:creationId xmlns:a16="http://schemas.microsoft.com/office/drawing/2014/main" id="{BBA69673-1857-1E4E-A0CD-858143D5F496}"/>
-              </a:ext>
-            </a:extLst>
-          </p:cNvPr>
-          <p:cNvSpPr>
-            <a:spLocks noGrp="1"/>
-          </p:cNvSpPr>
-          <p:nvPr>
-            <p:ph idx="1"/>
-          </p:nvPr>
-        </p:nvSpPr>
-        <p:spPr/>
-        <p:txBody>
-          <a:bodyPr/>
-          <a:lstStyle/>
-          <a:p>
-            <a:r>
-              <a:rPr lang="en-US" dirty="0"/>
-              <a:t>Bottom-up parsers take a </a:t>
-            </a:r>
-            <a:r>
-              <a:rPr lang="en-US" i="1" dirty="0"/>
-              <a:t>global</a:t>
-            </a:r>
-            <a:r>
-              <a:rPr lang="en-US" dirty="0"/>
-              <a:t> view of the grammar – they search the right sides of </a:t>
-            </a:r>
-            <a:r>
-              <a:rPr lang="en-US" i="1" dirty="0"/>
-              <a:t>all</a:t>
-            </a:r>
-            <a:r>
-              <a:rPr lang="en-US" dirty="0"/>
-              <a:t> rules to find a reduction.</a:t>
-            </a:r>
-          </a:p>
-          <a:p>
-            <a:r>
-              <a:rPr lang="en-US" dirty="0"/>
-              <a:t>Top-down parsers take a </a:t>
-            </a:r>
-            <a:r>
-              <a:rPr lang="en-US" i="1" dirty="0"/>
-              <a:t>local </a:t>
-            </a:r>
-            <a:r>
-              <a:rPr lang="en-US" dirty="0"/>
-              <a:t>view of the grammar – they only search for applicable rules within the appropriate non-terminal.</a:t>
-            </a:r>
-          </a:p>
-          <a:p>
-            <a:pPr marL="0" indent="0">
-              <a:buNone/>
-            </a:pPr>
-            <a:endParaRPr lang="en-US" dirty="0"/>
-          </a:p>
-        </p:txBody>
-      </p:sp>
-    </p:spTree>
-    <p:extLst>
-      <p:ext uri="{BB962C8B-B14F-4D97-AF65-F5344CB8AC3E}">
-        <p14:creationId xmlns:p14="http://schemas.microsoft.com/office/powerpoint/2010/main" val="1984107011"/>
-      </p:ext>
-    </p:extLst>
-  </p:cSld>
-  <p:clrMapOvr>
-    <a:masterClrMapping/>
-  </p:clrMapOvr>
-</p:sld>
-</file>
-
-<file path=ppt/slides/slide22.xml><?xml version="1.0" encoding="utf-8"?>
-<p:sld xmlns:a="http://schemas.openxmlformats.org/drawingml/2006/main" xmlns:r="http://schemas.openxmlformats.org/officeDocument/2006/relationships" xmlns:p="http://schemas.openxmlformats.org/presentationml/2006/main">
-  <p:cSld>
-    <p:spTree>
-      <p:nvGrpSpPr>
-        <p:cNvPr id="1" name=""/>
-        <p:cNvGrpSpPr/>
-        <p:nvPr/>
-      </p:nvGrpSpPr>
-      <p:grpSpPr>
-        <a:xfrm>
-          <a:off x="0" y="0"/>
-          <a:ext cx="0" cy="0"/>
-          <a:chOff x="0" y="0"/>
-          <a:chExt cx="0" cy="0"/>
-        </a:xfrm>
-      </p:grpSpPr>
-      <p:sp>
-        <p:nvSpPr>
-          <p:cNvPr id="2" name="Title 1">
-            <a:extLst>
-              <a:ext uri="{FF2B5EF4-FFF2-40B4-BE49-F238E27FC236}">
                 <a16:creationId xmlns:a16="http://schemas.microsoft.com/office/drawing/2014/main" id="{C9D67EA1-D0A7-FE47-A8C2-BC3937C96A1B}"/>
               </a:ext>
             </a:extLst>
@@ -11695,7 +9409,7 @@
 </p:sld>
 </file>
 
-<file path=ppt/slides/slide23.xml><?xml version="1.0" encoding="utf-8"?>
+<file path=ppt/slides/slide21.xml><?xml version="1.0" encoding="utf-8"?>
 <p:sld xmlns:a="http://schemas.openxmlformats.org/drawingml/2006/main" xmlns:r="http://schemas.openxmlformats.org/officeDocument/2006/relationships" xmlns:p="http://schemas.openxmlformats.org/presentationml/2006/main">
   <p:cSld>
     <p:spTree>
@@ -11927,7 +9641,7 @@
           <a:effectLst/>
           <a:extLst>
             <a:ext uri="{AF507438-7753-43e0-B8FC-AC1667EBCBE1}">
-              <a14:hiddenEffects xmlns:a14="http://schemas.microsoft.com/office/drawing/2010/main" xmlns="">
+              <a14:hiddenEffects xmlns="" xmlns:a14="http://schemas.microsoft.com/office/drawing/2010/main">
                 <a:effectLst>
                   <a:outerShdw blurRad="63500" dist="38099" dir="2700000" algn="ctr" rotWithShape="0">
                     <a:schemeClr val="bg2">
@@ -11978,7 +9692,7 @@
           <a:effectLst/>
           <a:extLst>
             <a:ext uri="{AF507438-7753-43e0-B8FC-AC1667EBCBE1}">
-              <a14:hiddenEffects xmlns:a14="http://schemas.microsoft.com/office/drawing/2010/main" xmlns="">
+              <a14:hiddenEffects xmlns="" xmlns:a14="http://schemas.microsoft.com/office/drawing/2010/main">
                 <a:effectLst>
                   <a:outerShdw blurRad="63500" dist="38099" dir="2700000" algn="ctr" rotWithShape="0">
                     <a:schemeClr val="bg2">
@@ -12046,7 +9760,7 @@
 </p:sld>
 </file>
 
-<file path=ppt/slides/slide24.xml><?xml version="1.0" encoding="utf-8"?>
+<file path=ppt/slides/slide22.xml><?xml version="1.0" encoding="utf-8"?>
 <p:sld xmlns:a="http://schemas.openxmlformats.org/drawingml/2006/main" xmlns:r="http://schemas.openxmlformats.org/officeDocument/2006/relationships" xmlns:p="http://schemas.openxmlformats.org/presentationml/2006/main">
   <p:cSld>
     <p:spTree>
@@ -12187,7 +9901,7 @@
 </p:sld>
 </file>
 
-<file path=ppt/slides/slide25.xml><?xml version="1.0" encoding="utf-8"?>
+<file path=ppt/slides/slide23.xml><?xml version="1.0" encoding="utf-8"?>
 <p:sld xmlns:a="http://schemas.openxmlformats.org/drawingml/2006/main" xmlns:r="http://schemas.openxmlformats.org/officeDocument/2006/relationships" xmlns:p="http://schemas.openxmlformats.org/presentationml/2006/main">
   <p:cSld>
     <p:spTree>
@@ -12341,7 +10055,7 @@
           <a:effectLst/>
           <a:extLst>
             <a:ext uri="{AF507438-7753-43e0-B8FC-AC1667EBCBE1}">
-              <a14:hiddenEffects xmlns:a14="http://schemas.microsoft.com/office/drawing/2010/main" xmlns="">
+              <a14:hiddenEffects xmlns="" xmlns:a14="http://schemas.microsoft.com/office/drawing/2010/main">
                 <a:effectLst>
                   <a:outerShdw blurRad="63500" dist="38099" dir="2700000" algn="ctr" rotWithShape="0">
                     <a:schemeClr val="bg2">
@@ -12405,7 +10119,7 @@
 </p:sld>
 </file>
 
-<file path=ppt/slides/slide26.xml><?xml version="1.0" encoding="utf-8"?>
+<file path=ppt/slides/slide24.xml><?xml version="1.0" encoding="utf-8"?>
 <p:sld xmlns:a="http://schemas.openxmlformats.org/drawingml/2006/main" xmlns:r="http://schemas.openxmlformats.org/officeDocument/2006/relationships" xmlns:p="http://schemas.openxmlformats.org/presentationml/2006/main">
   <p:cSld>
     <p:spTree>
@@ -12534,7 +10248,7 @@
 </p:sld>
 </file>
 
-<file path=ppt/slides/slide27.xml><?xml version="1.0" encoding="utf-8"?>
+<file path=ppt/slides/slide25.xml><?xml version="1.0" encoding="utf-8"?>
 <p:sld xmlns:a="http://schemas.openxmlformats.org/drawingml/2006/main" xmlns:r="http://schemas.openxmlformats.org/officeDocument/2006/relationships" xmlns:p="http://schemas.openxmlformats.org/presentationml/2006/main">
   <p:cSld>
     <p:spTree>
@@ -12632,7 +10346,7 @@
 </p:sld>
 </file>
 
-<file path=ppt/slides/slide28.xml><?xml version="1.0" encoding="utf-8"?>
+<file path=ppt/slides/slide26.xml><?xml version="1.0" encoding="utf-8"?>
 <p:sld xmlns:a="http://schemas.openxmlformats.org/drawingml/2006/main" xmlns:r="http://schemas.openxmlformats.org/officeDocument/2006/relationships" xmlns:p="http://schemas.openxmlformats.org/presentationml/2006/main">
   <p:cSld>
     <p:spTree>
@@ -12760,6 +10474,230 @@
           </a:ln>
         </p:spPr>
       </p:pic>
+      <p:sp>
+        <p:nvSpPr>
+          <p:cNvPr id="4" name="Left Arrow 3">
+            <a:extLst>
+              <a:ext uri="{FF2B5EF4-FFF2-40B4-BE49-F238E27FC236}">
+                <a16:creationId xmlns:a16="http://schemas.microsoft.com/office/drawing/2014/main" id="{E98E1664-F723-C44F-96BF-B497F2EC44F5}"/>
+              </a:ext>
+            </a:extLst>
+          </p:cNvPr>
+          <p:cNvSpPr/>
+          <p:nvPr/>
+        </p:nvSpPr>
+        <p:spPr bwMode="auto">
+          <a:xfrm>
+            <a:off x="3810000" y="4800600"/>
+            <a:ext cx="533400" cy="304800"/>
+          </a:xfrm>
+          <a:prstGeom prst="leftArrow">
+            <a:avLst/>
+          </a:prstGeom>
+          <a:solidFill>
+            <a:srgbClr val="FF0000"/>
+          </a:solidFill>
+          <a:ln w="9525" cap="flat" cmpd="sng" algn="ctr">
+            <a:solidFill>
+              <a:schemeClr val="tx1"/>
+            </a:solidFill>
+            <a:prstDash val="solid"/>
+            <a:round/>
+            <a:headEnd type="none" w="med" len="med"/>
+            <a:tailEnd type="none" w="med" len="med"/>
+          </a:ln>
+          <a:effectLst/>
+          <a:extLst>
+            <a:ext uri="{AF507438-7753-43e0-B8FC-AC1667EBCBE1}">
+              <a14:hiddenEffects xmlns="" xmlns:a14="http://schemas.microsoft.com/office/drawing/2010/main">
+                <a:effectLst>
+                  <a:outerShdw blurRad="63500" dist="38099" dir="2700000" algn="ctr" rotWithShape="0">
+                    <a:schemeClr val="bg2">
+                      <a:alpha val="74998"/>
+                    </a:schemeClr>
+                  </a:outerShdw>
+                </a:effectLst>
+              </a14:hiddenEffects>
+            </a:ext>
+          </a:extLst>
+        </p:spPr>
+        <p:txBody>
+          <a:bodyPr vert="horz" wrap="square" lIns="91440" tIns="45720" rIns="91440" bIns="45720" numCol="1" rtlCol="0" anchor="t" anchorCtr="0" compatLnSpc="1">
+            <a:prstTxWarp prst="textNoShape">
+              <a:avLst/>
+            </a:prstTxWarp>
+          </a:bodyPr>
+          <a:lstStyle/>
+          <a:p>
+            <a:pPr marL="0" marR="0" indent="0" algn="l" defTabSz="914400" rtl="0" eaLnBrk="0" fontAlgn="base" latinLnBrk="0" hangingPunct="0">
+              <a:lnSpc>
+                <a:spcPct val="100000"/>
+              </a:lnSpc>
+              <a:spcBef>
+                <a:spcPct val="0"/>
+              </a:spcBef>
+              <a:spcAft>
+                <a:spcPct val="0"/>
+              </a:spcAft>
+              <a:buClrTx/>
+              <a:buSzTx/>
+              <a:buFontTx/>
+              <a:buNone/>
+              <a:tabLst/>
+            </a:pPr>
+            <a:endParaRPr kumimoji="0" lang="en-US" sz="2400" b="0" i="0" u="none" strike="noStrike" cap="none" normalizeH="0" baseline="0" dirty="0">
+              <a:ln>
+                <a:noFill/>
+              </a:ln>
+              <a:solidFill>
+                <a:srgbClr val="000000"/>
+              </a:solidFill>
+              <a:effectLst/>
+              <a:latin typeface="Arial" charset="0"/>
+              <a:ea typeface="ＭＳ Ｐゴシック" charset="0"/>
+              <a:cs typeface="ＭＳ Ｐゴシック" charset="0"/>
+            </a:endParaRPr>
+          </a:p>
+        </p:txBody>
+      </p:sp>
+      <p:sp>
+        <p:nvSpPr>
+          <p:cNvPr id="7" name="Left Arrow 6">
+            <a:extLst>
+              <a:ext uri="{FF2B5EF4-FFF2-40B4-BE49-F238E27FC236}">
+                <a16:creationId xmlns:a16="http://schemas.microsoft.com/office/drawing/2014/main" id="{E3FC6E60-D77D-DD48-B7C8-696FEE1E4B65}"/>
+              </a:ext>
+            </a:extLst>
+          </p:cNvPr>
+          <p:cNvSpPr/>
+          <p:nvPr/>
+        </p:nvSpPr>
+        <p:spPr bwMode="auto">
+          <a:xfrm>
+            <a:off x="4191000" y="5715000"/>
+            <a:ext cx="533400" cy="304800"/>
+          </a:xfrm>
+          <a:prstGeom prst="leftArrow">
+            <a:avLst/>
+          </a:prstGeom>
+          <a:solidFill>
+            <a:srgbClr val="FF0000"/>
+          </a:solidFill>
+          <a:ln w="9525" cap="flat" cmpd="sng" algn="ctr">
+            <a:solidFill>
+              <a:schemeClr val="tx1"/>
+            </a:solidFill>
+            <a:prstDash val="solid"/>
+            <a:round/>
+            <a:headEnd type="none" w="med" len="med"/>
+            <a:tailEnd type="none" w="med" len="med"/>
+          </a:ln>
+          <a:effectLst/>
+          <a:extLst>
+            <a:ext uri="{AF507438-7753-43e0-B8FC-AC1667EBCBE1}">
+              <a14:hiddenEffects xmlns="" xmlns:a14="http://schemas.microsoft.com/office/drawing/2010/main">
+                <a:effectLst>
+                  <a:outerShdw blurRad="63500" dist="38099" dir="2700000" algn="ctr" rotWithShape="0">
+                    <a:schemeClr val="bg2">
+                      <a:alpha val="74998"/>
+                    </a:schemeClr>
+                  </a:outerShdw>
+                </a:effectLst>
+              </a14:hiddenEffects>
+            </a:ext>
+          </a:extLst>
+        </p:spPr>
+        <p:txBody>
+          <a:bodyPr vert="horz" wrap="square" lIns="91440" tIns="45720" rIns="91440" bIns="45720" numCol="1" rtlCol="0" anchor="t" anchorCtr="0" compatLnSpc="1">
+            <a:prstTxWarp prst="textNoShape">
+              <a:avLst/>
+            </a:prstTxWarp>
+          </a:bodyPr>
+          <a:lstStyle/>
+          <a:p>
+            <a:pPr marL="0" marR="0" indent="0" algn="l" defTabSz="914400" rtl="0" eaLnBrk="0" fontAlgn="base" latinLnBrk="0" hangingPunct="0">
+              <a:lnSpc>
+                <a:spcPct val="100000"/>
+              </a:lnSpc>
+              <a:spcBef>
+                <a:spcPct val="0"/>
+              </a:spcBef>
+              <a:spcAft>
+                <a:spcPct val="0"/>
+              </a:spcAft>
+              <a:buClrTx/>
+              <a:buSzTx/>
+              <a:buFontTx/>
+              <a:buNone/>
+              <a:tabLst/>
+            </a:pPr>
+            <a:endParaRPr kumimoji="0" lang="en-US" sz="2400" b="0" i="0" u="none" strike="noStrike" cap="none" normalizeH="0" baseline="0" dirty="0">
+              <a:ln>
+                <a:noFill/>
+              </a:ln>
+              <a:solidFill>
+                <a:srgbClr val="000000"/>
+              </a:solidFill>
+              <a:effectLst/>
+              <a:latin typeface="Arial" charset="0"/>
+              <a:ea typeface="ＭＳ Ｐゴシック" charset="0"/>
+              <a:cs typeface="ＭＳ Ｐゴシック" charset="0"/>
+            </a:endParaRPr>
+          </a:p>
+        </p:txBody>
+      </p:sp>
+      <p:sp>
+        <p:nvSpPr>
+          <p:cNvPr id="5" name="TextBox 4">
+            <a:extLst>
+              <a:ext uri="{FF2B5EF4-FFF2-40B4-BE49-F238E27FC236}">
+                <a16:creationId xmlns:a16="http://schemas.microsoft.com/office/drawing/2014/main" id="{A5D6EE3D-5B5A-1649-84A9-918D9142DC39}"/>
+              </a:ext>
+            </a:extLst>
+          </p:cNvPr>
+          <p:cNvSpPr txBox="1"/>
+          <p:nvPr/>
+        </p:nvSpPr>
+        <p:spPr>
+          <a:xfrm>
+            <a:off x="5626100" y="4622800"/>
+            <a:ext cx="3021981" cy="830997"/>
+          </a:xfrm>
+          <a:prstGeom prst="rect">
+            <a:avLst/>
+          </a:prstGeom>
+          <a:noFill/>
+          <a:ln>
+            <a:solidFill>
+              <a:schemeClr val="tx1"/>
+            </a:solidFill>
+          </a:ln>
+        </p:spPr>
+        <p:txBody>
+          <a:bodyPr wrap="none" rtlCol="0">
+            <a:spAutoFit/>
+          </a:bodyPr>
+          <a:lstStyle/>
+          <a:p>
+            <a:r>
+              <a:rPr lang="en-US" sz="1600" dirty="0"/>
+              <a:t>Right hand sides look Identical!</a:t>
+            </a:r>
+          </a:p>
+          <a:p>
+            <a:r>
+              <a:rPr lang="en-US" sz="1600" dirty="0"/>
+              <a:t> -&gt; ID</a:t>
+            </a:r>
+          </a:p>
+          <a:p>
+            <a:r>
+              <a:rPr lang="en-US" sz="1600" dirty="0"/>
+              <a:t>-&gt; ‘(‘ ‘)’)</a:t>
+            </a:r>
+          </a:p>
+        </p:txBody>
+      </p:sp>
     </p:spTree>
     <p:extLst>
       <p:ext uri="{BB962C8B-B14F-4D97-AF65-F5344CB8AC3E}">
@@ -12773,7 +10711,7 @@
 </p:sld>
 </file>
 
-<file path=ppt/slides/slide29.xml><?xml version="1.0" encoding="utf-8"?>
+<file path=ppt/slides/slide27.xml><?xml version="1.0" encoding="utf-8"?>
 <p:sld xmlns:a="http://schemas.openxmlformats.org/drawingml/2006/main" xmlns:r="http://schemas.openxmlformats.org/officeDocument/2006/relationships" xmlns:p="http://schemas.openxmlformats.org/presentationml/2006/main">
   <p:cSld>
     <p:spTree>
@@ -13063,7 +11001,7 @@
           <a:effectLst/>
           <a:extLst>
             <a:ext uri="{AF507438-7753-43e0-B8FC-AC1667EBCBE1}">
-              <a14:hiddenEffects xmlns:a14="http://schemas.microsoft.com/office/drawing/2010/main" xmlns="">
+              <a14:hiddenEffects xmlns="" xmlns:a14="http://schemas.microsoft.com/office/drawing/2010/main">
                 <a:effectLst>
                   <a:outerShdw blurRad="63500" dist="38099" dir="2700000" algn="ctr" rotWithShape="0">
                     <a:schemeClr val="bg2">
@@ -13149,7 +11087,7 @@
           <a:effectLst/>
           <a:extLst>
             <a:ext uri="{AF507438-7753-43e0-B8FC-AC1667EBCBE1}">
-              <a14:hiddenEffects xmlns:a14="http://schemas.microsoft.com/office/drawing/2010/main" xmlns="">
+              <a14:hiddenEffects xmlns="" xmlns:a14="http://schemas.microsoft.com/office/drawing/2010/main">
                 <a:effectLst>
                   <a:outerShdw blurRad="63500" dist="38099" dir="2700000" algn="ctr" rotWithShape="0">
                     <a:schemeClr val="bg2">
@@ -13204,6 +11142,243 @@
     <p:extLst>
       <p:ext uri="{BB962C8B-B14F-4D97-AF65-F5344CB8AC3E}">
         <p14:creationId xmlns:p14="http://schemas.microsoft.com/office/powerpoint/2010/main" val="1634290225"/>
+      </p:ext>
+    </p:extLst>
+  </p:cSld>
+  <p:clrMapOvr>
+    <a:masterClrMapping/>
+  </p:clrMapOvr>
+</p:sld>
+</file>
+
+<file path=ppt/slides/slide28.xml><?xml version="1.0" encoding="utf-8"?>
+<p:sld xmlns:a="http://schemas.openxmlformats.org/drawingml/2006/main" xmlns:r="http://schemas.openxmlformats.org/officeDocument/2006/relationships" xmlns:p="http://schemas.openxmlformats.org/presentationml/2006/main">
+  <p:cSld>
+    <p:spTree>
+      <p:nvGrpSpPr>
+        <p:cNvPr id="1" name=""/>
+        <p:cNvGrpSpPr/>
+        <p:nvPr/>
+      </p:nvGrpSpPr>
+      <p:grpSpPr>
+        <a:xfrm>
+          <a:off x="0" y="0"/>
+          <a:ext cx="0" cy="0"/>
+          <a:chOff x="0" y="0"/>
+          <a:chExt cx="0" cy="0"/>
+        </a:xfrm>
+      </p:grpSpPr>
+      <p:sp>
+        <p:nvSpPr>
+          <p:cNvPr id="2" name="Title 1">
+            <a:extLst>
+              <a:ext uri="{FF2B5EF4-FFF2-40B4-BE49-F238E27FC236}">
+                <a16:creationId xmlns:a16="http://schemas.microsoft.com/office/drawing/2014/main" id="{4CE7C22D-81A9-2340-8742-87A06AA20016}"/>
+              </a:ext>
+            </a:extLst>
+          </p:cNvPr>
+          <p:cNvSpPr>
+            <a:spLocks noGrp="1"/>
+          </p:cNvSpPr>
+          <p:nvPr>
+            <p:ph type="title"/>
+          </p:nvPr>
+        </p:nvSpPr>
+        <p:spPr>
+          <a:xfrm>
+            <a:off x="457200" y="122238"/>
+            <a:ext cx="7543800" cy="1295400"/>
+          </a:xfrm>
+        </p:spPr>
+        <p:txBody>
+          <a:bodyPr wrap="square" anchor="b">
+            <a:normAutofit/>
+          </a:bodyPr>
+          <a:lstStyle/>
+          <a:p>
+            <a:r>
+              <a:rPr lang="en-US" dirty="0"/>
+              <a:t>Reduce/Reduce Conflict Example</a:t>
+            </a:r>
+          </a:p>
+        </p:txBody>
+      </p:sp>
+      <p:sp>
+        <p:nvSpPr>
+          <p:cNvPr id="3" name="Content Placeholder 2">
+            <a:extLst>
+              <a:ext uri="{FF2B5EF4-FFF2-40B4-BE49-F238E27FC236}">
+                <a16:creationId xmlns:a16="http://schemas.microsoft.com/office/drawing/2014/main" id="{0931F655-DA48-1742-AC9D-0C20C42594E6}"/>
+              </a:ext>
+            </a:extLst>
+          </p:cNvPr>
+          <p:cNvSpPr>
+            <a:spLocks noGrp="1"/>
+          </p:cNvSpPr>
+          <p:nvPr>
+            <p:ph sz="half" idx="1"/>
+          </p:nvPr>
+        </p:nvSpPr>
+        <p:spPr>
+          <a:xfrm>
+            <a:off x="457200" y="1719263"/>
+            <a:ext cx="4038600" cy="4411662"/>
+          </a:xfrm>
+        </p:spPr>
+        <p:txBody>
+          <a:bodyPr wrap="square" anchor="t">
+            <a:normAutofit/>
+          </a:bodyPr>
+          <a:lstStyle/>
+          <a:p>
+            <a:pPr>
+              <a:lnSpc>
+                <a:spcPct val="90000"/>
+              </a:lnSpc>
+            </a:pPr>
+            <a:r>
+              <a:rPr lang="en-US" sz="2200"/>
+              <a:t>The fact that YACC outright rejected a set of rules means that the generated parser will not work correctly</a:t>
+            </a:r>
+          </a:p>
+          <a:p>
+            <a:pPr>
+              <a:lnSpc>
+                <a:spcPct val="90000"/>
+              </a:lnSpc>
+            </a:pPr>
+            <a:r>
+              <a:rPr lang="en-US" sz="2200"/>
+              <a:t>One way to fix this is to acknowledge that these two syntactic entities look the same and therefore we make them the same syntactic entity and deal with differences between them at the semantic level.</a:t>
+            </a:r>
+          </a:p>
+        </p:txBody>
+      </p:sp>
+      <p:pic>
+        <p:nvPicPr>
+          <p:cNvPr id="6" name="Picture 5">
+            <a:extLst>
+              <a:ext uri="{FF2B5EF4-FFF2-40B4-BE49-F238E27FC236}">
+                <a16:creationId xmlns:a16="http://schemas.microsoft.com/office/drawing/2014/main" id="{F2E0E0B0-6AF4-C645-9660-0CCBF9F89C4B}"/>
+              </a:ext>
+            </a:extLst>
+          </p:cNvPr>
+          <p:cNvPicPr>
+            <a:picLocks noChangeAspect="1"/>
+          </p:cNvPicPr>
+          <p:nvPr/>
+        </p:nvPicPr>
+        <p:blipFill>
+          <a:blip r:embed="rId2"/>
+          <a:stretch>
+            <a:fillRect/>
+          </a:stretch>
+        </p:blipFill>
+        <p:spPr>
+          <a:xfrm>
+            <a:off x="4798323" y="1905000"/>
+            <a:ext cx="3202677" cy="3854450"/>
+          </a:xfrm>
+          <a:prstGeom prst="rect">
+            <a:avLst/>
+          </a:prstGeom>
+          <a:ln>
+            <a:solidFill>
+              <a:schemeClr val="tx1"/>
+            </a:solidFill>
+          </a:ln>
+        </p:spPr>
+      </p:pic>
+      <p:sp>
+        <p:nvSpPr>
+          <p:cNvPr id="7" name="Left Arrow 6">
+            <a:extLst>
+              <a:ext uri="{FF2B5EF4-FFF2-40B4-BE49-F238E27FC236}">
+                <a16:creationId xmlns:a16="http://schemas.microsoft.com/office/drawing/2014/main" id="{FB0C3732-D005-ED46-A39D-50EBA57D7070}"/>
+              </a:ext>
+            </a:extLst>
+          </p:cNvPr>
+          <p:cNvSpPr/>
+          <p:nvPr/>
+        </p:nvSpPr>
+        <p:spPr bwMode="auto">
+          <a:xfrm>
+            <a:off x="6934200" y="3925094"/>
+            <a:ext cx="533400" cy="304800"/>
+          </a:xfrm>
+          <a:prstGeom prst="leftArrow">
+            <a:avLst/>
+          </a:prstGeom>
+          <a:solidFill>
+            <a:srgbClr val="FF0000"/>
+          </a:solidFill>
+          <a:ln w="9525" cap="flat" cmpd="sng" algn="ctr">
+            <a:solidFill>
+              <a:schemeClr val="tx1"/>
+            </a:solidFill>
+            <a:prstDash val="solid"/>
+            <a:round/>
+            <a:headEnd type="none" w="med" len="med"/>
+            <a:tailEnd type="none" w="med" len="med"/>
+          </a:ln>
+          <a:effectLst/>
+          <a:extLst>
+            <a:ext uri="{AF507438-7753-43e0-B8FC-AC1667EBCBE1}">
+              <a14:hiddenEffects xmlns="" xmlns:a14="http://schemas.microsoft.com/office/drawing/2010/main">
+                <a:effectLst>
+                  <a:outerShdw blurRad="63500" dist="38099" dir="2700000" algn="ctr" rotWithShape="0">
+                    <a:schemeClr val="bg2">
+                      <a:alpha val="74998"/>
+                    </a:schemeClr>
+                  </a:outerShdw>
+                </a:effectLst>
+              </a14:hiddenEffects>
+            </a:ext>
+          </a:extLst>
+        </p:spPr>
+        <p:txBody>
+          <a:bodyPr vert="horz" wrap="square" lIns="91440" tIns="45720" rIns="91440" bIns="45720" numCol="1" rtlCol="0" anchor="t" anchorCtr="0" compatLnSpc="1">
+            <a:prstTxWarp prst="textNoShape">
+              <a:avLst/>
+            </a:prstTxWarp>
+          </a:bodyPr>
+          <a:lstStyle/>
+          <a:p>
+            <a:pPr marL="0" marR="0" indent="0" algn="l" defTabSz="914400" rtl="0" eaLnBrk="0" fontAlgn="base" latinLnBrk="0" hangingPunct="0">
+              <a:lnSpc>
+                <a:spcPct val="100000"/>
+              </a:lnSpc>
+              <a:spcBef>
+                <a:spcPct val="0"/>
+              </a:spcBef>
+              <a:spcAft>
+                <a:spcPct val="0"/>
+              </a:spcAft>
+              <a:buClrTx/>
+              <a:buSzTx/>
+              <a:buFontTx/>
+              <a:buNone/>
+              <a:tabLst/>
+            </a:pPr>
+            <a:endParaRPr kumimoji="0" lang="en-US" sz="2400" b="0" i="0" u="none" strike="noStrike" cap="none" normalizeH="0" baseline="0" dirty="0">
+              <a:ln>
+                <a:noFill/>
+              </a:ln>
+              <a:solidFill>
+                <a:srgbClr val="000000"/>
+              </a:solidFill>
+              <a:effectLst/>
+              <a:latin typeface="Arial" charset="0"/>
+              <a:ea typeface="ＭＳ Ｐゴシック" charset="0"/>
+              <a:cs typeface="ＭＳ Ｐゴシック" charset="0"/>
+            </a:endParaRPr>
+          </a:p>
+        </p:txBody>
+      </p:sp>
+    </p:spTree>
+    <p:extLst>
+      <p:ext uri="{BB962C8B-B14F-4D97-AF65-F5344CB8AC3E}">
+        <p14:creationId xmlns:p14="http://schemas.microsoft.com/office/powerpoint/2010/main" val="111211305"/>
       </p:ext>
     </p:extLst>
   </p:cSld>
@@ -13323,98 +11498,6 @@
     <p:extLst>
       <p:ext uri="{BB962C8B-B14F-4D97-AF65-F5344CB8AC3E}">
         <p14:creationId xmlns:p14="http://schemas.microsoft.com/office/powerpoint/2010/main" val="725424253"/>
-      </p:ext>
-    </p:extLst>
-  </p:cSld>
-  <p:clrMapOvr>
-    <a:masterClrMapping/>
-  </p:clrMapOvr>
-</p:sld>
-</file>
-
-<file path=ppt/slides/slide30.xml><?xml version="1.0" encoding="utf-8"?>
-<p:sld xmlns:a="http://schemas.openxmlformats.org/drawingml/2006/main" xmlns:r="http://schemas.openxmlformats.org/officeDocument/2006/relationships" xmlns:p="http://schemas.openxmlformats.org/presentationml/2006/main">
-  <p:cSld>
-    <p:spTree>
-      <p:nvGrpSpPr>
-        <p:cNvPr id="1" name=""/>
-        <p:cNvGrpSpPr/>
-        <p:nvPr/>
-      </p:nvGrpSpPr>
-      <p:grpSpPr>
-        <a:xfrm>
-          <a:off x="0" y="0"/>
-          <a:ext cx="0" cy="0"/>
-          <a:chOff x="0" y="0"/>
-          <a:chExt cx="0" cy="0"/>
-        </a:xfrm>
-      </p:grpSpPr>
-      <p:sp>
-        <p:nvSpPr>
-          <p:cNvPr id="2" name="Title 1">
-            <a:extLst>
-              <a:ext uri="{FF2B5EF4-FFF2-40B4-BE49-F238E27FC236}">
-                <a16:creationId xmlns:a16="http://schemas.microsoft.com/office/drawing/2014/main" id="{4CE7C22D-81A9-2340-8742-87A06AA20016}"/>
-              </a:ext>
-            </a:extLst>
-          </p:cNvPr>
-          <p:cNvSpPr>
-            <a:spLocks noGrp="1"/>
-          </p:cNvSpPr>
-          <p:nvPr>
-            <p:ph type="title"/>
-          </p:nvPr>
-        </p:nvSpPr>
-        <p:spPr/>
-        <p:txBody>
-          <a:bodyPr/>
-          <a:lstStyle/>
-          <a:p>
-            <a:r>
-              <a:rPr lang="en-US" dirty="0"/>
-              <a:t>Reduce/Reduce Conflict Example</a:t>
-            </a:r>
-          </a:p>
-        </p:txBody>
-      </p:sp>
-      <p:sp>
-        <p:nvSpPr>
-          <p:cNvPr id="3" name="Content Placeholder 2">
-            <a:extLst>
-              <a:ext uri="{FF2B5EF4-FFF2-40B4-BE49-F238E27FC236}">
-                <a16:creationId xmlns:a16="http://schemas.microsoft.com/office/drawing/2014/main" id="{0931F655-DA48-1742-AC9D-0C20C42594E6}"/>
-              </a:ext>
-            </a:extLst>
-          </p:cNvPr>
-          <p:cNvSpPr>
-            <a:spLocks noGrp="1"/>
-          </p:cNvSpPr>
-          <p:nvPr>
-            <p:ph idx="1"/>
-          </p:nvPr>
-        </p:nvSpPr>
-        <p:spPr/>
-        <p:txBody>
-          <a:bodyPr/>
-          <a:lstStyle/>
-          <a:p>
-            <a:r>
-              <a:rPr lang="en-US" dirty="0"/>
-              <a:t>The fact that YACC outright rejected a set of rules mean that the generated parser will not work correctly</a:t>
-            </a:r>
-          </a:p>
-          <a:p>
-            <a:r>
-              <a:rPr lang="en-US" dirty="0"/>
-              <a:t>One way to fix this is to acknowledge that these to syntactic entities look that the same and therefore make them the same syntactic entity and deal with differences between them at the semantic level.</a:t>
-            </a:r>
-          </a:p>
-        </p:txBody>
-      </p:sp>
-    </p:spTree>
-    <p:extLst>
-      <p:ext uri="{BB962C8B-B14F-4D97-AF65-F5344CB8AC3E}">
-        <p14:creationId xmlns:p14="http://schemas.microsoft.com/office/powerpoint/2010/main" val="111211305"/>
       </p:ext>
     </p:extLst>
   </p:cSld>
@@ -13620,7 +11703,7 @@
           </a:ln>
           <a:extLst>
             <a:ext uri="{909E8E84-426E-40dd-AFC4-6F175D3DCCD1}">
-              <a14:hiddenFill xmlns="" xmlns:a14="http://schemas.microsoft.com/office/drawing/2010/main">
+              <a14:hiddenFill xmlns:a14="http://schemas.microsoft.com/office/drawing/2010/main" xmlns="">
                 <a:solidFill>
                   <a:schemeClr val="accent1"/>
                 </a:solidFill>
@@ -16398,7 +14481,7 @@
           </a:ln>
           <a:extLst>
             <a:ext uri="{909E8E84-426E-40dd-AFC4-6F175D3DCCD1}">
-              <a14:hiddenFill xmlns="" xmlns:a14="http://schemas.microsoft.com/office/drawing/2010/main">
+              <a14:hiddenFill xmlns:a14="http://schemas.microsoft.com/office/drawing/2010/main" xmlns="">
                 <a:solidFill>
                   <a:schemeClr val="accent1"/>
                 </a:solidFill>
@@ -17686,7 +15769,7 @@
           <a:effectLst/>
           <a:extLst>
             <a:ext uri="{AF507438-7753-43e0-B8FC-AC1667EBCBE1}">
-              <a14:hiddenEffects xmlns="" xmlns:a14="http://schemas.microsoft.com/office/drawing/2010/main">
+              <a14:hiddenEffects xmlns:a14="http://schemas.microsoft.com/office/drawing/2010/main" xmlns="">
                 <a:effectLst>
                   <a:outerShdw blurRad="63500" dist="38099" dir="2700000" algn="ctr" rotWithShape="0">
                     <a:schemeClr val="bg2">
@@ -17731,7 +15814,7 @@
           <a:effectLst/>
           <a:extLst>
             <a:ext uri="{AF507438-7753-43e0-B8FC-AC1667EBCBE1}">
-              <a14:hiddenEffects xmlns="" xmlns:a14="http://schemas.microsoft.com/office/drawing/2010/main">
+              <a14:hiddenEffects xmlns:a14="http://schemas.microsoft.com/office/drawing/2010/main" xmlns="">
                 <a:effectLst>
                   <a:outerShdw blurRad="63500" dist="38099" dir="2700000" algn="ctr" rotWithShape="0">
                     <a:schemeClr val="bg2">
@@ -17776,7 +15859,7 @@
           <a:effectLst/>
           <a:extLst>
             <a:ext uri="{AF507438-7753-43e0-B8FC-AC1667EBCBE1}">
-              <a14:hiddenEffects xmlns="" xmlns:a14="http://schemas.microsoft.com/office/drawing/2010/main">
+              <a14:hiddenEffects xmlns:a14="http://schemas.microsoft.com/office/drawing/2010/main" xmlns="">
                 <a:effectLst>
                   <a:outerShdw blurRad="63500" dist="38099" dir="2700000" algn="ctr" rotWithShape="0">
                     <a:schemeClr val="bg2">
@@ -17821,7 +15904,7 @@
           <a:effectLst/>
           <a:extLst>
             <a:ext uri="{AF507438-7753-43e0-B8FC-AC1667EBCBE1}">
-              <a14:hiddenEffects xmlns="" xmlns:a14="http://schemas.microsoft.com/office/drawing/2010/main">
+              <a14:hiddenEffects xmlns:a14="http://schemas.microsoft.com/office/drawing/2010/main" xmlns="">
                 <a:effectLst>
                   <a:outerShdw blurRad="63500" dist="38099" dir="2700000" algn="ctr" rotWithShape="0">
                     <a:schemeClr val="bg2">
@@ -17986,7 +16069,7 @@
           <a:effectLst/>
           <a:extLst>
             <a:ext uri="{AF507438-7753-43e0-B8FC-AC1667EBCBE1}">
-              <a14:hiddenEffects xmlns="" xmlns:a14="http://schemas.microsoft.com/office/drawing/2010/main">
+              <a14:hiddenEffects xmlns:a14="http://schemas.microsoft.com/office/drawing/2010/main" xmlns="">
                 <a:effectLst>
                   <a:outerShdw blurRad="63500" dist="38099" dir="2700000" algn="ctr" rotWithShape="0">
                     <a:schemeClr val="bg2">
@@ -18031,7 +16114,7 @@
           <a:effectLst/>
           <a:extLst>
             <a:ext uri="{AF507438-7753-43e0-B8FC-AC1667EBCBE1}">
-              <a14:hiddenEffects xmlns="" xmlns:a14="http://schemas.microsoft.com/office/drawing/2010/main">
+              <a14:hiddenEffects xmlns:a14="http://schemas.microsoft.com/office/drawing/2010/main" xmlns="">
                 <a:effectLst>
                   <a:outerShdw blurRad="63500" dist="38099" dir="2700000" algn="ctr" rotWithShape="0">
                     <a:schemeClr val="bg2">
@@ -18076,7 +16159,7 @@
           <a:effectLst/>
           <a:extLst>
             <a:ext uri="{AF507438-7753-43e0-B8FC-AC1667EBCBE1}">
-              <a14:hiddenEffects xmlns="" xmlns:a14="http://schemas.microsoft.com/office/drawing/2010/main">
+              <a14:hiddenEffects xmlns:a14="http://schemas.microsoft.com/office/drawing/2010/main" xmlns="">
                 <a:effectLst>
                   <a:outerShdw blurRad="63500" dist="38099" dir="2700000" algn="ctr" rotWithShape="0">
                     <a:schemeClr val="bg2">
@@ -18121,7 +16204,7 @@
           <a:effectLst/>
           <a:extLst>
             <a:ext uri="{AF507438-7753-43e0-B8FC-AC1667EBCBE1}">
-              <a14:hiddenEffects xmlns="" xmlns:a14="http://schemas.microsoft.com/office/drawing/2010/main">
+              <a14:hiddenEffects xmlns:a14="http://schemas.microsoft.com/office/drawing/2010/main" xmlns="">
                 <a:effectLst>
                   <a:outerShdw blurRad="63500" dist="38099" dir="2700000" algn="ctr" rotWithShape="0">
                     <a:schemeClr val="bg2">
@@ -18166,7 +16249,7 @@
           <a:effectLst/>
           <a:extLst>
             <a:ext uri="{AF507438-7753-43e0-B8FC-AC1667EBCBE1}">
-              <a14:hiddenEffects xmlns="" xmlns:a14="http://schemas.microsoft.com/office/drawing/2010/main">
+              <a14:hiddenEffects xmlns:a14="http://schemas.microsoft.com/office/drawing/2010/main" xmlns="">
                 <a:effectLst>
                   <a:outerShdw blurRad="63500" dist="38099" dir="2700000" algn="ctr" rotWithShape="0">
                     <a:schemeClr val="bg2">
@@ -18211,7 +16294,7 @@
           <a:effectLst/>
           <a:extLst>
             <a:ext uri="{AF507438-7753-43e0-B8FC-AC1667EBCBE1}">
-              <a14:hiddenEffects xmlns="" xmlns:a14="http://schemas.microsoft.com/office/drawing/2010/main">
+              <a14:hiddenEffects xmlns:a14="http://schemas.microsoft.com/office/drawing/2010/main" xmlns="">
                 <a:effectLst>
                   <a:outerShdw blurRad="63500" dist="38099" dir="2700000" algn="ctr" rotWithShape="0">
                     <a:schemeClr val="bg2">
@@ -18285,7 +16368,7 @@
           <a:effectLst/>
           <a:extLst>
             <a:ext uri="{AF507438-7753-43e0-B8FC-AC1667EBCBE1}">
-              <a14:hiddenEffects xmlns="" xmlns:a14="http://schemas.microsoft.com/office/drawing/2010/main">
+              <a14:hiddenEffects xmlns:a14="http://schemas.microsoft.com/office/drawing/2010/main" xmlns="">
                 <a:effectLst>
                   <a:outerShdw blurRad="63500" dist="38099" dir="2700000" algn="ctr" rotWithShape="0">
                     <a:schemeClr val="bg2">
@@ -18389,7 +16472,7 @@
           <a:effectLst/>
           <a:extLst>
             <a:ext uri="{AF507438-7753-43e0-B8FC-AC1667EBCBE1}">
-              <a14:hiddenEffects xmlns="" xmlns:a14="http://schemas.microsoft.com/office/drawing/2010/main">
+              <a14:hiddenEffects xmlns:a14="http://schemas.microsoft.com/office/drawing/2010/main" xmlns="">
                 <a:effectLst>
                   <a:outerShdw blurRad="63500" dist="38099" dir="2700000" algn="ctr" rotWithShape="0">
                     <a:schemeClr val="bg2">
@@ -18434,7 +16517,7 @@
           <a:effectLst/>
           <a:extLst>
             <a:ext uri="{AF507438-7753-43e0-B8FC-AC1667EBCBE1}">
-              <a14:hiddenEffects xmlns="" xmlns:a14="http://schemas.microsoft.com/office/drawing/2010/main">
+              <a14:hiddenEffects xmlns:a14="http://schemas.microsoft.com/office/drawing/2010/main" xmlns="">
                 <a:effectLst>
                   <a:outerShdw blurRad="63500" dist="38099" dir="2700000" algn="ctr" rotWithShape="0">
                     <a:schemeClr val="bg2">
@@ -18526,7 +16609,7 @@
           </a:ln>
           <a:extLst>
             <a:ext uri="{909E8E84-426E-40dd-AFC4-6F175D3DCCD1}">
-              <a14:hiddenFill xmlns="" xmlns:a14="http://schemas.microsoft.com/office/drawing/2010/main">
+              <a14:hiddenFill xmlns:a14="http://schemas.microsoft.com/office/drawing/2010/main" xmlns="">
                 <a:solidFill>
                   <a:schemeClr val="accent1"/>
                 </a:solidFill>
@@ -21256,7 +19339,7 @@
         <a:effectLst/>
         <a:extLst>
           <a:ext uri="{AF507438-7753-43e0-B8FC-AC1667EBCBE1}">
-            <a14:hiddenEffects xmlns="" xmlns:a14="http://schemas.microsoft.com/office/drawing/2010/main">
+            <a14:hiddenEffects xmlns:a14="http://schemas.microsoft.com/office/drawing/2010/main" xmlns="">
               <a:effectLst>
                 <a:outerShdw blurRad="63500" dist="38099" dir="2700000" algn="ctr" rotWithShape="0">
                   <a:schemeClr val="bg2">
@@ -21333,7 +19416,7 @@
         <a:effectLst/>
         <a:extLst>
           <a:ext uri="{AF507438-7753-43e0-B8FC-AC1667EBCBE1}">
-            <a14:hiddenEffects xmlns="" xmlns:a14="http://schemas.microsoft.com/office/drawing/2010/main">
+            <a14:hiddenEffects xmlns:a14="http://schemas.microsoft.com/office/drawing/2010/main" xmlns="">
               <a:effectLst>
                 <a:outerShdw blurRad="63500" dist="38099" dir="2700000" algn="ctr" rotWithShape="0">
                   <a:schemeClr val="bg2">
